--- a/课程设计/马可福音查经/PPT/01.pptx
+++ b/课程设计/马可福音查经/PPT/01.pptx
@@ -9,6 +9,18 @@
     <p:sldId id="257" r:id="rId3"/>
     <p:sldId id="258" r:id="rId4"/>
     <p:sldId id="259" r:id="rId5"/>
+    <p:sldId id="260" r:id="rId6"/>
+    <p:sldId id="261" r:id="rId7"/>
+    <p:sldId id="262" r:id="rId8"/>
+    <p:sldId id="263" r:id="rId9"/>
+    <p:sldId id="264" r:id="rId10"/>
+    <p:sldId id="265" r:id="rId11"/>
+    <p:sldId id="266" r:id="rId12"/>
+    <p:sldId id="267" r:id="rId13"/>
+    <p:sldId id="268" r:id="rId14"/>
+    <p:sldId id="269" r:id="rId15"/>
+    <p:sldId id="270" r:id="rId16"/>
+    <p:sldId id="271" r:id="rId17"/>
   </p:sldIdLst>
   <p:sldSz cx="9144000" cy="6858000" type="screen4x3"/>
   <p:notesSz cx="6858000" cy="9144000"/>
@@ -16,93 +28,123 @@
     <a:defPPr>
       <a:defRPr lang="zh-CN"/>
     </a:defPPr>
-    <a:lvl1pPr marL="0" algn="l" defTabSz="914400" rtl="0" eaLnBrk="1" latinLnBrk="0" hangingPunct="1">
-      <a:defRPr sz="1800" kern="1200">
+    <a:lvl1pPr algn="l" rtl="0" fontAlgn="base">
+      <a:spcBef>
+        <a:spcPct val="0"/>
+      </a:spcBef>
+      <a:spcAft>
+        <a:spcPct val="0"/>
+      </a:spcAft>
+      <a:defRPr kern="1200">
         <a:solidFill>
           <a:schemeClr val="tx1"/>
         </a:solidFill>
-        <a:latin typeface="+mn-lt"/>
-        <a:ea typeface="+mn-ea"/>
+        <a:latin typeface="Arial" charset="0"/>
+        <a:ea typeface="宋体" pitchFamily="2" charset="-122"/>
         <a:cs typeface="+mn-cs"/>
       </a:defRPr>
     </a:lvl1pPr>
-    <a:lvl2pPr marL="457200" algn="l" defTabSz="914400" rtl="0" eaLnBrk="1" latinLnBrk="0" hangingPunct="1">
-      <a:defRPr sz="1800" kern="1200">
+    <a:lvl2pPr marL="457200" algn="l" rtl="0" fontAlgn="base">
+      <a:spcBef>
+        <a:spcPct val="0"/>
+      </a:spcBef>
+      <a:spcAft>
+        <a:spcPct val="0"/>
+      </a:spcAft>
+      <a:defRPr kern="1200">
         <a:solidFill>
           <a:schemeClr val="tx1"/>
         </a:solidFill>
-        <a:latin typeface="+mn-lt"/>
-        <a:ea typeface="+mn-ea"/>
+        <a:latin typeface="Arial" charset="0"/>
+        <a:ea typeface="宋体" pitchFamily="2" charset="-122"/>
         <a:cs typeface="+mn-cs"/>
       </a:defRPr>
     </a:lvl2pPr>
-    <a:lvl3pPr marL="914400" algn="l" defTabSz="914400" rtl="0" eaLnBrk="1" latinLnBrk="0" hangingPunct="1">
-      <a:defRPr sz="1800" kern="1200">
+    <a:lvl3pPr marL="914400" algn="l" rtl="0" fontAlgn="base">
+      <a:spcBef>
+        <a:spcPct val="0"/>
+      </a:spcBef>
+      <a:spcAft>
+        <a:spcPct val="0"/>
+      </a:spcAft>
+      <a:defRPr kern="1200">
         <a:solidFill>
           <a:schemeClr val="tx1"/>
         </a:solidFill>
-        <a:latin typeface="+mn-lt"/>
-        <a:ea typeface="+mn-ea"/>
+        <a:latin typeface="Arial" charset="0"/>
+        <a:ea typeface="宋体" pitchFamily="2" charset="-122"/>
         <a:cs typeface="+mn-cs"/>
       </a:defRPr>
     </a:lvl3pPr>
-    <a:lvl4pPr marL="1371600" algn="l" defTabSz="914400" rtl="0" eaLnBrk="1" latinLnBrk="0" hangingPunct="1">
-      <a:defRPr sz="1800" kern="1200">
+    <a:lvl4pPr marL="1371600" algn="l" rtl="0" fontAlgn="base">
+      <a:spcBef>
+        <a:spcPct val="0"/>
+      </a:spcBef>
+      <a:spcAft>
+        <a:spcPct val="0"/>
+      </a:spcAft>
+      <a:defRPr kern="1200">
         <a:solidFill>
           <a:schemeClr val="tx1"/>
         </a:solidFill>
-        <a:latin typeface="+mn-lt"/>
-        <a:ea typeface="+mn-ea"/>
+        <a:latin typeface="Arial" charset="0"/>
+        <a:ea typeface="宋体" pitchFamily="2" charset="-122"/>
         <a:cs typeface="+mn-cs"/>
       </a:defRPr>
     </a:lvl4pPr>
-    <a:lvl5pPr marL="1828800" algn="l" defTabSz="914400" rtl="0" eaLnBrk="1" latinLnBrk="0" hangingPunct="1">
-      <a:defRPr sz="1800" kern="1200">
+    <a:lvl5pPr marL="1828800" algn="l" rtl="0" fontAlgn="base">
+      <a:spcBef>
+        <a:spcPct val="0"/>
+      </a:spcBef>
+      <a:spcAft>
+        <a:spcPct val="0"/>
+      </a:spcAft>
+      <a:defRPr kern="1200">
         <a:solidFill>
           <a:schemeClr val="tx1"/>
         </a:solidFill>
-        <a:latin typeface="+mn-lt"/>
-        <a:ea typeface="+mn-ea"/>
+        <a:latin typeface="Arial" charset="0"/>
+        <a:ea typeface="宋体" pitchFamily="2" charset="-122"/>
         <a:cs typeface="+mn-cs"/>
       </a:defRPr>
     </a:lvl5pPr>
     <a:lvl6pPr marL="2286000" algn="l" defTabSz="914400" rtl="0" eaLnBrk="1" latinLnBrk="0" hangingPunct="1">
-      <a:defRPr sz="1800" kern="1200">
+      <a:defRPr kern="1200">
         <a:solidFill>
           <a:schemeClr val="tx1"/>
         </a:solidFill>
-        <a:latin typeface="+mn-lt"/>
-        <a:ea typeface="+mn-ea"/>
+        <a:latin typeface="Arial" charset="0"/>
+        <a:ea typeface="宋体" pitchFamily="2" charset="-122"/>
         <a:cs typeface="+mn-cs"/>
       </a:defRPr>
     </a:lvl6pPr>
     <a:lvl7pPr marL="2743200" algn="l" defTabSz="914400" rtl="0" eaLnBrk="1" latinLnBrk="0" hangingPunct="1">
-      <a:defRPr sz="1800" kern="1200">
+      <a:defRPr kern="1200">
         <a:solidFill>
           <a:schemeClr val="tx1"/>
         </a:solidFill>
-        <a:latin typeface="+mn-lt"/>
-        <a:ea typeface="+mn-ea"/>
+        <a:latin typeface="Arial" charset="0"/>
+        <a:ea typeface="宋体" pitchFamily="2" charset="-122"/>
         <a:cs typeface="+mn-cs"/>
       </a:defRPr>
     </a:lvl7pPr>
     <a:lvl8pPr marL="3200400" algn="l" defTabSz="914400" rtl="0" eaLnBrk="1" latinLnBrk="0" hangingPunct="1">
-      <a:defRPr sz="1800" kern="1200">
+      <a:defRPr kern="1200">
         <a:solidFill>
           <a:schemeClr val="tx1"/>
         </a:solidFill>
-        <a:latin typeface="+mn-lt"/>
-        <a:ea typeface="+mn-ea"/>
+        <a:latin typeface="Arial" charset="0"/>
+        <a:ea typeface="宋体" pitchFamily="2" charset="-122"/>
         <a:cs typeface="+mn-cs"/>
       </a:defRPr>
     </a:lvl8pPr>
     <a:lvl9pPr marL="3657600" algn="l" defTabSz="914400" rtl="0" eaLnBrk="1" latinLnBrk="0" hangingPunct="1">
-      <a:defRPr sz="1800" kern="1200">
+      <a:defRPr kern="1200">
         <a:solidFill>
           <a:schemeClr val="tx1"/>
         </a:solidFill>
-        <a:latin typeface="+mn-lt"/>
-        <a:ea typeface="+mn-ea"/>
+        <a:latin typeface="Arial" charset="0"/>
+        <a:ea typeface="宋体" pitchFamily="2" charset="-122"/>
         <a:cs typeface="+mn-cs"/>
       </a:defRPr>
     </a:lvl9pPr>
@@ -287,10 +329,20 @@
         <p:spPr/>
         <p:txBody>
           <a:bodyPr/>
-          <a:lstStyle/>
-          <a:p>
-            <a:fld id="{D782A0F6-22D0-4812-93E6-37484C64F92D}" type="datetimeFigureOut">
-              <a:rPr lang="zh-CN" altLang="en-US" smtClean="0"/>
+          <a:lstStyle>
+            <a:lvl1pPr>
+              <a:defRPr/>
+            </a:lvl1pPr>
+          </a:lstStyle>
+          <a:p>
+            <a:pPr>
+              <a:defRPr/>
+            </a:pPr>
+            <a:fld id="{4B5339CF-F8B0-4C2A-97B4-C6A39A86C463}" type="datetimeFigureOut">
+              <a:rPr lang="zh-CN" altLang="en-US"/>
+              <a:pPr>
+                <a:defRPr/>
+              </a:pPr>
               <a:t>2017/9/9</a:t>
             </a:fld>
             <a:endParaRPr lang="zh-CN" altLang="en-US"/>
@@ -310,8 +362,15 @@
         <p:spPr/>
         <p:txBody>
           <a:bodyPr/>
-          <a:lstStyle/>
-          <a:p>
+          <a:lstStyle>
+            <a:lvl1pPr>
+              <a:defRPr/>
+            </a:lvl1pPr>
+          </a:lstStyle>
+          <a:p>
+            <a:pPr>
+              <a:defRPr/>
+            </a:pPr>
             <a:endParaRPr lang="zh-CN" altLang="en-US"/>
           </a:p>
         </p:txBody>
@@ -329,10 +388,20 @@
         <p:spPr/>
         <p:txBody>
           <a:bodyPr/>
-          <a:lstStyle/>
-          <a:p>
-            <a:fld id="{98092AB8-F39D-4FEA-8998-1905AAAFB8B3}" type="slidenum">
-              <a:rPr lang="zh-CN" altLang="en-US" smtClean="0"/>
+          <a:lstStyle>
+            <a:lvl1pPr>
+              <a:defRPr/>
+            </a:lvl1pPr>
+          </a:lstStyle>
+          <a:p>
+            <a:pPr>
+              <a:defRPr/>
+            </a:pPr>
+            <a:fld id="{5D9B0AFB-4644-4342-BE7D-B3725167B5A9}" type="slidenum">
+              <a:rPr lang="zh-CN" altLang="en-US"/>
+              <a:pPr>
+                <a:defRPr/>
+              </a:pPr>
               <a:t>‹#›</a:t>
             </a:fld>
             <a:endParaRPr lang="zh-CN" altLang="en-US"/>
@@ -452,10 +521,20 @@
         <p:spPr/>
         <p:txBody>
           <a:bodyPr/>
-          <a:lstStyle/>
-          <a:p>
-            <a:fld id="{D782A0F6-22D0-4812-93E6-37484C64F92D}" type="datetimeFigureOut">
-              <a:rPr lang="zh-CN" altLang="en-US" smtClean="0"/>
+          <a:lstStyle>
+            <a:lvl1pPr>
+              <a:defRPr/>
+            </a:lvl1pPr>
+          </a:lstStyle>
+          <a:p>
+            <a:pPr>
+              <a:defRPr/>
+            </a:pPr>
+            <a:fld id="{290E5531-CAC9-4A94-8423-510CC22A1779}" type="datetimeFigureOut">
+              <a:rPr lang="zh-CN" altLang="en-US"/>
+              <a:pPr>
+                <a:defRPr/>
+              </a:pPr>
               <a:t>2017/9/9</a:t>
             </a:fld>
             <a:endParaRPr lang="zh-CN" altLang="en-US"/>
@@ -475,8 +554,15 @@
         <p:spPr/>
         <p:txBody>
           <a:bodyPr/>
-          <a:lstStyle/>
-          <a:p>
+          <a:lstStyle>
+            <a:lvl1pPr>
+              <a:defRPr/>
+            </a:lvl1pPr>
+          </a:lstStyle>
+          <a:p>
+            <a:pPr>
+              <a:defRPr/>
+            </a:pPr>
             <a:endParaRPr lang="zh-CN" altLang="en-US"/>
           </a:p>
         </p:txBody>
@@ -494,10 +580,20 @@
         <p:spPr/>
         <p:txBody>
           <a:bodyPr/>
-          <a:lstStyle/>
-          <a:p>
-            <a:fld id="{98092AB8-F39D-4FEA-8998-1905AAAFB8B3}" type="slidenum">
-              <a:rPr lang="zh-CN" altLang="en-US" smtClean="0"/>
+          <a:lstStyle>
+            <a:lvl1pPr>
+              <a:defRPr/>
+            </a:lvl1pPr>
+          </a:lstStyle>
+          <a:p>
+            <a:pPr>
+              <a:defRPr/>
+            </a:pPr>
+            <a:fld id="{3EDD8C03-F717-4561-9BB5-CF442A8243BF}" type="slidenum">
+              <a:rPr lang="zh-CN" altLang="en-US"/>
+              <a:pPr>
+                <a:defRPr/>
+              </a:pPr>
               <a:t>‹#›</a:t>
             </a:fld>
             <a:endParaRPr lang="zh-CN" altLang="en-US"/>
@@ -627,10 +723,20 @@
         <p:spPr/>
         <p:txBody>
           <a:bodyPr/>
-          <a:lstStyle/>
-          <a:p>
-            <a:fld id="{D782A0F6-22D0-4812-93E6-37484C64F92D}" type="datetimeFigureOut">
-              <a:rPr lang="zh-CN" altLang="en-US" smtClean="0"/>
+          <a:lstStyle>
+            <a:lvl1pPr>
+              <a:defRPr/>
+            </a:lvl1pPr>
+          </a:lstStyle>
+          <a:p>
+            <a:pPr>
+              <a:defRPr/>
+            </a:pPr>
+            <a:fld id="{978E48A7-8736-4DE8-8338-743365D59197}" type="datetimeFigureOut">
+              <a:rPr lang="zh-CN" altLang="en-US"/>
+              <a:pPr>
+                <a:defRPr/>
+              </a:pPr>
               <a:t>2017/9/9</a:t>
             </a:fld>
             <a:endParaRPr lang="zh-CN" altLang="en-US"/>
@@ -650,8 +756,15 @@
         <p:spPr/>
         <p:txBody>
           <a:bodyPr/>
-          <a:lstStyle/>
-          <a:p>
+          <a:lstStyle>
+            <a:lvl1pPr>
+              <a:defRPr/>
+            </a:lvl1pPr>
+          </a:lstStyle>
+          <a:p>
+            <a:pPr>
+              <a:defRPr/>
+            </a:pPr>
             <a:endParaRPr lang="zh-CN" altLang="en-US"/>
           </a:p>
         </p:txBody>
@@ -669,10 +782,450 @@
         <p:spPr/>
         <p:txBody>
           <a:bodyPr/>
+          <a:lstStyle>
+            <a:lvl1pPr>
+              <a:defRPr/>
+            </a:lvl1pPr>
+          </a:lstStyle>
+          <a:p>
+            <a:pPr>
+              <a:defRPr/>
+            </a:pPr>
+            <a:fld id="{6EAA91D4-9599-41A7-9173-FABAB76BAE23}" type="slidenum">
+              <a:rPr lang="zh-CN" altLang="en-US"/>
+              <a:pPr>
+                <a:defRPr/>
+              </a:pPr>
+              <a:t>‹#›</a:t>
+            </a:fld>
+            <a:endParaRPr lang="zh-CN" altLang="en-US"/>
+          </a:p>
+        </p:txBody>
+      </p:sp>
+    </p:spTree>
+  </p:cSld>
+  <p:clrMapOvr>
+    <a:masterClrMapping/>
+  </p:clrMapOvr>
+</p:sldLayout>
+</file>
+
+<file path=ppt/slideLayouts/slideLayout12.xml><?xml version="1.0" encoding="utf-8"?>
+<p:sldLayout xmlns:a="http://schemas.openxmlformats.org/drawingml/2006/main" xmlns:r="http://schemas.openxmlformats.org/officeDocument/2006/relationships" xmlns:p="http://schemas.openxmlformats.org/presentationml/2006/main" type="chartAndTx" preserve="1">
+  <p:cSld name="标题，图表与文本">
+    <p:spTree>
+      <p:nvGrpSpPr>
+        <p:cNvPr id="1" name=""/>
+        <p:cNvGrpSpPr/>
+        <p:nvPr/>
+      </p:nvGrpSpPr>
+      <p:grpSpPr>
+        <a:xfrm>
+          <a:off x="0" y="0"/>
+          <a:ext cx="0" cy="0"/>
+          <a:chOff x="0" y="0"/>
+          <a:chExt cx="0" cy="0"/>
+        </a:xfrm>
+      </p:grpSpPr>
+      <p:sp>
+        <p:nvSpPr>
+          <p:cNvPr id="2" name="标题 1"/>
+          <p:cNvSpPr>
+            <a:spLocks noGrp="1"/>
+          </p:cNvSpPr>
+          <p:nvPr>
+            <p:ph type="title"/>
+          </p:nvPr>
+        </p:nvSpPr>
+        <p:spPr>
+          <a:xfrm>
+            <a:off x="457200" y="274638"/>
+            <a:ext cx="8229600" cy="1143000"/>
+          </a:xfrm>
+        </p:spPr>
+        <p:txBody>
+          <a:bodyPr/>
           <a:lstStyle/>
           <a:p>
-            <a:fld id="{98092AB8-F39D-4FEA-8998-1905AAAFB8B3}" type="slidenum">
-              <a:rPr lang="zh-CN" altLang="en-US" smtClean="0"/>
+            <a:r>
+              <a:rPr lang="zh-CN" altLang="en-US" smtClean="0"/>
+              <a:t>单击此处编辑母版标题样式</a:t>
+            </a:r>
+            <a:endParaRPr lang="zh-CN" altLang="en-US"/>
+          </a:p>
+        </p:txBody>
+      </p:sp>
+      <p:sp>
+        <p:nvSpPr>
+          <p:cNvPr id="3" name="图表占位符 2"/>
+          <p:cNvSpPr>
+            <a:spLocks noGrp="1"/>
+          </p:cNvSpPr>
+          <p:nvPr>
+            <p:ph type="chart" sz="half" idx="1"/>
+          </p:nvPr>
+        </p:nvSpPr>
+        <p:spPr>
+          <a:xfrm>
+            <a:off x="457200" y="1600200"/>
+            <a:ext cx="4038600" cy="4525963"/>
+          </a:xfrm>
+        </p:spPr>
+        <p:txBody>
+          <a:bodyPr/>
+          <a:lstStyle/>
+          <a:p>
+            <a:endParaRPr lang="zh-CN" altLang="en-US"/>
+          </a:p>
+        </p:txBody>
+      </p:sp>
+      <p:sp>
+        <p:nvSpPr>
+          <p:cNvPr id="4" name="文本占位符 3"/>
+          <p:cNvSpPr>
+            <a:spLocks noGrp="1"/>
+          </p:cNvSpPr>
+          <p:nvPr>
+            <p:ph type="body" sz="half" idx="2"/>
+          </p:nvPr>
+        </p:nvSpPr>
+        <p:spPr>
+          <a:xfrm>
+            <a:off x="4648200" y="1600200"/>
+            <a:ext cx="4038600" cy="4525963"/>
+          </a:xfrm>
+        </p:spPr>
+        <p:txBody>
+          <a:bodyPr/>
+          <a:lstStyle/>
+          <a:p>
+            <a:pPr lvl="0"/>
+            <a:r>
+              <a:rPr lang="zh-CN" altLang="en-US" smtClean="0"/>
+              <a:t>单击此处编辑母版文本样式</a:t>
+            </a:r>
+          </a:p>
+          <a:p>
+            <a:pPr lvl="1"/>
+            <a:r>
+              <a:rPr lang="zh-CN" altLang="en-US" smtClean="0"/>
+              <a:t>第二级</a:t>
+            </a:r>
+          </a:p>
+          <a:p>
+            <a:pPr lvl="2"/>
+            <a:r>
+              <a:rPr lang="zh-CN" altLang="en-US" smtClean="0"/>
+              <a:t>第三级</a:t>
+            </a:r>
+          </a:p>
+          <a:p>
+            <a:pPr lvl="3"/>
+            <a:r>
+              <a:rPr lang="zh-CN" altLang="en-US" smtClean="0"/>
+              <a:t>第四级</a:t>
+            </a:r>
+          </a:p>
+          <a:p>
+            <a:pPr lvl="4"/>
+            <a:r>
+              <a:rPr lang="zh-CN" altLang="en-US" smtClean="0"/>
+              <a:t>第五级</a:t>
+            </a:r>
+            <a:endParaRPr lang="zh-CN" altLang="en-US"/>
+          </a:p>
+        </p:txBody>
+      </p:sp>
+      <p:sp>
+        <p:nvSpPr>
+          <p:cNvPr id="5" name="日期占位符 4"/>
+          <p:cNvSpPr>
+            <a:spLocks noGrp="1"/>
+          </p:cNvSpPr>
+          <p:nvPr>
+            <p:ph type="dt" sz="half" idx="10"/>
+          </p:nvPr>
+        </p:nvSpPr>
+        <p:spPr>
+          <a:xfrm>
+            <a:off x="457200" y="6356350"/>
+            <a:ext cx="2133600" cy="365125"/>
+          </a:xfrm>
+        </p:spPr>
+        <p:txBody>
+          <a:bodyPr/>
+          <a:lstStyle>
+            <a:lvl1pPr>
+              <a:defRPr/>
+            </a:lvl1pPr>
+          </a:lstStyle>
+          <a:p>
+            <a:pPr>
+              <a:defRPr/>
+            </a:pPr>
+            <a:fld id="{4A4B694A-036A-4A66-B12E-6B5B825C031B}" type="datetimeFigureOut">
+              <a:rPr lang="zh-CN" altLang="en-US"/>
+              <a:pPr>
+                <a:defRPr/>
+              </a:pPr>
+              <a:t>2017/9/9</a:t>
+            </a:fld>
+            <a:endParaRPr lang="zh-CN" altLang="en-US"/>
+          </a:p>
+        </p:txBody>
+      </p:sp>
+      <p:sp>
+        <p:nvSpPr>
+          <p:cNvPr id="6" name="页脚占位符 5"/>
+          <p:cNvSpPr>
+            <a:spLocks noGrp="1"/>
+          </p:cNvSpPr>
+          <p:nvPr>
+            <p:ph type="ftr" sz="quarter" idx="11"/>
+          </p:nvPr>
+        </p:nvSpPr>
+        <p:spPr>
+          <a:xfrm>
+            <a:off x="3124200" y="6356350"/>
+            <a:ext cx="2895600" cy="365125"/>
+          </a:xfrm>
+        </p:spPr>
+        <p:txBody>
+          <a:bodyPr/>
+          <a:lstStyle>
+            <a:lvl1pPr>
+              <a:defRPr/>
+            </a:lvl1pPr>
+          </a:lstStyle>
+          <a:p>
+            <a:pPr>
+              <a:defRPr/>
+            </a:pPr>
+            <a:endParaRPr lang="zh-CN" altLang="en-US"/>
+          </a:p>
+        </p:txBody>
+      </p:sp>
+      <p:sp>
+        <p:nvSpPr>
+          <p:cNvPr id="7" name="灯片编号占位符 6"/>
+          <p:cNvSpPr>
+            <a:spLocks noGrp="1"/>
+          </p:cNvSpPr>
+          <p:nvPr>
+            <p:ph type="sldNum" sz="quarter" idx="12"/>
+          </p:nvPr>
+        </p:nvSpPr>
+        <p:spPr>
+          <a:xfrm>
+            <a:off x="6553200" y="6356350"/>
+            <a:ext cx="2133600" cy="365125"/>
+          </a:xfrm>
+        </p:spPr>
+        <p:txBody>
+          <a:bodyPr/>
+          <a:lstStyle>
+            <a:lvl1pPr>
+              <a:defRPr/>
+            </a:lvl1pPr>
+          </a:lstStyle>
+          <a:p>
+            <a:pPr>
+              <a:defRPr/>
+            </a:pPr>
+            <a:fld id="{0E6D278F-4BA4-4C9B-88FC-E1FE1907AC90}" type="slidenum">
+              <a:rPr lang="zh-CN" altLang="en-US"/>
+              <a:pPr>
+                <a:defRPr/>
+              </a:pPr>
+              <a:t>‹#›</a:t>
+            </a:fld>
+            <a:endParaRPr lang="zh-CN" altLang="en-US"/>
+          </a:p>
+        </p:txBody>
+      </p:sp>
+    </p:spTree>
+  </p:cSld>
+  <p:clrMapOvr>
+    <a:masterClrMapping/>
+  </p:clrMapOvr>
+</p:sldLayout>
+</file>
+
+<file path=ppt/slideLayouts/slideLayout13.xml><?xml version="1.0" encoding="utf-8"?>
+<p:sldLayout xmlns:a="http://schemas.openxmlformats.org/drawingml/2006/main" xmlns:r="http://schemas.openxmlformats.org/officeDocument/2006/relationships" xmlns:p="http://schemas.openxmlformats.org/presentationml/2006/main" type="objOnly" preserve="1">
+  <p:cSld name="内容">
+    <p:spTree>
+      <p:nvGrpSpPr>
+        <p:cNvPr id="1" name=""/>
+        <p:cNvGrpSpPr/>
+        <p:nvPr/>
+      </p:nvGrpSpPr>
+      <p:grpSpPr>
+        <a:xfrm>
+          <a:off x="0" y="0"/>
+          <a:ext cx="0" cy="0"/>
+          <a:chOff x="0" y="0"/>
+          <a:chExt cx="0" cy="0"/>
+        </a:xfrm>
+      </p:grpSpPr>
+      <p:sp>
+        <p:nvSpPr>
+          <p:cNvPr id="2" name="内容占位符 1"/>
+          <p:cNvSpPr>
+            <a:spLocks noGrp="1"/>
+          </p:cNvSpPr>
+          <p:nvPr>
+            <p:ph/>
+          </p:nvPr>
+        </p:nvSpPr>
+        <p:spPr>
+          <a:xfrm>
+            <a:off x="457200" y="274638"/>
+            <a:ext cx="8229600" cy="5851525"/>
+          </a:xfrm>
+        </p:spPr>
+        <p:txBody>
+          <a:bodyPr/>
+          <a:lstStyle/>
+          <a:p>
+            <a:pPr lvl="0"/>
+            <a:r>
+              <a:rPr lang="zh-CN" altLang="en-US" smtClean="0"/>
+              <a:t>单击此处编辑母版文本样式</a:t>
+            </a:r>
+          </a:p>
+          <a:p>
+            <a:pPr lvl="1"/>
+            <a:r>
+              <a:rPr lang="zh-CN" altLang="en-US" smtClean="0"/>
+              <a:t>第二级</a:t>
+            </a:r>
+          </a:p>
+          <a:p>
+            <a:pPr lvl="2"/>
+            <a:r>
+              <a:rPr lang="zh-CN" altLang="en-US" smtClean="0"/>
+              <a:t>第三级</a:t>
+            </a:r>
+          </a:p>
+          <a:p>
+            <a:pPr lvl="3"/>
+            <a:r>
+              <a:rPr lang="zh-CN" altLang="en-US" smtClean="0"/>
+              <a:t>第四级</a:t>
+            </a:r>
+          </a:p>
+          <a:p>
+            <a:pPr lvl="4"/>
+            <a:r>
+              <a:rPr lang="zh-CN" altLang="en-US" smtClean="0"/>
+              <a:t>第五级</a:t>
+            </a:r>
+            <a:endParaRPr lang="zh-CN" altLang="en-US"/>
+          </a:p>
+        </p:txBody>
+      </p:sp>
+      <p:sp>
+        <p:nvSpPr>
+          <p:cNvPr id="3" name="日期占位符 2"/>
+          <p:cNvSpPr>
+            <a:spLocks noGrp="1"/>
+          </p:cNvSpPr>
+          <p:nvPr>
+            <p:ph type="dt" sz="half" idx="10"/>
+          </p:nvPr>
+        </p:nvSpPr>
+        <p:spPr>
+          <a:xfrm>
+            <a:off x="457200" y="6356350"/>
+            <a:ext cx="2133600" cy="365125"/>
+          </a:xfrm>
+        </p:spPr>
+        <p:txBody>
+          <a:bodyPr/>
+          <a:lstStyle>
+            <a:lvl1pPr>
+              <a:defRPr/>
+            </a:lvl1pPr>
+          </a:lstStyle>
+          <a:p>
+            <a:pPr>
+              <a:defRPr/>
+            </a:pPr>
+            <a:fld id="{8B0B2B75-5BC3-47DE-97D1-04229D19FDEA}" type="datetimeFigureOut">
+              <a:rPr lang="zh-CN" altLang="en-US"/>
+              <a:pPr>
+                <a:defRPr/>
+              </a:pPr>
+              <a:t>2017/9/9</a:t>
+            </a:fld>
+            <a:endParaRPr lang="zh-CN" altLang="en-US"/>
+          </a:p>
+        </p:txBody>
+      </p:sp>
+      <p:sp>
+        <p:nvSpPr>
+          <p:cNvPr id="4" name="页脚占位符 3"/>
+          <p:cNvSpPr>
+            <a:spLocks noGrp="1"/>
+          </p:cNvSpPr>
+          <p:nvPr>
+            <p:ph type="ftr" sz="quarter" idx="11"/>
+          </p:nvPr>
+        </p:nvSpPr>
+        <p:spPr>
+          <a:xfrm>
+            <a:off x="3124200" y="6356350"/>
+            <a:ext cx="2895600" cy="365125"/>
+          </a:xfrm>
+        </p:spPr>
+        <p:txBody>
+          <a:bodyPr/>
+          <a:lstStyle>
+            <a:lvl1pPr>
+              <a:defRPr/>
+            </a:lvl1pPr>
+          </a:lstStyle>
+          <a:p>
+            <a:pPr>
+              <a:defRPr/>
+            </a:pPr>
+            <a:endParaRPr lang="zh-CN" altLang="en-US"/>
+          </a:p>
+        </p:txBody>
+      </p:sp>
+      <p:sp>
+        <p:nvSpPr>
+          <p:cNvPr id="5" name="灯片编号占位符 4"/>
+          <p:cNvSpPr>
+            <a:spLocks noGrp="1"/>
+          </p:cNvSpPr>
+          <p:nvPr>
+            <p:ph type="sldNum" sz="quarter" idx="12"/>
+          </p:nvPr>
+        </p:nvSpPr>
+        <p:spPr>
+          <a:xfrm>
+            <a:off x="6553200" y="6356350"/>
+            <a:ext cx="2133600" cy="365125"/>
+          </a:xfrm>
+        </p:spPr>
+        <p:txBody>
+          <a:bodyPr/>
+          <a:lstStyle>
+            <a:lvl1pPr>
+              <a:defRPr/>
+            </a:lvl1pPr>
+          </a:lstStyle>
+          <a:p>
+            <a:pPr>
+              <a:defRPr/>
+            </a:pPr>
+            <a:fld id="{2CB5BC2B-2665-4F32-A0D8-AD2370FCFA8F}" type="slidenum">
+              <a:rPr lang="zh-CN" altLang="en-US"/>
+              <a:pPr>
+                <a:defRPr/>
+              </a:pPr>
               <a:t>‹#›</a:t>
             </a:fld>
             <a:endParaRPr lang="zh-CN" altLang="en-US"/>
@@ -792,10 +1345,20 @@
         <p:spPr/>
         <p:txBody>
           <a:bodyPr/>
-          <a:lstStyle/>
-          <a:p>
-            <a:fld id="{D782A0F6-22D0-4812-93E6-37484C64F92D}" type="datetimeFigureOut">
-              <a:rPr lang="zh-CN" altLang="en-US" smtClean="0"/>
+          <a:lstStyle>
+            <a:lvl1pPr>
+              <a:defRPr/>
+            </a:lvl1pPr>
+          </a:lstStyle>
+          <a:p>
+            <a:pPr>
+              <a:defRPr/>
+            </a:pPr>
+            <a:fld id="{21BF5201-9C4F-46AA-ABED-EFA46D471375}" type="datetimeFigureOut">
+              <a:rPr lang="zh-CN" altLang="en-US"/>
+              <a:pPr>
+                <a:defRPr/>
+              </a:pPr>
               <a:t>2017/9/9</a:t>
             </a:fld>
             <a:endParaRPr lang="zh-CN" altLang="en-US"/>
@@ -815,8 +1378,15 @@
         <p:spPr/>
         <p:txBody>
           <a:bodyPr/>
-          <a:lstStyle/>
-          <a:p>
+          <a:lstStyle>
+            <a:lvl1pPr>
+              <a:defRPr/>
+            </a:lvl1pPr>
+          </a:lstStyle>
+          <a:p>
+            <a:pPr>
+              <a:defRPr/>
+            </a:pPr>
             <a:endParaRPr lang="zh-CN" altLang="en-US"/>
           </a:p>
         </p:txBody>
@@ -834,10 +1404,20 @@
         <p:spPr/>
         <p:txBody>
           <a:bodyPr/>
-          <a:lstStyle/>
-          <a:p>
-            <a:fld id="{98092AB8-F39D-4FEA-8998-1905AAAFB8B3}" type="slidenum">
-              <a:rPr lang="zh-CN" altLang="en-US" smtClean="0"/>
+          <a:lstStyle>
+            <a:lvl1pPr>
+              <a:defRPr/>
+            </a:lvl1pPr>
+          </a:lstStyle>
+          <a:p>
+            <a:pPr>
+              <a:defRPr/>
+            </a:pPr>
+            <a:fld id="{01BAC916-A8F8-4E68-BDAB-3DA6F486E9DA}" type="slidenum">
+              <a:rPr lang="zh-CN" altLang="en-US"/>
+              <a:pPr>
+                <a:defRPr/>
+              </a:pPr>
               <a:t>‹#›</a:t>
             </a:fld>
             <a:endParaRPr lang="zh-CN" altLang="en-US"/>
@@ -1033,10 +1613,20 @@
         <p:spPr/>
         <p:txBody>
           <a:bodyPr/>
-          <a:lstStyle/>
-          <a:p>
-            <a:fld id="{D782A0F6-22D0-4812-93E6-37484C64F92D}" type="datetimeFigureOut">
-              <a:rPr lang="zh-CN" altLang="en-US" smtClean="0"/>
+          <a:lstStyle>
+            <a:lvl1pPr>
+              <a:defRPr/>
+            </a:lvl1pPr>
+          </a:lstStyle>
+          <a:p>
+            <a:pPr>
+              <a:defRPr/>
+            </a:pPr>
+            <a:fld id="{5E8FF294-1598-4C2C-B82C-5E50144A85A8}" type="datetimeFigureOut">
+              <a:rPr lang="zh-CN" altLang="en-US"/>
+              <a:pPr>
+                <a:defRPr/>
+              </a:pPr>
               <a:t>2017/9/9</a:t>
             </a:fld>
             <a:endParaRPr lang="zh-CN" altLang="en-US"/>
@@ -1056,8 +1646,15 @@
         <p:spPr/>
         <p:txBody>
           <a:bodyPr/>
-          <a:lstStyle/>
-          <a:p>
+          <a:lstStyle>
+            <a:lvl1pPr>
+              <a:defRPr/>
+            </a:lvl1pPr>
+          </a:lstStyle>
+          <a:p>
+            <a:pPr>
+              <a:defRPr/>
+            </a:pPr>
             <a:endParaRPr lang="zh-CN" altLang="en-US"/>
           </a:p>
         </p:txBody>
@@ -1075,10 +1672,20 @@
         <p:spPr/>
         <p:txBody>
           <a:bodyPr/>
-          <a:lstStyle/>
-          <a:p>
-            <a:fld id="{98092AB8-F39D-4FEA-8998-1905AAAFB8B3}" type="slidenum">
-              <a:rPr lang="zh-CN" altLang="en-US" smtClean="0"/>
+          <a:lstStyle>
+            <a:lvl1pPr>
+              <a:defRPr/>
+            </a:lvl1pPr>
+          </a:lstStyle>
+          <a:p>
+            <a:pPr>
+              <a:defRPr/>
+            </a:pPr>
+            <a:fld id="{B54EE0BB-7CFB-4F74-8D4F-ECA51712BFD7}" type="slidenum">
+              <a:rPr lang="zh-CN" altLang="en-US"/>
+              <a:pPr>
+                <a:defRPr/>
+              </a:pPr>
               <a:t>‹#›</a:t>
             </a:fld>
             <a:endParaRPr lang="zh-CN" altLang="en-US"/>
@@ -1305,7 +1912,7 @@
       </p:sp>
       <p:sp>
         <p:nvSpPr>
-          <p:cNvPr id="5" name="日期占位符 4"/>
+          <p:cNvPr id="5" name="日期占位符 3"/>
           <p:cNvSpPr>
             <a:spLocks noGrp="1"/>
           </p:cNvSpPr>
@@ -1316,10 +1923,20 @@
         <p:spPr/>
         <p:txBody>
           <a:bodyPr/>
-          <a:lstStyle/>
-          <a:p>
-            <a:fld id="{D782A0F6-22D0-4812-93E6-37484C64F92D}" type="datetimeFigureOut">
-              <a:rPr lang="zh-CN" altLang="en-US" smtClean="0"/>
+          <a:lstStyle>
+            <a:lvl1pPr>
+              <a:defRPr/>
+            </a:lvl1pPr>
+          </a:lstStyle>
+          <a:p>
+            <a:pPr>
+              <a:defRPr/>
+            </a:pPr>
+            <a:fld id="{81543908-6D48-4248-A6EC-267DC874596C}" type="datetimeFigureOut">
+              <a:rPr lang="zh-CN" altLang="en-US"/>
+              <a:pPr>
+                <a:defRPr/>
+              </a:pPr>
               <a:t>2017/9/9</a:t>
             </a:fld>
             <a:endParaRPr lang="zh-CN" altLang="en-US"/>
@@ -1328,7 +1945,7 @@
       </p:sp>
       <p:sp>
         <p:nvSpPr>
-          <p:cNvPr id="6" name="页脚占位符 5"/>
+          <p:cNvPr id="6" name="页脚占位符 4"/>
           <p:cNvSpPr>
             <a:spLocks noGrp="1"/>
           </p:cNvSpPr>
@@ -1339,15 +1956,22 @@
         <p:spPr/>
         <p:txBody>
           <a:bodyPr/>
-          <a:lstStyle/>
-          <a:p>
+          <a:lstStyle>
+            <a:lvl1pPr>
+              <a:defRPr/>
+            </a:lvl1pPr>
+          </a:lstStyle>
+          <a:p>
+            <a:pPr>
+              <a:defRPr/>
+            </a:pPr>
             <a:endParaRPr lang="zh-CN" altLang="en-US"/>
           </a:p>
         </p:txBody>
       </p:sp>
       <p:sp>
         <p:nvSpPr>
-          <p:cNvPr id="7" name="灯片编号占位符 6"/>
+          <p:cNvPr id="7" name="灯片编号占位符 5"/>
           <p:cNvSpPr>
             <a:spLocks noGrp="1"/>
           </p:cNvSpPr>
@@ -1358,10 +1982,20 @@
         <p:spPr/>
         <p:txBody>
           <a:bodyPr/>
-          <a:lstStyle/>
-          <a:p>
-            <a:fld id="{98092AB8-F39D-4FEA-8998-1905AAAFB8B3}" type="slidenum">
-              <a:rPr lang="zh-CN" altLang="en-US" smtClean="0"/>
+          <a:lstStyle>
+            <a:lvl1pPr>
+              <a:defRPr/>
+            </a:lvl1pPr>
+          </a:lstStyle>
+          <a:p>
+            <a:pPr>
+              <a:defRPr/>
+            </a:pPr>
+            <a:fld id="{E1B896E8-B5E0-4B6B-8836-BC11B172652E}" type="slidenum">
+              <a:rPr lang="zh-CN" altLang="en-US"/>
+              <a:pPr>
+                <a:defRPr/>
+              </a:pPr>
               <a:t>‹#›</a:t>
             </a:fld>
             <a:endParaRPr lang="zh-CN" altLang="en-US"/>
@@ -1722,7 +2356,7 @@
       </p:sp>
       <p:sp>
         <p:nvSpPr>
-          <p:cNvPr id="7" name="日期占位符 6"/>
+          <p:cNvPr id="7" name="日期占位符 3"/>
           <p:cNvSpPr>
             <a:spLocks noGrp="1"/>
           </p:cNvSpPr>
@@ -1733,10 +2367,20 @@
         <p:spPr/>
         <p:txBody>
           <a:bodyPr/>
-          <a:lstStyle/>
-          <a:p>
-            <a:fld id="{D782A0F6-22D0-4812-93E6-37484C64F92D}" type="datetimeFigureOut">
-              <a:rPr lang="zh-CN" altLang="en-US" smtClean="0"/>
+          <a:lstStyle>
+            <a:lvl1pPr>
+              <a:defRPr/>
+            </a:lvl1pPr>
+          </a:lstStyle>
+          <a:p>
+            <a:pPr>
+              <a:defRPr/>
+            </a:pPr>
+            <a:fld id="{86260499-A595-4235-8F0F-59DB3BABADA2}" type="datetimeFigureOut">
+              <a:rPr lang="zh-CN" altLang="en-US"/>
+              <a:pPr>
+                <a:defRPr/>
+              </a:pPr>
               <a:t>2017/9/9</a:t>
             </a:fld>
             <a:endParaRPr lang="zh-CN" altLang="en-US"/>
@@ -1745,7 +2389,7 @@
       </p:sp>
       <p:sp>
         <p:nvSpPr>
-          <p:cNvPr id="8" name="页脚占位符 7"/>
+          <p:cNvPr id="8" name="页脚占位符 4"/>
           <p:cNvSpPr>
             <a:spLocks noGrp="1"/>
           </p:cNvSpPr>
@@ -1756,15 +2400,22 @@
         <p:spPr/>
         <p:txBody>
           <a:bodyPr/>
-          <a:lstStyle/>
-          <a:p>
+          <a:lstStyle>
+            <a:lvl1pPr>
+              <a:defRPr/>
+            </a:lvl1pPr>
+          </a:lstStyle>
+          <a:p>
+            <a:pPr>
+              <a:defRPr/>
+            </a:pPr>
             <a:endParaRPr lang="zh-CN" altLang="en-US"/>
           </a:p>
         </p:txBody>
       </p:sp>
       <p:sp>
         <p:nvSpPr>
-          <p:cNvPr id="9" name="灯片编号占位符 8"/>
+          <p:cNvPr id="9" name="灯片编号占位符 5"/>
           <p:cNvSpPr>
             <a:spLocks noGrp="1"/>
           </p:cNvSpPr>
@@ -1775,10 +2426,20 @@
         <p:spPr/>
         <p:txBody>
           <a:bodyPr/>
-          <a:lstStyle/>
-          <a:p>
-            <a:fld id="{98092AB8-F39D-4FEA-8998-1905AAAFB8B3}" type="slidenum">
-              <a:rPr lang="zh-CN" altLang="en-US" smtClean="0"/>
+          <a:lstStyle>
+            <a:lvl1pPr>
+              <a:defRPr/>
+            </a:lvl1pPr>
+          </a:lstStyle>
+          <a:p>
+            <a:pPr>
+              <a:defRPr/>
+            </a:pPr>
+            <a:fld id="{6CF2828F-2F8A-4EB1-81C2-4586656EC632}" type="slidenum">
+              <a:rPr lang="zh-CN" altLang="en-US"/>
+              <a:pPr>
+                <a:defRPr/>
+              </a:pPr>
               <a:t>‹#›</a:t>
             </a:fld>
             <a:endParaRPr lang="zh-CN" altLang="en-US"/>
@@ -1835,7 +2496,7 @@
       </p:sp>
       <p:sp>
         <p:nvSpPr>
-          <p:cNvPr id="3" name="日期占位符 2"/>
+          <p:cNvPr id="3" name="日期占位符 3"/>
           <p:cNvSpPr>
             <a:spLocks noGrp="1"/>
           </p:cNvSpPr>
@@ -1846,10 +2507,20 @@
         <p:spPr/>
         <p:txBody>
           <a:bodyPr/>
-          <a:lstStyle/>
-          <a:p>
-            <a:fld id="{D782A0F6-22D0-4812-93E6-37484C64F92D}" type="datetimeFigureOut">
-              <a:rPr lang="zh-CN" altLang="en-US" smtClean="0"/>
+          <a:lstStyle>
+            <a:lvl1pPr>
+              <a:defRPr/>
+            </a:lvl1pPr>
+          </a:lstStyle>
+          <a:p>
+            <a:pPr>
+              <a:defRPr/>
+            </a:pPr>
+            <a:fld id="{0C714209-418F-4CD0-8665-74FC38439830}" type="datetimeFigureOut">
+              <a:rPr lang="zh-CN" altLang="en-US"/>
+              <a:pPr>
+                <a:defRPr/>
+              </a:pPr>
               <a:t>2017/9/9</a:t>
             </a:fld>
             <a:endParaRPr lang="zh-CN" altLang="en-US"/>
@@ -1858,7 +2529,7 @@
       </p:sp>
       <p:sp>
         <p:nvSpPr>
-          <p:cNvPr id="4" name="页脚占位符 3"/>
+          <p:cNvPr id="4" name="页脚占位符 4"/>
           <p:cNvSpPr>
             <a:spLocks noGrp="1"/>
           </p:cNvSpPr>
@@ -1869,15 +2540,22 @@
         <p:spPr/>
         <p:txBody>
           <a:bodyPr/>
-          <a:lstStyle/>
-          <a:p>
+          <a:lstStyle>
+            <a:lvl1pPr>
+              <a:defRPr/>
+            </a:lvl1pPr>
+          </a:lstStyle>
+          <a:p>
+            <a:pPr>
+              <a:defRPr/>
+            </a:pPr>
             <a:endParaRPr lang="zh-CN" altLang="en-US"/>
           </a:p>
         </p:txBody>
       </p:sp>
       <p:sp>
         <p:nvSpPr>
-          <p:cNvPr id="5" name="灯片编号占位符 4"/>
+          <p:cNvPr id="5" name="灯片编号占位符 5"/>
           <p:cNvSpPr>
             <a:spLocks noGrp="1"/>
           </p:cNvSpPr>
@@ -1888,10 +2566,20 @@
         <p:spPr/>
         <p:txBody>
           <a:bodyPr/>
-          <a:lstStyle/>
-          <a:p>
-            <a:fld id="{98092AB8-F39D-4FEA-8998-1905AAAFB8B3}" type="slidenum">
-              <a:rPr lang="zh-CN" altLang="en-US" smtClean="0"/>
+          <a:lstStyle>
+            <a:lvl1pPr>
+              <a:defRPr/>
+            </a:lvl1pPr>
+          </a:lstStyle>
+          <a:p>
+            <a:pPr>
+              <a:defRPr/>
+            </a:pPr>
+            <a:fld id="{1D61EAFC-1676-401C-8181-9A4973C883D1}" type="slidenum">
+              <a:rPr lang="zh-CN" altLang="en-US"/>
+              <a:pPr>
+                <a:defRPr/>
+              </a:pPr>
               <a:t>‹#›</a:t>
             </a:fld>
             <a:endParaRPr lang="zh-CN" altLang="en-US"/>
@@ -1925,7 +2613,7 @@
       </p:grpSpPr>
       <p:sp>
         <p:nvSpPr>
-          <p:cNvPr id="2" name="日期占位符 1"/>
+          <p:cNvPr id="2" name="日期占位符 3"/>
           <p:cNvSpPr>
             <a:spLocks noGrp="1"/>
           </p:cNvSpPr>
@@ -1936,10 +2624,20 @@
         <p:spPr/>
         <p:txBody>
           <a:bodyPr/>
-          <a:lstStyle/>
-          <a:p>
-            <a:fld id="{D782A0F6-22D0-4812-93E6-37484C64F92D}" type="datetimeFigureOut">
-              <a:rPr lang="zh-CN" altLang="en-US" smtClean="0"/>
+          <a:lstStyle>
+            <a:lvl1pPr>
+              <a:defRPr/>
+            </a:lvl1pPr>
+          </a:lstStyle>
+          <a:p>
+            <a:pPr>
+              <a:defRPr/>
+            </a:pPr>
+            <a:fld id="{0EEF3483-8DE1-457E-B626-76D91A49A0E5}" type="datetimeFigureOut">
+              <a:rPr lang="zh-CN" altLang="en-US"/>
+              <a:pPr>
+                <a:defRPr/>
+              </a:pPr>
               <a:t>2017/9/9</a:t>
             </a:fld>
             <a:endParaRPr lang="zh-CN" altLang="en-US"/>
@@ -1948,7 +2646,7 @@
       </p:sp>
       <p:sp>
         <p:nvSpPr>
-          <p:cNvPr id="3" name="页脚占位符 2"/>
+          <p:cNvPr id="3" name="页脚占位符 4"/>
           <p:cNvSpPr>
             <a:spLocks noGrp="1"/>
           </p:cNvSpPr>
@@ -1959,15 +2657,22 @@
         <p:spPr/>
         <p:txBody>
           <a:bodyPr/>
-          <a:lstStyle/>
-          <a:p>
+          <a:lstStyle>
+            <a:lvl1pPr>
+              <a:defRPr/>
+            </a:lvl1pPr>
+          </a:lstStyle>
+          <a:p>
+            <a:pPr>
+              <a:defRPr/>
+            </a:pPr>
             <a:endParaRPr lang="zh-CN" altLang="en-US"/>
           </a:p>
         </p:txBody>
       </p:sp>
       <p:sp>
         <p:nvSpPr>
-          <p:cNvPr id="4" name="灯片编号占位符 3"/>
+          <p:cNvPr id="4" name="灯片编号占位符 5"/>
           <p:cNvSpPr>
             <a:spLocks noGrp="1"/>
           </p:cNvSpPr>
@@ -1978,10 +2683,20 @@
         <p:spPr/>
         <p:txBody>
           <a:bodyPr/>
-          <a:lstStyle/>
-          <a:p>
-            <a:fld id="{98092AB8-F39D-4FEA-8998-1905AAAFB8B3}" type="slidenum">
-              <a:rPr lang="zh-CN" altLang="en-US" smtClean="0"/>
+          <a:lstStyle>
+            <a:lvl1pPr>
+              <a:defRPr/>
+            </a:lvl1pPr>
+          </a:lstStyle>
+          <a:p>
+            <a:pPr>
+              <a:defRPr/>
+            </a:pPr>
+            <a:fld id="{9B72539F-079E-43C1-AB6B-E894CAC3E6C4}" type="slidenum">
+              <a:rPr lang="zh-CN" altLang="en-US"/>
+              <a:pPr>
+                <a:defRPr/>
+              </a:pPr>
               <a:t>‹#›</a:t>
             </a:fld>
             <a:endParaRPr lang="zh-CN" altLang="en-US"/>
@@ -2197,7 +2912,7 @@
       </p:sp>
       <p:sp>
         <p:nvSpPr>
-          <p:cNvPr id="5" name="日期占位符 4"/>
+          <p:cNvPr id="5" name="日期占位符 3"/>
           <p:cNvSpPr>
             <a:spLocks noGrp="1"/>
           </p:cNvSpPr>
@@ -2208,10 +2923,20 @@
         <p:spPr/>
         <p:txBody>
           <a:bodyPr/>
-          <a:lstStyle/>
-          <a:p>
-            <a:fld id="{D782A0F6-22D0-4812-93E6-37484C64F92D}" type="datetimeFigureOut">
-              <a:rPr lang="zh-CN" altLang="en-US" smtClean="0"/>
+          <a:lstStyle>
+            <a:lvl1pPr>
+              <a:defRPr/>
+            </a:lvl1pPr>
+          </a:lstStyle>
+          <a:p>
+            <a:pPr>
+              <a:defRPr/>
+            </a:pPr>
+            <a:fld id="{E7C784B7-CC29-4D69-BB05-EB4439A4FE07}" type="datetimeFigureOut">
+              <a:rPr lang="zh-CN" altLang="en-US"/>
+              <a:pPr>
+                <a:defRPr/>
+              </a:pPr>
               <a:t>2017/9/9</a:t>
             </a:fld>
             <a:endParaRPr lang="zh-CN" altLang="en-US"/>
@@ -2220,7 +2945,7 @@
       </p:sp>
       <p:sp>
         <p:nvSpPr>
-          <p:cNvPr id="6" name="页脚占位符 5"/>
+          <p:cNvPr id="6" name="页脚占位符 4"/>
           <p:cNvSpPr>
             <a:spLocks noGrp="1"/>
           </p:cNvSpPr>
@@ -2231,15 +2956,22 @@
         <p:spPr/>
         <p:txBody>
           <a:bodyPr/>
-          <a:lstStyle/>
-          <a:p>
+          <a:lstStyle>
+            <a:lvl1pPr>
+              <a:defRPr/>
+            </a:lvl1pPr>
+          </a:lstStyle>
+          <a:p>
+            <a:pPr>
+              <a:defRPr/>
+            </a:pPr>
             <a:endParaRPr lang="zh-CN" altLang="en-US"/>
           </a:p>
         </p:txBody>
       </p:sp>
       <p:sp>
         <p:nvSpPr>
-          <p:cNvPr id="7" name="灯片编号占位符 6"/>
+          <p:cNvPr id="7" name="灯片编号占位符 5"/>
           <p:cNvSpPr>
             <a:spLocks noGrp="1"/>
           </p:cNvSpPr>
@@ -2250,10 +2982,20 @@
         <p:spPr/>
         <p:txBody>
           <a:bodyPr/>
-          <a:lstStyle/>
-          <a:p>
-            <a:fld id="{98092AB8-F39D-4FEA-8998-1905AAAFB8B3}" type="slidenum">
-              <a:rPr lang="zh-CN" altLang="en-US" smtClean="0"/>
+          <a:lstStyle>
+            <a:lvl1pPr>
+              <a:defRPr/>
+            </a:lvl1pPr>
+          </a:lstStyle>
+          <a:p>
+            <a:pPr>
+              <a:defRPr/>
+            </a:pPr>
+            <a:fld id="{9D530135-6366-4CE2-9F83-B7908C32009F}" type="slidenum">
+              <a:rPr lang="zh-CN" altLang="en-US"/>
+              <a:pPr>
+                <a:defRPr/>
+              </a:pPr>
               <a:t>‹#›</a:t>
             </a:fld>
             <a:endParaRPr lang="zh-CN" altLang="en-US"/>
@@ -2334,7 +3076,9 @@
           </a:xfrm>
         </p:spPr>
         <p:txBody>
-          <a:bodyPr/>
+          <a:bodyPr rtlCol="0">
+            <a:normAutofit/>
+          </a:bodyPr>
           <a:lstStyle>
             <a:lvl1pPr marL="0" indent="0">
               <a:buNone/>
@@ -2374,7 +3118,8 @@
             </a:lvl9pPr>
           </a:lstStyle>
           <a:p>
-            <a:endParaRPr lang="zh-CN" altLang="en-US"/>
+            <a:pPr lvl="0"/>
+            <a:endParaRPr lang="zh-CN" altLang="en-US" noProof="0"/>
           </a:p>
         </p:txBody>
       </p:sp>
@@ -2445,7 +3190,7 @@
       </p:sp>
       <p:sp>
         <p:nvSpPr>
-          <p:cNvPr id="5" name="日期占位符 4"/>
+          <p:cNvPr id="5" name="日期占位符 3"/>
           <p:cNvSpPr>
             <a:spLocks noGrp="1"/>
           </p:cNvSpPr>
@@ -2456,10 +3201,20 @@
         <p:spPr/>
         <p:txBody>
           <a:bodyPr/>
-          <a:lstStyle/>
-          <a:p>
-            <a:fld id="{D782A0F6-22D0-4812-93E6-37484C64F92D}" type="datetimeFigureOut">
-              <a:rPr lang="zh-CN" altLang="en-US" smtClean="0"/>
+          <a:lstStyle>
+            <a:lvl1pPr>
+              <a:defRPr/>
+            </a:lvl1pPr>
+          </a:lstStyle>
+          <a:p>
+            <a:pPr>
+              <a:defRPr/>
+            </a:pPr>
+            <a:fld id="{EE11F01A-8796-4A60-97DD-ED9A21DB8E2D}" type="datetimeFigureOut">
+              <a:rPr lang="zh-CN" altLang="en-US"/>
+              <a:pPr>
+                <a:defRPr/>
+              </a:pPr>
               <a:t>2017/9/9</a:t>
             </a:fld>
             <a:endParaRPr lang="zh-CN" altLang="en-US"/>
@@ -2468,7 +3223,7 @@
       </p:sp>
       <p:sp>
         <p:nvSpPr>
-          <p:cNvPr id="6" name="页脚占位符 5"/>
+          <p:cNvPr id="6" name="页脚占位符 4"/>
           <p:cNvSpPr>
             <a:spLocks noGrp="1"/>
           </p:cNvSpPr>
@@ -2479,15 +3234,22 @@
         <p:spPr/>
         <p:txBody>
           <a:bodyPr/>
-          <a:lstStyle/>
-          <a:p>
+          <a:lstStyle>
+            <a:lvl1pPr>
+              <a:defRPr/>
+            </a:lvl1pPr>
+          </a:lstStyle>
+          <a:p>
+            <a:pPr>
+              <a:defRPr/>
+            </a:pPr>
             <a:endParaRPr lang="zh-CN" altLang="en-US"/>
           </a:p>
         </p:txBody>
       </p:sp>
       <p:sp>
         <p:nvSpPr>
-          <p:cNvPr id="7" name="灯片编号占位符 6"/>
+          <p:cNvPr id="7" name="灯片编号占位符 5"/>
           <p:cNvSpPr>
             <a:spLocks noGrp="1"/>
           </p:cNvSpPr>
@@ -2498,10 +3260,20 @@
         <p:spPr/>
         <p:txBody>
           <a:bodyPr/>
-          <a:lstStyle/>
-          <a:p>
-            <a:fld id="{98092AB8-F39D-4FEA-8998-1905AAAFB8B3}" type="slidenum">
-              <a:rPr lang="zh-CN" altLang="en-US" smtClean="0"/>
+          <a:lstStyle>
+            <a:lvl1pPr>
+              <a:defRPr/>
+            </a:lvl1pPr>
+          </a:lstStyle>
+          <a:p>
+            <a:pPr>
+              <a:defRPr/>
+            </a:pPr>
+            <a:fld id="{4933CBCB-E271-4205-B1F5-D3C9AA677A01}" type="slidenum">
+              <a:rPr lang="zh-CN" altLang="en-US"/>
+              <a:pPr>
+                <a:defRPr/>
+              </a:pPr>
               <a:t>‹#›</a:t>
             </a:fld>
             <a:endParaRPr lang="zh-CN" altLang="en-US"/>
@@ -2540,7 +3312,7 @@
       </p:grpSpPr>
       <p:sp>
         <p:nvSpPr>
-          <p:cNvPr id="2" name="标题占位符 1"/>
+          <p:cNvPr id="1026" name="标题占位符 1"/>
           <p:cNvSpPr>
             <a:spLocks noGrp="1"/>
           </p:cNvSpPr>
@@ -2548,7 +3320,7 @@
             <p:ph type="title"/>
           </p:nvPr>
         </p:nvSpPr>
-        <p:spPr>
+        <p:spPr bwMode="auto">
           <a:xfrm>
             <a:off x="457200" y="274638"/>
             <a:ext cx="8229600" cy="1143000"/>
@@ -2556,24 +3328,33 @@
           <a:prstGeom prst="rect">
             <a:avLst/>
           </a:prstGeom>
+          <a:noFill/>
+          <a:ln w="9525">
+            <a:noFill/>
+            <a:miter lim="800000"/>
+            <a:headEnd/>
+            <a:tailEnd/>
+          </a:ln>
         </p:spPr>
         <p:txBody>
-          <a:bodyPr vert="horz" lIns="91440" tIns="45720" rIns="91440" bIns="45720" rtlCol="0" anchor="ctr">
-            <a:normAutofit/>
+          <a:bodyPr vert="horz" wrap="square" lIns="91440" tIns="45720" rIns="91440" bIns="45720" numCol="1" anchor="ctr" anchorCtr="0" compatLnSpc="1">
+            <a:prstTxWarp prst="textNoShape">
+              <a:avLst/>
+            </a:prstTxWarp>
           </a:bodyPr>
           <a:lstStyle/>
           <a:p>
+            <a:pPr lvl="0"/>
             <a:r>
               <a:rPr lang="zh-CN" altLang="en-US" smtClean="0"/>
               <a:t>单击此处编辑母版标题样式</a:t>
             </a:r>
-            <a:endParaRPr lang="zh-CN" altLang="en-US"/>
           </a:p>
         </p:txBody>
       </p:sp>
       <p:sp>
         <p:nvSpPr>
-          <p:cNvPr id="3" name="文本占位符 2"/>
+          <p:cNvPr id="1027" name="文本占位符 2"/>
           <p:cNvSpPr>
             <a:spLocks noGrp="1"/>
           </p:cNvSpPr>
@@ -2581,7 +3362,7 @@
             <p:ph type="body" idx="1"/>
           </p:nvPr>
         </p:nvSpPr>
-        <p:spPr>
+        <p:spPr bwMode="auto">
           <a:xfrm>
             <a:off x="457200" y="1600200"/>
             <a:ext cx="8229600" cy="4525963"/>
@@ -2589,10 +3370,19 @@
           <a:prstGeom prst="rect">
             <a:avLst/>
           </a:prstGeom>
+          <a:noFill/>
+          <a:ln w="9525">
+            <a:noFill/>
+            <a:miter lim="800000"/>
+            <a:headEnd/>
+            <a:tailEnd/>
+          </a:ln>
         </p:spPr>
         <p:txBody>
-          <a:bodyPr vert="horz" lIns="91440" tIns="45720" rIns="91440" bIns="45720" rtlCol="0">
-            <a:normAutofit/>
+          <a:bodyPr vert="horz" wrap="square" lIns="91440" tIns="45720" rIns="91440" bIns="45720" numCol="1" anchor="t" anchorCtr="0" compatLnSpc="1">
+            <a:prstTxWarp prst="textNoShape">
+              <a:avLst/>
+            </a:prstTxWarp>
           </a:bodyPr>
           <a:lstStyle/>
           <a:p>
@@ -2629,7 +3419,6 @@
               <a:rPr lang="zh-CN" altLang="en-US" smtClean="0"/>
               <a:t>第五级</a:t>
             </a:r>
-            <a:endParaRPr lang="zh-CN" altLang="en-US"/>
           </a:p>
         </p:txBody>
       </p:sp>
@@ -2655,19 +3444,33 @@
         <p:txBody>
           <a:bodyPr vert="horz" lIns="91440" tIns="45720" rIns="91440" bIns="45720" rtlCol="0" anchor="ctr"/>
           <a:lstStyle>
-            <a:lvl1pPr algn="l">
-              <a:defRPr sz="1200">
+            <a:lvl1pPr algn="l" fontAlgn="auto">
+              <a:spcBef>
+                <a:spcPts val="0"/>
+              </a:spcBef>
+              <a:spcAft>
+                <a:spcPts val="0"/>
+              </a:spcAft>
+              <a:defRPr sz="1200" smtClean="0">
                 <a:solidFill>
                   <a:schemeClr val="tx1">
                     <a:tint val="75000"/>
                   </a:schemeClr>
                 </a:solidFill>
+                <a:latin typeface="+mn-lt"/>
+                <a:ea typeface="+mn-ea"/>
               </a:defRPr>
             </a:lvl1pPr>
           </a:lstStyle>
           <a:p>
-            <a:fld id="{D782A0F6-22D0-4812-93E6-37484C64F92D}" type="datetimeFigureOut">
-              <a:rPr lang="zh-CN" altLang="en-US" smtClean="0"/>
+            <a:pPr>
+              <a:defRPr/>
+            </a:pPr>
+            <a:fld id="{33A23FCA-DDFF-4940-B1EC-1E38784872F4}" type="datetimeFigureOut">
+              <a:rPr lang="zh-CN" altLang="en-US"/>
+              <a:pPr>
+                <a:defRPr/>
+              </a:pPr>
               <a:t>2017/9/9</a:t>
             </a:fld>
             <a:endParaRPr lang="zh-CN" altLang="en-US"/>
@@ -2696,17 +3499,28 @@
         <p:txBody>
           <a:bodyPr vert="horz" lIns="91440" tIns="45720" rIns="91440" bIns="45720" rtlCol="0" anchor="ctr"/>
           <a:lstStyle>
-            <a:lvl1pPr algn="ctr">
+            <a:lvl1pPr algn="ctr" fontAlgn="auto">
+              <a:spcBef>
+                <a:spcPts val="0"/>
+              </a:spcBef>
+              <a:spcAft>
+                <a:spcPts val="0"/>
+              </a:spcAft>
               <a:defRPr sz="1200">
                 <a:solidFill>
                   <a:schemeClr val="tx1">
                     <a:tint val="75000"/>
                   </a:schemeClr>
                 </a:solidFill>
+                <a:latin typeface="+mn-lt"/>
+                <a:ea typeface="+mn-ea"/>
               </a:defRPr>
             </a:lvl1pPr>
           </a:lstStyle>
           <a:p>
+            <a:pPr>
+              <a:defRPr/>
+            </a:pPr>
             <a:endParaRPr lang="zh-CN" altLang="en-US"/>
           </a:p>
         </p:txBody>
@@ -2733,19 +3547,33 @@
         <p:txBody>
           <a:bodyPr vert="horz" lIns="91440" tIns="45720" rIns="91440" bIns="45720" rtlCol="0" anchor="ctr"/>
           <a:lstStyle>
-            <a:lvl1pPr algn="r">
-              <a:defRPr sz="1200">
+            <a:lvl1pPr algn="r" fontAlgn="auto">
+              <a:spcBef>
+                <a:spcPts val="0"/>
+              </a:spcBef>
+              <a:spcAft>
+                <a:spcPts val="0"/>
+              </a:spcAft>
+              <a:defRPr sz="1200" smtClean="0">
                 <a:solidFill>
                   <a:schemeClr val="tx1">
                     <a:tint val="75000"/>
                   </a:schemeClr>
                 </a:solidFill>
+                <a:latin typeface="+mn-lt"/>
+                <a:ea typeface="+mn-ea"/>
               </a:defRPr>
             </a:lvl1pPr>
           </a:lstStyle>
           <a:p>
-            <a:fld id="{98092AB8-F39D-4FEA-8998-1905AAAFB8B3}" type="slidenum">
-              <a:rPr lang="zh-CN" altLang="en-US" smtClean="0"/>
+            <a:pPr>
+              <a:defRPr/>
+            </a:pPr>
+            <a:fld id="{3BBA1CA4-7153-4BCF-B574-512BD7C18573}" type="slidenum">
+              <a:rPr lang="zh-CN" altLang="en-US"/>
+              <a:pPr>
+                <a:defRPr/>
+              </a:pPr>
               <a:t>‹#›</a:t>
             </a:fld>
             <a:endParaRPr lang="zh-CN" altLang="en-US"/>
@@ -2756,25 +3584,29 @@
   </p:cSld>
   <p:clrMap bg1="lt1" tx1="dk1" bg2="lt2" tx2="dk2" accent1="accent1" accent2="accent2" accent3="accent3" accent4="accent4" accent5="accent5" accent6="accent6" hlink="hlink" folHlink="folHlink"/>
   <p:sldLayoutIdLst>
-    <p:sldLayoutId id="2147483649" r:id="rId1"/>
-    <p:sldLayoutId id="2147483650" r:id="rId2"/>
-    <p:sldLayoutId id="2147483651" r:id="rId3"/>
-    <p:sldLayoutId id="2147483652" r:id="rId4"/>
-    <p:sldLayoutId id="2147483653" r:id="rId5"/>
+    <p:sldLayoutId id="2147483659" r:id="rId1"/>
+    <p:sldLayoutId id="2147483658" r:id="rId2"/>
+    <p:sldLayoutId id="2147483657" r:id="rId3"/>
+    <p:sldLayoutId id="2147483656" r:id="rId4"/>
+    <p:sldLayoutId id="2147483655" r:id="rId5"/>
     <p:sldLayoutId id="2147483654" r:id="rId6"/>
-    <p:sldLayoutId id="2147483655" r:id="rId7"/>
-    <p:sldLayoutId id="2147483656" r:id="rId8"/>
-    <p:sldLayoutId id="2147483657" r:id="rId9"/>
-    <p:sldLayoutId id="2147483658" r:id="rId10"/>
-    <p:sldLayoutId id="2147483659" r:id="rId11"/>
+    <p:sldLayoutId id="2147483653" r:id="rId7"/>
+    <p:sldLayoutId id="2147483652" r:id="rId8"/>
+    <p:sldLayoutId id="2147483651" r:id="rId9"/>
+    <p:sldLayoutId id="2147483650" r:id="rId10"/>
+    <p:sldLayoutId id="2147483649" r:id="rId11"/>
+    <p:sldLayoutId id="2147483660" r:id="rId12"/>
+    <p:sldLayoutId id="2147483661" r:id="rId13"/>
   </p:sldLayoutIdLst>
   <p:txStyles>
     <p:titleStyle>
-      <a:lvl1pPr algn="ctr" defTabSz="914400" rtl="0" eaLnBrk="1" latinLnBrk="0" hangingPunct="1">
+      <a:lvl1pPr algn="ctr" rtl="0" fontAlgn="base">
         <a:spcBef>
           <a:spcPct val="0"/>
         </a:spcBef>
-        <a:buNone/>
+        <a:spcAft>
+          <a:spcPct val="0"/>
+        </a:spcAft>
         <a:defRPr sz="4400" kern="1200">
           <a:solidFill>
             <a:schemeClr val="tx1"/>
@@ -2784,13 +3616,136 @@
           <a:cs typeface="+mj-cs"/>
         </a:defRPr>
       </a:lvl1pPr>
+      <a:lvl2pPr algn="ctr" rtl="0" fontAlgn="base">
+        <a:spcBef>
+          <a:spcPct val="0"/>
+        </a:spcBef>
+        <a:spcAft>
+          <a:spcPct val="0"/>
+        </a:spcAft>
+        <a:defRPr sz="4400">
+          <a:solidFill>
+            <a:schemeClr val="tx1"/>
+          </a:solidFill>
+          <a:latin typeface="Calibri" pitchFamily="34" charset="0"/>
+          <a:ea typeface="宋体" pitchFamily="2" charset="-122"/>
+        </a:defRPr>
+      </a:lvl2pPr>
+      <a:lvl3pPr algn="ctr" rtl="0" fontAlgn="base">
+        <a:spcBef>
+          <a:spcPct val="0"/>
+        </a:spcBef>
+        <a:spcAft>
+          <a:spcPct val="0"/>
+        </a:spcAft>
+        <a:defRPr sz="4400">
+          <a:solidFill>
+            <a:schemeClr val="tx1"/>
+          </a:solidFill>
+          <a:latin typeface="Calibri" pitchFamily="34" charset="0"/>
+          <a:ea typeface="宋体" pitchFamily="2" charset="-122"/>
+        </a:defRPr>
+      </a:lvl3pPr>
+      <a:lvl4pPr algn="ctr" rtl="0" fontAlgn="base">
+        <a:spcBef>
+          <a:spcPct val="0"/>
+        </a:spcBef>
+        <a:spcAft>
+          <a:spcPct val="0"/>
+        </a:spcAft>
+        <a:defRPr sz="4400">
+          <a:solidFill>
+            <a:schemeClr val="tx1"/>
+          </a:solidFill>
+          <a:latin typeface="Calibri" pitchFamily="34" charset="0"/>
+          <a:ea typeface="宋体" pitchFamily="2" charset="-122"/>
+        </a:defRPr>
+      </a:lvl4pPr>
+      <a:lvl5pPr algn="ctr" rtl="0" fontAlgn="base">
+        <a:spcBef>
+          <a:spcPct val="0"/>
+        </a:spcBef>
+        <a:spcAft>
+          <a:spcPct val="0"/>
+        </a:spcAft>
+        <a:defRPr sz="4400">
+          <a:solidFill>
+            <a:schemeClr val="tx1"/>
+          </a:solidFill>
+          <a:latin typeface="Calibri" pitchFamily="34" charset="0"/>
+          <a:ea typeface="宋体" pitchFamily="2" charset="-122"/>
+        </a:defRPr>
+      </a:lvl5pPr>
+      <a:lvl6pPr marL="457200" algn="ctr" rtl="0" fontAlgn="base">
+        <a:spcBef>
+          <a:spcPct val="0"/>
+        </a:spcBef>
+        <a:spcAft>
+          <a:spcPct val="0"/>
+        </a:spcAft>
+        <a:defRPr sz="4400">
+          <a:solidFill>
+            <a:schemeClr val="tx1"/>
+          </a:solidFill>
+          <a:latin typeface="Calibri" pitchFamily="34" charset="0"/>
+          <a:ea typeface="宋体" pitchFamily="2" charset="-122"/>
+        </a:defRPr>
+      </a:lvl6pPr>
+      <a:lvl7pPr marL="914400" algn="ctr" rtl="0" fontAlgn="base">
+        <a:spcBef>
+          <a:spcPct val="0"/>
+        </a:spcBef>
+        <a:spcAft>
+          <a:spcPct val="0"/>
+        </a:spcAft>
+        <a:defRPr sz="4400">
+          <a:solidFill>
+            <a:schemeClr val="tx1"/>
+          </a:solidFill>
+          <a:latin typeface="Calibri" pitchFamily="34" charset="0"/>
+          <a:ea typeface="宋体" pitchFamily="2" charset="-122"/>
+        </a:defRPr>
+      </a:lvl7pPr>
+      <a:lvl8pPr marL="1371600" algn="ctr" rtl="0" fontAlgn="base">
+        <a:spcBef>
+          <a:spcPct val="0"/>
+        </a:spcBef>
+        <a:spcAft>
+          <a:spcPct val="0"/>
+        </a:spcAft>
+        <a:defRPr sz="4400">
+          <a:solidFill>
+            <a:schemeClr val="tx1"/>
+          </a:solidFill>
+          <a:latin typeface="Calibri" pitchFamily="34" charset="0"/>
+          <a:ea typeface="宋体" pitchFamily="2" charset="-122"/>
+        </a:defRPr>
+      </a:lvl8pPr>
+      <a:lvl9pPr marL="1828800" algn="ctr" rtl="0" fontAlgn="base">
+        <a:spcBef>
+          <a:spcPct val="0"/>
+        </a:spcBef>
+        <a:spcAft>
+          <a:spcPct val="0"/>
+        </a:spcAft>
+        <a:defRPr sz="4400">
+          <a:solidFill>
+            <a:schemeClr val="tx1"/>
+          </a:solidFill>
+          <a:latin typeface="Calibri" pitchFamily="34" charset="0"/>
+          <a:ea typeface="宋体" pitchFamily="2" charset="-122"/>
+        </a:defRPr>
+      </a:lvl9pPr>
     </p:titleStyle>
     <p:bodyStyle>
-      <a:lvl1pPr marL="342900" indent="-342900" algn="l" defTabSz="914400" rtl="0" eaLnBrk="1" latinLnBrk="0" hangingPunct="1">
+      <a:lvl1pPr marL="342900" indent="-342900" algn="l" rtl="0" fontAlgn="base">
         <a:spcBef>
           <a:spcPct val="20000"/>
         </a:spcBef>
-        <a:buFont typeface="Arial" pitchFamily="34" charset="0"/>
+        <a:spcAft>
+          <a:spcPct val="0"/>
+        </a:spcAft>
+        <a:buFont typeface="Arial" charset="0"/>
         <a:buChar char="•"/>
         <a:defRPr sz="3200" kern="1200">
           <a:solidFill>
@@ -2801,11 +3756,14 @@
           <a:cs typeface="+mn-cs"/>
         </a:defRPr>
       </a:lvl1pPr>
-      <a:lvl2pPr marL="742950" indent="-285750" algn="l" defTabSz="914400" rtl="0" eaLnBrk="1" latinLnBrk="0" hangingPunct="1">
+      <a:lvl2pPr marL="742950" indent="-285750" algn="l" rtl="0" fontAlgn="base">
         <a:spcBef>
           <a:spcPct val="20000"/>
         </a:spcBef>
-        <a:buFont typeface="Arial" pitchFamily="34" charset="0"/>
+        <a:spcAft>
+          <a:spcPct val="0"/>
+        </a:spcAft>
+        <a:buFont typeface="Arial" charset="0"/>
         <a:buChar char="–"/>
         <a:defRPr sz="2800" kern="1200">
           <a:solidFill>
@@ -2816,11 +3774,14 @@
           <a:cs typeface="+mn-cs"/>
         </a:defRPr>
       </a:lvl2pPr>
-      <a:lvl3pPr marL="1143000" indent="-228600" algn="l" defTabSz="914400" rtl="0" eaLnBrk="1" latinLnBrk="0" hangingPunct="1">
+      <a:lvl3pPr marL="1143000" indent="-228600" algn="l" rtl="0" fontAlgn="base">
         <a:spcBef>
           <a:spcPct val="20000"/>
         </a:spcBef>
-        <a:buFont typeface="Arial" pitchFamily="34" charset="0"/>
+        <a:spcAft>
+          <a:spcPct val="0"/>
+        </a:spcAft>
+        <a:buFont typeface="Arial" charset="0"/>
         <a:buChar char="•"/>
         <a:defRPr sz="2400" kern="1200">
           <a:solidFill>
@@ -2831,11 +3792,14 @@
           <a:cs typeface="+mn-cs"/>
         </a:defRPr>
       </a:lvl3pPr>
-      <a:lvl4pPr marL="1600200" indent="-228600" algn="l" defTabSz="914400" rtl="0" eaLnBrk="1" latinLnBrk="0" hangingPunct="1">
+      <a:lvl4pPr marL="1600200" indent="-228600" algn="l" rtl="0" fontAlgn="base">
         <a:spcBef>
           <a:spcPct val="20000"/>
         </a:spcBef>
-        <a:buFont typeface="Arial" pitchFamily="34" charset="0"/>
+        <a:spcAft>
+          <a:spcPct val="0"/>
+        </a:spcAft>
+        <a:buFont typeface="Arial" charset="0"/>
         <a:buChar char="–"/>
         <a:defRPr sz="2000" kern="1200">
           <a:solidFill>
@@ -2846,11 +3810,14 @@
           <a:cs typeface="+mn-cs"/>
         </a:defRPr>
       </a:lvl4pPr>
-      <a:lvl5pPr marL="2057400" indent="-228600" algn="l" defTabSz="914400" rtl="0" eaLnBrk="1" latinLnBrk="0" hangingPunct="1">
+      <a:lvl5pPr marL="2057400" indent="-228600" algn="l" rtl="0" fontAlgn="base">
         <a:spcBef>
           <a:spcPct val="20000"/>
         </a:spcBef>
-        <a:buFont typeface="Arial" pitchFamily="34" charset="0"/>
+        <a:spcAft>
+          <a:spcPct val="0"/>
+        </a:spcAft>
+        <a:buFont typeface="Arial" charset="0"/>
         <a:buChar char="»"/>
         <a:defRPr sz="2000" kern="1200">
           <a:solidFill>
@@ -3040,7 +4007,7 @@
       </p:grpSpPr>
       <p:sp>
         <p:nvSpPr>
-          <p:cNvPr id="2" name="标题 1"/>
+          <p:cNvPr id="13313" name="标题 1"/>
           <p:cNvSpPr>
             <a:spLocks noGrp="1"/>
           </p:cNvSpPr>
@@ -3054,14 +4021,9 @@
           <a:lstStyle/>
           <a:p>
             <a:r>
-              <a:rPr lang="zh-CN" altLang="en-US" dirty="0"/>
-              <a:t>马可福音查经 第一</a:t>
-            </a:r>
-            <a:r>
-              <a:rPr lang="zh-CN" altLang="en-US" dirty="0" smtClean="0"/>
-              <a:t>课</a:t>
-            </a:r>
-            <a:endParaRPr lang="zh-CN" altLang="en-US" dirty="0"/>
+              <a:rPr lang="zh-CN" altLang="en-US" smtClean="0"/>
+              <a:t>马可福音查经 第一课</a:t>
+            </a:r>
           </a:p>
         </p:txBody>
       </p:sp>
@@ -3077,9 +4039,19 @@
         </p:nvSpPr>
         <p:spPr/>
         <p:txBody>
-          <a:bodyPr/>
+          <a:bodyPr rtlCol="0">
+            <a:normAutofit/>
+          </a:bodyPr>
           <a:lstStyle/>
           <a:p>
+            <a:pPr fontAlgn="auto">
+              <a:spcAft>
+                <a:spcPts val="0"/>
+              </a:spcAft>
+              <a:buFont typeface="Arial" pitchFamily="34" charset="0"/>
+              <a:buNone/>
+              <a:defRPr/>
+            </a:pPr>
             <a:endParaRPr lang="zh-CN" altLang="en-US"/>
           </a:p>
         </p:txBody>
@@ -3099,7 +4071,2511 @@
 </p:sld>
 </file>
 
-<file path=ppt/slides/slide2.xml><?xml version="1.0" encoding="utf-8"?>
+<file path=ppt/slides/slide10.xml><?xml version="1.0" encoding="utf-8"?>
+<p:sld xmlns:a="http://schemas.openxmlformats.org/drawingml/2006/main" xmlns:r="http://schemas.openxmlformats.org/officeDocument/2006/relationships" xmlns:p="http://schemas.openxmlformats.org/presentationml/2006/main">
+  <p:cSld>
+    <p:spTree>
+      <p:nvGrpSpPr>
+        <p:cNvPr id="1" name=""/>
+        <p:cNvGrpSpPr/>
+        <p:nvPr/>
+      </p:nvGrpSpPr>
+      <p:grpSpPr>
+        <a:xfrm>
+          <a:off x="0" y="0"/>
+          <a:ext cx="0" cy="0"/>
+          <a:chOff x="0" y="0"/>
+          <a:chExt cx="0" cy="0"/>
+        </a:xfrm>
+      </p:grpSpPr>
+      <p:pic>
+        <p:nvPicPr>
+          <p:cNvPr id="24581" name="Picture 5" descr="01攻占迦南"/>
+          <p:cNvPicPr>
+            <a:picLocks noGrp="1" noChangeAspect="1" noChangeArrowheads="1"/>
+          </p:cNvPicPr>
+          <p:nvPr>
+            <p:ph/>
+          </p:nvPr>
+        </p:nvPicPr>
+        <p:blipFill>
+          <a:blip r:embed="rId2"/>
+          <a:srcRect/>
+          <a:stretch>
+            <a:fillRect/>
+          </a:stretch>
+        </p:blipFill>
+        <p:spPr>
+          <a:xfrm>
+            <a:off x="539750" y="0"/>
+            <a:ext cx="7993063" cy="6835775"/>
+          </a:xfrm>
+        </p:spPr>
+      </p:pic>
+    </p:spTree>
+  </p:cSld>
+  <p:clrMapOvr>
+    <a:masterClrMapping/>
+  </p:clrMapOvr>
+</p:sld>
+</file>
+
+<file path=ppt/slides/slide11.xml><?xml version="1.0" encoding="utf-8"?>
+<p:sld xmlns:a="http://schemas.openxmlformats.org/drawingml/2006/main" xmlns:r="http://schemas.openxmlformats.org/officeDocument/2006/relationships" xmlns:p="http://schemas.openxmlformats.org/presentationml/2006/main">
+  <p:cSld>
+    <p:spTree>
+      <p:nvGrpSpPr>
+        <p:cNvPr id="1" name=""/>
+        <p:cNvGrpSpPr/>
+        <p:nvPr/>
+      </p:nvGrpSpPr>
+      <p:grpSpPr>
+        <a:xfrm>
+          <a:off x="0" y="0"/>
+          <a:ext cx="0" cy="0"/>
+          <a:chOff x="0" y="0"/>
+          <a:chExt cx="0" cy="0"/>
+        </a:xfrm>
+      </p:grpSpPr>
+      <p:sp>
+        <p:nvSpPr>
+          <p:cNvPr id="26626" name="Rectangle 2"/>
+          <p:cNvSpPr>
+            <a:spLocks noGrp="1"/>
+          </p:cNvSpPr>
+          <p:nvPr>
+            <p:ph type="title"/>
+          </p:nvPr>
+        </p:nvSpPr>
+        <p:spPr/>
+        <p:txBody>
+          <a:bodyPr/>
+          <a:lstStyle/>
+          <a:p>
+            <a:r>
+              <a:rPr lang="zh-CN" altLang="en-US" smtClean="0"/>
+              <a:t>地点</a:t>
+            </a:r>
+          </a:p>
+        </p:txBody>
+      </p:sp>
+      <p:sp>
+        <p:nvSpPr>
+          <p:cNvPr id="26627" name="Rectangle 3"/>
+          <p:cNvSpPr>
+            <a:spLocks noGrp="1"/>
+          </p:cNvSpPr>
+          <p:nvPr>
+            <p:ph type="body" idx="1"/>
+          </p:nvPr>
+        </p:nvSpPr>
+        <p:spPr>
+          <a:noFill/>
+          <a:ln/>
+        </p:spPr>
+        <p:txBody>
+          <a:bodyPr/>
+          <a:lstStyle/>
+          <a:p>
+            <a:pPr>
+              <a:buFont typeface="Arial" charset="0"/>
+              <a:buNone/>
+            </a:pPr>
+            <a:r>
+              <a:rPr lang="en-US" altLang="zh-CN" smtClean="0"/>
+              <a:t>1. </a:t>
+            </a:r>
+            <a:r>
+              <a:rPr lang="zh-CN" altLang="en-US" smtClean="0"/>
+              <a:t>这段故事发生在什么地方？ </a:t>
+            </a:r>
+          </a:p>
+          <a:p>
+            <a:pPr>
+              <a:buFont typeface="Arial" charset="0"/>
+              <a:buNone/>
+            </a:pPr>
+            <a:r>
+              <a:rPr lang="en-US" altLang="zh-CN" smtClean="0"/>
+              <a:t>2.	</a:t>
+            </a:r>
+            <a:r>
+              <a:rPr lang="zh-CN" altLang="en-US" smtClean="0"/>
+              <a:t>这是一个具体地点，还是一个地区呢？</a:t>
+            </a:r>
+          </a:p>
+          <a:p>
+            <a:pPr>
+              <a:buFont typeface="Arial" charset="0"/>
+              <a:buNone/>
+            </a:pPr>
+            <a:r>
+              <a:rPr lang="en-US" altLang="zh-CN" smtClean="0"/>
+              <a:t>3. </a:t>
+            </a:r>
+            <a:r>
+              <a:rPr lang="zh-CN" altLang="en-US" smtClean="0"/>
+              <a:t>这个地方对发生的这个故事有什么意义？</a:t>
+            </a:r>
+          </a:p>
+          <a:p>
+            <a:pPr>
+              <a:buFont typeface="Arial" charset="0"/>
+              <a:buNone/>
+            </a:pPr>
+            <a:r>
+              <a:rPr lang="zh-CN" altLang="en-US" smtClean="0"/>
+              <a:t>	</a:t>
+            </a:r>
+            <a:r>
+              <a:rPr lang="en-US" altLang="zh-CN" smtClean="0"/>
+              <a:t>- </a:t>
+            </a:r>
+            <a:r>
+              <a:rPr lang="zh-CN" altLang="en-US" smtClean="0"/>
+              <a:t>这个地方曾经发生过什么事件？</a:t>
+            </a:r>
+          </a:p>
+          <a:p>
+            <a:pPr>
+              <a:buFont typeface="Arial" charset="0"/>
+              <a:buNone/>
+            </a:pPr>
+            <a:r>
+              <a:rPr lang="zh-CN" altLang="en-US" smtClean="0"/>
+              <a:t>	</a:t>
+            </a:r>
+            <a:r>
+              <a:rPr lang="en-US" altLang="zh-CN" smtClean="0"/>
+              <a:t>-</a:t>
+            </a:r>
+            <a:r>
+              <a:rPr lang="zh-CN" altLang="en-US" smtClean="0"/>
+              <a:t>为什么是旷野？旷野相对的是什么？ </a:t>
+            </a:r>
+            <a:r>
+              <a:rPr lang="en-US" altLang="zh-CN" smtClean="0"/>
+              <a:t>   </a:t>
+            </a:r>
+          </a:p>
+        </p:txBody>
+      </p:sp>
+    </p:spTree>
+  </p:cSld>
+  <p:clrMapOvr>
+    <a:masterClrMapping/>
+  </p:clrMapOvr>
+  <p:timing>
+    <p:tnLst>
+      <p:par>
+        <p:cTn id="1" dur="indefinite" restart="never" nodeType="tmRoot">
+          <p:childTnLst>
+            <p:seq concurrent="1" nextAc="seek">
+              <p:cTn id="2" dur="indefinite" nodeType="mainSeq">
+                <p:childTnLst>
+                  <p:par>
+                    <p:cTn id="3" fill="hold">
+                      <p:stCondLst>
+                        <p:cond delay="indefinite"/>
+                      </p:stCondLst>
+                      <p:childTnLst>
+                        <p:par>
+                          <p:cTn id="4" fill="hold">
+                            <p:stCondLst>
+                              <p:cond delay="0"/>
+                            </p:stCondLst>
+                            <p:childTnLst>
+                              <p:par>
+                                <p:cTn id="5" presetID="2" presetClass="entr" presetSubtype="4" fill="hold" nodeType="clickEffect">
+                                  <p:stCondLst>
+                                    <p:cond delay="0"/>
+                                  </p:stCondLst>
+                                  <p:childTnLst>
+                                    <p:set>
+                                      <p:cBhvr>
+                                        <p:cTn id="6" dur="1" fill="hold">
+                                          <p:stCondLst>
+                                            <p:cond delay="0"/>
+                                          </p:stCondLst>
+                                        </p:cTn>
+                                        <p:tgtEl>
+                                          <p:spTgt spid="26627">
+                                            <p:txEl>
+                                              <p:pRg st="4" end="4"/>
+                                            </p:txEl>
+                                          </p:spTgt>
+                                        </p:tgtEl>
+                                        <p:attrNameLst>
+                                          <p:attrName>style.visibility</p:attrName>
+                                        </p:attrNameLst>
+                                      </p:cBhvr>
+                                      <p:to>
+                                        <p:strVal val="visible"/>
+                                      </p:to>
+                                    </p:set>
+                                    <p:anim calcmode="lin" valueType="num">
+                                      <p:cBhvr additive="base">
+                                        <p:cTn id="7" dur="500" fill="hold"/>
+                                        <p:tgtEl>
+                                          <p:spTgt spid="26627">
+                                            <p:txEl>
+                                              <p:pRg st="4" end="4"/>
+                                            </p:txEl>
+                                          </p:spTgt>
+                                        </p:tgtEl>
+                                        <p:attrNameLst>
+                                          <p:attrName>ppt_x</p:attrName>
+                                        </p:attrNameLst>
+                                      </p:cBhvr>
+                                      <p:tavLst>
+                                        <p:tav tm="0">
+                                          <p:val>
+                                            <p:strVal val="#ppt_x"/>
+                                          </p:val>
+                                        </p:tav>
+                                        <p:tav tm="100000">
+                                          <p:val>
+                                            <p:strVal val="#ppt_x"/>
+                                          </p:val>
+                                        </p:tav>
+                                      </p:tavLst>
+                                    </p:anim>
+                                    <p:anim calcmode="lin" valueType="num">
+                                      <p:cBhvr additive="base">
+                                        <p:cTn id="8" dur="500" fill="hold"/>
+                                        <p:tgtEl>
+                                          <p:spTgt spid="26627">
+                                            <p:txEl>
+                                              <p:pRg st="4" end="4"/>
+                                            </p:txEl>
+                                          </p:spTgt>
+                                        </p:tgtEl>
+                                        <p:attrNameLst>
+                                          <p:attrName>ppt_y</p:attrName>
+                                        </p:attrNameLst>
+                                      </p:cBhvr>
+                                      <p:tavLst>
+                                        <p:tav tm="0">
+                                          <p:val>
+                                            <p:strVal val="1+#ppt_h/2"/>
+                                          </p:val>
+                                        </p:tav>
+                                        <p:tav tm="100000">
+                                          <p:val>
+                                            <p:strVal val="#ppt_y"/>
+                                          </p:val>
+                                        </p:tav>
+                                      </p:tavLst>
+                                    </p:anim>
+                                  </p:childTnLst>
+                                </p:cTn>
+                              </p:par>
+                            </p:childTnLst>
+                          </p:cTn>
+                        </p:par>
+                      </p:childTnLst>
+                    </p:cTn>
+                  </p:par>
+                </p:childTnLst>
+              </p:cTn>
+              <p:prevCondLst>
+                <p:cond evt="onPrev" delay="0">
+                  <p:tgtEl>
+                    <p:sldTgt/>
+                  </p:tgtEl>
+                </p:cond>
+              </p:prevCondLst>
+              <p:nextCondLst>
+                <p:cond evt="onNext" delay="0">
+                  <p:tgtEl>
+                    <p:sldTgt/>
+                  </p:tgtEl>
+                </p:cond>
+              </p:nextCondLst>
+            </p:seq>
+          </p:childTnLst>
+        </p:cTn>
+      </p:par>
+    </p:tnLst>
+  </p:timing>
+</p:sld>
+</file>
+
+<file path=ppt/slides/slide12.xml><?xml version="1.0" encoding="utf-8"?>
+<p:sld xmlns:a="http://schemas.openxmlformats.org/drawingml/2006/main" xmlns:r="http://schemas.openxmlformats.org/officeDocument/2006/relationships" xmlns:p="http://schemas.openxmlformats.org/presentationml/2006/main">
+  <p:cSld>
+    <p:spTree>
+      <p:nvGrpSpPr>
+        <p:cNvPr id="1" name=""/>
+        <p:cNvGrpSpPr/>
+        <p:nvPr/>
+      </p:nvGrpSpPr>
+      <p:grpSpPr>
+        <a:xfrm>
+          <a:off x="0" y="0"/>
+          <a:ext cx="0" cy="0"/>
+          <a:chOff x="0" y="0"/>
+          <a:chExt cx="0" cy="0"/>
+        </a:xfrm>
+      </p:grpSpPr>
+      <p:sp>
+        <p:nvSpPr>
+          <p:cNvPr id="27650" name="Rectangle 2"/>
+          <p:cNvSpPr>
+            <a:spLocks noGrp="1"/>
+          </p:cNvSpPr>
+          <p:nvPr>
+            <p:ph type="title"/>
+          </p:nvPr>
+        </p:nvSpPr>
+        <p:spPr/>
+        <p:txBody>
+          <a:bodyPr/>
+          <a:lstStyle/>
+          <a:p>
+            <a:r>
+              <a:rPr lang="zh-CN" altLang="en-US" smtClean="0"/>
+              <a:t>为什么是旷野？</a:t>
+            </a:r>
+          </a:p>
+        </p:txBody>
+      </p:sp>
+      <p:sp>
+        <p:nvSpPr>
+          <p:cNvPr id="27651" name="Rectangle 3"/>
+          <p:cNvSpPr>
+            <a:spLocks noGrp="1"/>
+          </p:cNvSpPr>
+          <p:nvPr>
+            <p:ph type="body" idx="1"/>
+          </p:nvPr>
+        </p:nvSpPr>
+        <p:spPr/>
+        <p:txBody>
+          <a:bodyPr/>
+          <a:lstStyle/>
+          <a:p>
+            <a:r>
+              <a:rPr lang="en-US" altLang="zh-CN" smtClean="0"/>
+              <a:t>A </a:t>
+            </a:r>
+            <a:r>
+              <a:rPr lang="zh-CN" altLang="en-US" smtClean="0"/>
+              <a:t>旷野这个地方也非常有意思，传道最好的地方，当然是人多的地方，这个地方人很多？</a:t>
+            </a:r>
+          </a:p>
+          <a:p>
+            <a:r>
+              <a:rPr lang="en-US" altLang="zh-CN" smtClean="0"/>
+              <a:t>B </a:t>
+            </a:r>
+            <a:r>
+              <a:rPr lang="zh-CN" altLang="en-US" smtClean="0"/>
+              <a:t>约翰不是按人多少来选择的，而是按照先知书的指示，要他去旷野</a:t>
+            </a:r>
+          </a:p>
+          <a:p>
+            <a:r>
+              <a:rPr lang="en-US" altLang="zh-CN" smtClean="0"/>
+              <a:t>C </a:t>
+            </a:r>
+            <a:r>
+              <a:rPr lang="zh-CN" altLang="en-US" smtClean="0"/>
+              <a:t>约翰和耶路撒冷的法利赛人分别开来</a:t>
+            </a:r>
+          </a:p>
+        </p:txBody>
+      </p:sp>
+    </p:spTree>
+  </p:cSld>
+  <p:clrMapOvr>
+    <a:masterClrMapping/>
+  </p:clrMapOvr>
+  <p:timing>
+    <p:tnLst>
+      <p:par>
+        <p:cTn id="1" dur="indefinite" restart="never" nodeType="tmRoot">
+          <p:childTnLst>
+            <p:seq concurrent="1" nextAc="seek">
+              <p:cTn id="2" dur="indefinite" nodeType="mainSeq">
+                <p:childTnLst>
+                  <p:par>
+                    <p:cTn id="3" fill="hold">
+                      <p:stCondLst>
+                        <p:cond delay="indefinite"/>
+                      </p:stCondLst>
+                      <p:childTnLst>
+                        <p:par>
+                          <p:cTn id="4" fill="hold">
+                            <p:stCondLst>
+                              <p:cond delay="0"/>
+                            </p:stCondLst>
+                            <p:childTnLst>
+                              <p:par>
+                                <p:cTn id="5" presetID="2" presetClass="entr" presetSubtype="4" fill="hold" nodeType="clickEffect">
+                                  <p:stCondLst>
+                                    <p:cond delay="0"/>
+                                  </p:stCondLst>
+                                  <p:childTnLst>
+                                    <p:set>
+                                      <p:cBhvr>
+                                        <p:cTn id="6" dur="1" fill="hold">
+                                          <p:stCondLst>
+                                            <p:cond delay="0"/>
+                                          </p:stCondLst>
+                                        </p:cTn>
+                                        <p:tgtEl>
+                                          <p:spTgt spid="27651">
+                                            <p:txEl>
+                                              <p:pRg st="0" end="0"/>
+                                            </p:txEl>
+                                          </p:spTgt>
+                                        </p:tgtEl>
+                                        <p:attrNameLst>
+                                          <p:attrName>style.visibility</p:attrName>
+                                        </p:attrNameLst>
+                                      </p:cBhvr>
+                                      <p:to>
+                                        <p:strVal val="visible"/>
+                                      </p:to>
+                                    </p:set>
+                                    <p:anim calcmode="lin" valueType="num">
+                                      <p:cBhvr additive="base">
+                                        <p:cTn id="7" dur="500" fill="hold"/>
+                                        <p:tgtEl>
+                                          <p:spTgt spid="27651">
+                                            <p:txEl>
+                                              <p:pRg st="0" end="0"/>
+                                            </p:txEl>
+                                          </p:spTgt>
+                                        </p:tgtEl>
+                                        <p:attrNameLst>
+                                          <p:attrName>ppt_x</p:attrName>
+                                        </p:attrNameLst>
+                                      </p:cBhvr>
+                                      <p:tavLst>
+                                        <p:tav tm="0">
+                                          <p:val>
+                                            <p:strVal val="#ppt_x"/>
+                                          </p:val>
+                                        </p:tav>
+                                        <p:tav tm="100000">
+                                          <p:val>
+                                            <p:strVal val="#ppt_x"/>
+                                          </p:val>
+                                        </p:tav>
+                                      </p:tavLst>
+                                    </p:anim>
+                                    <p:anim calcmode="lin" valueType="num">
+                                      <p:cBhvr additive="base">
+                                        <p:cTn id="8" dur="500" fill="hold"/>
+                                        <p:tgtEl>
+                                          <p:spTgt spid="27651">
+                                            <p:txEl>
+                                              <p:pRg st="0" end="0"/>
+                                            </p:txEl>
+                                          </p:spTgt>
+                                        </p:tgtEl>
+                                        <p:attrNameLst>
+                                          <p:attrName>ppt_y</p:attrName>
+                                        </p:attrNameLst>
+                                      </p:cBhvr>
+                                      <p:tavLst>
+                                        <p:tav tm="0">
+                                          <p:val>
+                                            <p:strVal val="1+#ppt_h/2"/>
+                                          </p:val>
+                                        </p:tav>
+                                        <p:tav tm="100000">
+                                          <p:val>
+                                            <p:strVal val="#ppt_y"/>
+                                          </p:val>
+                                        </p:tav>
+                                      </p:tavLst>
+                                    </p:anim>
+                                  </p:childTnLst>
+                                </p:cTn>
+                              </p:par>
+                            </p:childTnLst>
+                          </p:cTn>
+                        </p:par>
+                      </p:childTnLst>
+                    </p:cTn>
+                  </p:par>
+                  <p:par>
+                    <p:cTn id="9" fill="hold">
+                      <p:stCondLst>
+                        <p:cond delay="indefinite"/>
+                      </p:stCondLst>
+                      <p:childTnLst>
+                        <p:par>
+                          <p:cTn id="10" fill="hold">
+                            <p:stCondLst>
+                              <p:cond delay="0"/>
+                            </p:stCondLst>
+                            <p:childTnLst>
+                              <p:par>
+                                <p:cTn id="11" presetID="2" presetClass="entr" presetSubtype="4" fill="hold" nodeType="clickEffect">
+                                  <p:stCondLst>
+                                    <p:cond delay="0"/>
+                                  </p:stCondLst>
+                                  <p:childTnLst>
+                                    <p:set>
+                                      <p:cBhvr>
+                                        <p:cTn id="12" dur="1" fill="hold">
+                                          <p:stCondLst>
+                                            <p:cond delay="0"/>
+                                          </p:stCondLst>
+                                        </p:cTn>
+                                        <p:tgtEl>
+                                          <p:spTgt spid="27651">
+                                            <p:txEl>
+                                              <p:pRg st="1" end="1"/>
+                                            </p:txEl>
+                                          </p:spTgt>
+                                        </p:tgtEl>
+                                        <p:attrNameLst>
+                                          <p:attrName>style.visibility</p:attrName>
+                                        </p:attrNameLst>
+                                      </p:cBhvr>
+                                      <p:to>
+                                        <p:strVal val="visible"/>
+                                      </p:to>
+                                    </p:set>
+                                    <p:anim calcmode="lin" valueType="num">
+                                      <p:cBhvr additive="base">
+                                        <p:cTn id="13" dur="500" fill="hold"/>
+                                        <p:tgtEl>
+                                          <p:spTgt spid="27651">
+                                            <p:txEl>
+                                              <p:pRg st="1" end="1"/>
+                                            </p:txEl>
+                                          </p:spTgt>
+                                        </p:tgtEl>
+                                        <p:attrNameLst>
+                                          <p:attrName>ppt_x</p:attrName>
+                                        </p:attrNameLst>
+                                      </p:cBhvr>
+                                      <p:tavLst>
+                                        <p:tav tm="0">
+                                          <p:val>
+                                            <p:strVal val="#ppt_x"/>
+                                          </p:val>
+                                        </p:tav>
+                                        <p:tav tm="100000">
+                                          <p:val>
+                                            <p:strVal val="#ppt_x"/>
+                                          </p:val>
+                                        </p:tav>
+                                      </p:tavLst>
+                                    </p:anim>
+                                    <p:anim calcmode="lin" valueType="num">
+                                      <p:cBhvr additive="base">
+                                        <p:cTn id="14" dur="500" fill="hold"/>
+                                        <p:tgtEl>
+                                          <p:spTgt spid="27651">
+                                            <p:txEl>
+                                              <p:pRg st="1" end="1"/>
+                                            </p:txEl>
+                                          </p:spTgt>
+                                        </p:tgtEl>
+                                        <p:attrNameLst>
+                                          <p:attrName>ppt_y</p:attrName>
+                                        </p:attrNameLst>
+                                      </p:cBhvr>
+                                      <p:tavLst>
+                                        <p:tav tm="0">
+                                          <p:val>
+                                            <p:strVal val="1+#ppt_h/2"/>
+                                          </p:val>
+                                        </p:tav>
+                                        <p:tav tm="100000">
+                                          <p:val>
+                                            <p:strVal val="#ppt_y"/>
+                                          </p:val>
+                                        </p:tav>
+                                      </p:tavLst>
+                                    </p:anim>
+                                  </p:childTnLst>
+                                </p:cTn>
+                              </p:par>
+                            </p:childTnLst>
+                          </p:cTn>
+                        </p:par>
+                      </p:childTnLst>
+                    </p:cTn>
+                  </p:par>
+                  <p:par>
+                    <p:cTn id="15" fill="hold">
+                      <p:stCondLst>
+                        <p:cond delay="indefinite"/>
+                      </p:stCondLst>
+                      <p:childTnLst>
+                        <p:par>
+                          <p:cTn id="16" fill="hold">
+                            <p:stCondLst>
+                              <p:cond delay="0"/>
+                            </p:stCondLst>
+                            <p:childTnLst>
+                              <p:par>
+                                <p:cTn id="17" presetID="2" presetClass="entr" presetSubtype="4" fill="hold" nodeType="clickEffect">
+                                  <p:stCondLst>
+                                    <p:cond delay="0"/>
+                                  </p:stCondLst>
+                                  <p:childTnLst>
+                                    <p:set>
+                                      <p:cBhvr>
+                                        <p:cTn id="18" dur="1" fill="hold">
+                                          <p:stCondLst>
+                                            <p:cond delay="0"/>
+                                          </p:stCondLst>
+                                        </p:cTn>
+                                        <p:tgtEl>
+                                          <p:spTgt spid="27651">
+                                            <p:txEl>
+                                              <p:pRg st="2" end="2"/>
+                                            </p:txEl>
+                                          </p:spTgt>
+                                        </p:tgtEl>
+                                        <p:attrNameLst>
+                                          <p:attrName>style.visibility</p:attrName>
+                                        </p:attrNameLst>
+                                      </p:cBhvr>
+                                      <p:to>
+                                        <p:strVal val="visible"/>
+                                      </p:to>
+                                    </p:set>
+                                    <p:anim calcmode="lin" valueType="num">
+                                      <p:cBhvr additive="base">
+                                        <p:cTn id="19" dur="500" fill="hold"/>
+                                        <p:tgtEl>
+                                          <p:spTgt spid="27651">
+                                            <p:txEl>
+                                              <p:pRg st="2" end="2"/>
+                                            </p:txEl>
+                                          </p:spTgt>
+                                        </p:tgtEl>
+                                        <p:attrNameLst>
+                                          <p:attrName>ppt_x</p:attrName>
+                                        </p:attrNameLst>
+                                      </p:cBhvr>
+                                      <p:tavLst>
+                                        <p:tav tm="0">
+                                          <p:val>
+                                            <p:strVal val="#ppt_x"/>
+                                          </p:val>
+                                        </p:tav>
+                                        <p:tav tm="100000">
+                                          <p:val>
+                                            <p:strVal val="#ppt_x"/>
+                                          </p:val>
+                                        </p:tav>
+                                      </p:tavLst>
+                                    </p:anim>
+                                    <p:anim calcmode="lin" valueType="num">
+                                      <p:cBhvr additive="base">
+                                        <p:cTn id="20" dur="500" fill="hold"/>
+                                        <p:tgtEl>
+                                          <p:spTgt spid="27651">
+                                            <p:txEl>
+                                              <p:pRg st="2" end="2"/>
+                                            </p:txEl>
+                                          </p:spTgt>
+                                        </p:tgtEl>
+                                        <p:attrNameLst>
+                                          <p:attrName>ppt_y</p:attrName>
+                                        </p:attrNameLst>
+                                      </p:cBhvr>
+                                      <p:tavLst>
+                                        <p:tav tm="0">
+                                          <p:val>
+                                            <p:strVal val="1+#ppt_h/2"/>
+                                          </p:val>
+                                        </p:tav>
+                                        <p:tav tm="100000">
+                                          <p:val>
+                                            <p:strVal val="#ppt_y"/>
+                                          </p:val>
+                                        </p:tav>
+                                      </p:tavLst>
+                                    </p:anim>
+                                  </p:childTnLst>
+                                </p:cTn>
+                              </p:par>
+                            </p:childTnLst>
+                          </p:cTn>
+                        </p:par>
+                      </p:childTnLst>
+                    </p:cTn>
+                  </p:par>
+                </p:childTnLst>
+              </p:cTn>
+              <p:prevCondLst>
+                <p:cond evt="onPrev" delay="0">
+                  <p:tgtEl>
+                    <p:sldTgt/>
+                  </p:tgtEl>
+                </p:cond>
+              </p:prevCondLst>
+              <p:nextCondLst>
+                <p:cond evt="onNext" delay="0">
+                  <p:tgtEl>
+                    <p:sldTgt/>
+                  </p:tgtEl>
+                </p:cond>
+              </p:nextCondLst>
+            </p:seq>
+          </p:childTnLst>
+        </p:cTn>
+      </p:par>
+    </p:tnLst>
+  </p:timing>
+</p:sld>
+</file>
+
+<file path=ppt/slides/slide13.xml><?xml version="1.0" encoding="utf-8"?>
+<p:sld xmlns:a="http://schemas.openxmlformats.org/drawingml/2006/main" xmlns:r="http://schemas.openxmlformats.org/officeDocument/2006/relationships" xmlns:p="http://schemas.openxmlformats.org/presentationml/2006/main">
+  <p:cSld>
+    <p:spTree>
+      <p:nvGrpSpPr>
+        <p:cNvPr id="1" name=""/>
+        <p:cNvGrpSpPr/>
+        <p:nvPr/>
+      </p:nvGrpSpPr>
+      <p:grpSpPr>
+        <a:xfrm>
+          <a:off x="0" y="0"/>
+          <a:ext cx="0" cy="0"/>
+          <a:chOff x="0" y="0"/>
+          <a:chExt cx="0" cy="0"/>
+        </a:xfrm>
+      </p:grpSpPr>
+      <p:sp>
+        <p:nvSpPr>
+          <p:cNvPr id="28674" name="Rectangle 2"/>
+          <p:cNvSpPr>
+            <a:spLocks noGrp="1"/>
+          </p:cNvSpPr>
+          <p:nvPr>
+            <p:ph type="title"/>
+          </p:nvPr>
+        </p:nvSpPr>
+        <p:spPr>
+          <a:xfrm>
+            <a:off x="457200" y="274638"/>
+            <a:ext cx="8229600" cy="922337"/>
+          </a:xfrm>
+        </p:spPr>
+        <p:txBody>
+          <a:bodyPr/>
+          <a:lstStyle/>
+          <a:p>
+            <a:r>
+              <a:rPr lang="zh-CN" altLang="en-US" smtClean="0"/>
+              <a:t>人物</a:t>
+            </a:r>
+          </a:p>
+        </p:txBody>
+      </p:sp>
+      <p:sp>
+        <p:nvSpPr>
+          <p:cNvPr id="28675" name="Rectangle 3"/>
+          <p:cNvSpPr>
+            <a:spLocks noGrp="1"/>
+          </p:cNvSpPr>
+          <p:nvPr>
+            <p:ph type="body" idx="1"/>
+          </p:nvPr>
+        </p:nvSpPr>
+        <p:spPr>
+          <a:xfrm>
+            <a:off x="468313" y="1412875"/>
+            <a:ext cx="8229600" cy="5113338"/>
+          </a:xfrm>
+        </p:spPr>
+        <p:txBody>
+          <a:bodyPr/>
+          <a:lstStyle/>
+          <a:p>
+            <a:r>
+              <a:rPr lang="zh-CN" altLang="en-US" smtClean="0"/>
+              <a:t>把人物列出来 </a:t>
+            </a:r>
+          </a:p>
+          <a:p>
+            <a:pPr lvl="1"/>
+            <a:r>
+              <a:rPr lang="zh-CN" altLang="en-US" smtClean="0"/>
+              <a:t>约翰</a:t>
+            </a:r>
+          </a:p>
+          <a:p>
+            <a:pPr lvl="1"/>
+            <a:r>
+              <a:rPr lang="zh-CN" altLang="en-US" smtClean="0"/>
+              <a:t>犹太全地和耶路撒冷的人</a:t>
+            </a:r>
+          </a:p>
+          <a:p>
+            <a:r>
+              <a:rPr lang="zh-CN" altLang="en-US" smtClean="0"/>
+              <a:t>这些人物对发生的这个故事有什么意义？</a:t>
+            </a:r>
+          </a:p>
+          <a:p>
+            <a:pPr lvl="1"/>
+            <a:r>
+              <a:rPr lang="zh-CN" altLang="en-US" smtClean="0"/>
+              <a:t>约翰的身份 </a:t>
+            </a:r>
+          </a:p>
+          <a:p>
+            <a:pPr lvl="1"/>
+            <a:r>
+              <a:rPr lang="zh-CN" altLang="en-US" smtClean="0"/>
+              <a:t>群体的特征  </a:t>
+            </a:r>
+          </a:p>
+          <a:p>
+            <a:r>
+              <a:rPr lang="zh-CN" altLang="en-US" smtClean="0"/>
+              <a:t>猜一猜有隐藏人物吗？ </a:t>
+            </a:r>
+          </a:p>
+          <a:p>
+            <a:pPr lvl="1"/>
+            <a:r>
+              <a:rPr lang="zh-CN" altLang="en-US" smtClean="0"/>
+              <a:t>西门和安德烈 </a:t>
+            </a:r>
+          </a:p>
+          <a:p>
+            <a:pPr lvl="1"/>
+            <a:r>
+              <a:rPr lang="zh-CN" altLang="en-US" smtClean="0"/>
+              <a:t>撒迦利亚和伊丽莎白 </a:t>
+            </a:r>
+            <a:endParaRPr lang="en-US" altLang="zh-CN" smtClean="0"/>
+          </a:p>
+        </p:txBody>
+      </p:sp>
+    </p:spTree>
+  </p:cSld>
+  <p:clrMapOvr>
+    <a:masterClrMapping/>
+  </p:clrMapOvr>
+  <p:timing>
+    <p:tnLst>
+      <p:par>
+        <p:cTn id="1" dur="indefinite" restart="never" nodeType="tmRoot">
+          <p:childTnLst>
+            <p:seq concurrent="1" nextAc="seek">
+              <p:cTn id="2" dur="indefinite" nodeType="mainSeq">
+                <p:childTnLst>
+                  <p:par>
+                    <p:cTn id="3" fill="hold">
+                      <p:stCondLst>
+                        <p:cond delay="indefinite"/>
+                      </p:stCondLst>
+                      <p:childTnLst>
+                        <p:par>
+                          <p:cTn id="4" fill="hold">
+                            <p:stCondLst>
+                              <p:cond delay="0"/>
+                            </p:stCondLst>
+                            <p:childTnLst>
+                              <p:par>
+                                <p:cTn id="5" presetID="2" presetClass="entr" presetSubtype="4" fill="hold" nodeType="clickEffect">
+                                  <p:stCondLst>
+                                    <p:cond delay="0"/>
+                                  </p:stCondLst>
+                                  <p:childTnLst>
+                                    <p:set>
+                                      <p:cBhvr>
+                                        <p:cTn id="6" dur="1" fill="hold">
+                                          <p:stCondLst>
+                                            <p:cond delay="0"/>
+                                          </p:stCondLst>
+                                        </p:cTn>
+                                        <p:tgtEl>
+                                          <p:spTgt spid="28675">
+                                            <p:txEl>
+                                              <p:pRg st="0" end="0"/>
+                                            </p:txEl>
+                                          </p:spTgt>
+                                        </p:tgtEl>
+                                        <p:attrNameLst>
+                                          <p:attrName>style.visibility</p:attrName>
+                                        </p:attrNameLst>
+                                      </p:cBhvr>
+                                      <p:to>
+                                        <p:strVal val="visible"/>
+                                      </p:to>
+                                    </p:set>
+                                    <p:anim calcmode="lin" valueType="num">
+                                      <p:cBhvr additive="base">
+                                        <p:cTn id="7" dur="500" fill="hold"/>
+                                        <p:tgtEl>
+                                          <p:spTgt spid="28675">
+                                            <p:txEl>
+                                              <p:pRg st="0" end="0"/>
+                                            </p:txEl>
+                                          </p:spTgt>
+                                        </p:tgtEl>
+                                        <p:attrNameLst>
+                                          <p:attrName>ppt_x</p:attrName>
+                                        </p:attrNameLst>
+                                      </p:cBhvr>
+                                      <p:tavLst>
+                                        <p:tav tm="0">
+                                          <p:val>
+                                            <p:strVal val="#ppt_x"/>
+                                          </p:val>
+                                        </p:tav>
+                                        <p:tav tm="100000">
+                                          <p:val>
+                                            <p:strVal val="#ppt_x"/>
+                                          </p:val>
+                                        </p:tav>
+                                      </p:tavLst>
+                                    </p:anim>
+                                    <p:anim calcmode="lin" valueType="num">
+                                      <p:cBhvr additive="base">
+                                        <p:cTn id="8" dur="500" fill="hold"/>
+                                        <p:tgtEl>
+                                          <p:spTgt spid="28675">
+                                            <p:txEl>
+                                              <p:pRg st="0" end="0"/>
+                                            </p:txEl>
+                                          </p:spTgt>
+                                        </p:tgtEl>
+                                        <p:attrNameLst>
+                                          <p:attrName>ppt_y</p:attrName>
+                                        </p:attrNameLst>
+                                      </p:cBhvr>
+                                      <p:tavLst>
+                                        <p:tav tm="0">
+                                          <p:val>
+                                            <p:strVal val="1+#ppt_h/2"/>
+                                          </p:val>
+                                        </p:tav>
+                                        <p:tav tm="100000">
+                                          <p:val>
+                                            <p:strVal val="#ppt_y"/>
+                                          </p:val>
+                                        </p:tav>
+                                      </p:tavLst>
+                                    </p:anim>
+                                  </p:childTnLst>
+                                </p:cTn>
+                              </p:par>
+                            </p:childTnLst>
+                          </p:cTn>
+                        </p:par>
+                      </p:childTnLst>
+                    </p:cTn>
+                  </p:par>
+                  <p:par>
+                    <p:cTn id="9" fill="hold">
+                      <p:stCondLst>
+                        <p:cond delay="indefinite"/>
+                      </p:stCondLst>
+                      <p:childTnLst>
+                        <p:par>
+                          <p:cTn id="10" fill="hold">
+                            <p:stCondLst>
+                              <p:cond delay="0"/>
+                            </p:stCondLst>
+                            <p:childTnLst>
+                              <p:par>
+                                <p:cTn id="11" presetID="2" presetClass="entr" presetSubtype="4" fill="hold" nodeType="clickEffect">
+                                  <p:stCondLst>
+                                    <p:cond delay="0"/>
+                                  </p:stCondLst>
+                                  <p:childTnLst>
+                                    <p:set>
+                                      <p:cBhvr>
+                                        <p:cTn id="12" dur="1" fill="hold">
+                                          <p:stCondLst>
+                                            <p:cond delay="0"/>
+                                          </p:stCondLst>
+                                        </p:cTn>
+                                        <p:tgtEl>
+                                          <p:spTgt spid="28675">
+                                            <p:txEl>
+                                              <p:pRg st="1" end="1"/>
+                                            </p:txEl>
+                                          </p:spTgt>
+                                        </p:tgtEl>
+                                        <p:attrNameLst>
+                                          <p:attrName>style.visibility</p:attrName>
+                                        </p:attrNameLst>
+                                      </p:cBhvr>
+                                      <p:to>
+                                        <p:strVal val="visible"/>
+                                      </p:to>
+                                    </p:set>
+                                    <p:anim calcmode="lin" valueType="num">
+                                      <p:cBhvr additive="base">
+                                        <p:cTn id="13" dur="500" fill="hold"/>
+                                        <p:tgtEl>
+                                          <p:spTgt spid="28675">
+                                            <p:txEl>
+                                              <p:pRg st="1" end="1"/>
+                                            </p:txEl>
+                                          </p:spTgt>
+                                        </p:tgtEl>
+                                        <p:attrNameLst>
+                                          <p:attrName>ppt_x</p:attrName>
+                                        </p:attrNameLst>
+                                      </p:cBhvr>
+                                      <p:tavLst>
+                                        <p:tav tm="0">
+                                          <p:val>
+                                            <p:strVal val="#ppt_x"/>
+                                          </p:val>
+                                        </p:tav>
+                                        <p:tav tm="100000">
+                                          <p:val>
+                                            <p:strVal val="#ppt_x"/>
+                                          </p:val>
+                                        </p:tav>
+                                      </p:tavLst>
+                                    </p:anim>
+                                    <p:anim calcmode="lin" valueType="num">
+                                      <p:cBhvr additive="base">
+                                        <p:cTn id="14" dur="500" fill="hold"/>
+                                        <p:tgtEl>
+                                          <p:spTgt spid="28675">
+                                            <p:txEl>
+                                              <p:pRg st="1" end="1"/>
+                                            </p:txEl>
+                                          </p:spTgt>
+                                        </p:tgtEl>
+                                        <p:attrNameLst>
+                                          <p:attrName>ppt_y</p:attrName>
+                                        </p:attrNameLst>
+                                      </p:cBhvr>
+                                      <p:tavLst>
+                                        <p:tav tm="0">
+                                          <p:val>
+                                            <p:strVal val="1+#ppt_h/2"/>
+                                          </p:val>
+                                        </p:tav>
+                                        <p:tav tm="100000">
+                                          <p:val>
+                                            <p:strVal val="#ppt_y"/>
+                                          </p:val>
+                                        </p:tav>
+                                      </p:tavLst>
+                                    </p:anim>
+                                  </p:childTnLst>
+                                </p:cTn>
+                              </p:par>
+                            </p:childTnLst>
+                          </p:cTn>
+                        </p:par>
+                      </p:childTnLst>
+                    </p:cTn>
+                  </p:par>
+                  <p:par>
+                    <p:cTn id="15" fill="hold">
+                      <p:stCondLst>
+                        <p:cond delay="indefinite"/>
+                      </p:stCondLst>
+                      <p:childTnLst>
+                        <p:par>
+                          <p:cTn id="16" fill="hold">
+                            <p:stCondLst>
+                              <p:cond delay="0"/>
+                            </p:stCondLst>
+                            <p:childTnLst>
+                              <p:par>
+                                <p:cTn id="17" presetID="2" presetClass="entr" presetSubtype="4" fill="hold" nodeType="clickEffect">
+                                  <p:stCondLst>
+                                    <p:cond delay="0"/>
+                                  </p:stCondLst>
+                                  <p:childTnLst>
+                                    <p:set>
+                                      <p:cBhvr>
+                                        <p:cTn id="18" dur="1" fill="hold">
+                                          <p:stCondLst>
+                                            <p:cond delay="0"/>
+                                          </p:stCondLst>
+                                        </p:cTn>
+                                        <p:tgtEl>
+                                          <p:spTgt spid="28675">
+                                            <p:txEl>
+                                              <p:pRg st="2" end="2"/>
+                                            </p:txEl>
+                                          </p:spTgt>
+                                        </p:tgtEl>
+                                        <p:attrNameLst>
+                                          <p:attrName>style.visibility</p:attrName>
+                                        </p:attrNameLst>
+                                      </p:cBhvr>
+                                      <p:to>
+                                        <p:strVal val="visible"/>
+                                      </p:to>
+                                    </p:set>
+                                    <p:anim calcmode="lin" valueType="num">
+                                      <p:cBhvr additive="base">
+                                        <p:cTn id="19" dur="500" fill="hold"/>
+                                        <p:tgtEl>
+                                          <p:spTgt spid="28675">
+                                            <p:txEl>
+                                              <p:pRg st="2" end="2"/>
+                                            </p:txEl>
+                                          </p:spTgt>
+                                        </p:tgtEl>
+                                        <p:attrNameLst>
+                                          <p:attrName>ppt_x</p:attrName>
+                                        </p:attrNameLst>
+                                      </p:cBhvr>
+                                      <p:tavLst>
+                                        <p:tav tm="0">
+                                          <p:val>
+                                            <p:strVal val="#ppt_x"/>
+                                          </p:val>
+                                        </p:tav>
+                                        <p:tav tm="100000">
+                                          <p:val>
+                                            <p:strVal val="#ppt_x"/>
+                                          </p:val>
+                                        </p:tav>
+                                      </p:tavLst>
+                                    </p:anim>
+                                    <p:anim calcmode="lin" valueType="num">
+                                      <p:cBhvr additive="base">
+                                        <p:cTn id="20" dur="500" fill="hold"/>
+                                        <p:tgtEl>
+                                          <p:spTgt spid="28675">
+                                            <p:txEl>
+                                              <p:pRg st="2" end="2"/>
+                                            </p:txEl>
+                                          </p:spTgt>
+                                        </p:tgtEl>
+                                        <p:attrNameLst>
+                                          <p:attrName>ppt_y</p:attrName>
+                                        </p:attrNameLst>
+                                      </p:cBhvr>
+                                      <p:tavLst>
+                                        <p:tav tm="0">
+                                          <p:val>
+                                            <p:strVal val="1+#ppt_h/2"/>
+                                          </p:val>
+                                        </p:tav>
+                                        <p:tav tm="100000">
+                                          <p:val>
+                                            <p:strVal val="#ppt_y"/>
+                                          </p:val>
+                                        </p:tav>
+                                      </p:tavLst>
+                                    </p:anim>
+                                  </p:childTnLst>
+                                </p:cTn>
+                              </p:par>
+                            </p:childTnLst>
+                          </p:cTn>
+                        </p:par>
+                      </p:childTnLst>
+                    </p:cTn>
+                  </p:par>
+                  <p:par>
+                    <p:cTn id="21" fill="hold">
+                      <p:stCondLst>
+                        <p:cond delay="indefinite"/>
+                      </p:stCondLst>
+                      <p:childTnLst>
+                        <p:par>
+                          <p:cTn id="22" fill="hold">
+                            <p:stCondLst>
+                              <p:cond delay="0"/>
+                            </p:stCondLst>
+                            <p:childTnLst>
+                              <p:par>
+                                <p:cTn id="23" presetID="2" presetClass="entr" presetSubtype="4" fill="hold" nodeType="clickEffect">
+                                  <p:stCondLst>
+                                    <p:cond delay="0"/>
+                                  </p:stCondLst>
+                                  <p:childTnLst>
+                                    <p:set>
+                                      <p:cBhvr>
+                                        <p:cTn id="24" dur="1" fill="hold">
+                                          <p:stCondLst>
+                                            <p:cond delay="0"/>
+                                          </p:stCondLst>
+                                        </p:cTn>
+                                        <p:tgtEl>
+                                          <p:spTgt spid="28675">
+                                            <p:txEl>
+                                              <p:pRg st="3" end="3"/>
+                                            </p:txEl>
+                                          </p:spTgt>
+                                        </p:tgtEl>
+                                        <p:attrNameLst>
+                                          <p:attrName>style.visibility</p:attrName>
+                                        </p:attrNameLst>
+                                      </p:cBhvr>
+                                      <p:to>
+                                        <p:strVal val="visible"/>
+                                      </p:to>
+                                    </p:set>
+                                    <p:anim calcmode="lin" valueType="num">
+                                      <p:cBhvr additive="base">
+                                        <p:cTn id="25" dur="500" fill="hold"/>
+                                        <p:tgtEl>
+                                          <p:spTgt spid="28675">
+                                            <p:txEl>
+                                              <p:pRg st="3" end="3"/>
+                                            </p:txEl>
+                                          </p:spTgt>
+                                        </p:tgtEl>
+                                        <p:attrNameLst>
+                                          <p:attrName>ppt_x</p:attrName>
+                                        </p:attrNameLst>
+                                      </p:cBhvr>
+                                      <p:tavLst>
+                                        <p:tav tm="0">
+                                          <p:val>
+                                            <p:strVal val="#ppt_x"/>
+                                          </p:val>
+                                        </p:tav>
+                                        <p:tav tm="100000">
+                                          <p:val>
+                                            <p:strVal val="#ppt_x"/>
+                                          </p:val>
+                                        </p:tav>
+                                      </p:tavLst>
+                                    </p:anim>
+                                    <p:anim calcmode="lin" valueType="num">
+                                      <p:cBhvr additive="base">
+                                        <p:cTn id="26" dur="500" fill="hold"/>
+                                        <p:tgtEl>
+                                          <p:spTgt spid="28675">
+                                            <p:txEl>
+                                              <p:pRg st="3" end="3"/>
+                                            </p:txEl>
+                                          </p:spTgt>
+                                        </p:tgtEl>
+                                        <p:attrNameLst>
+                                          <p:attrName>ppt_y</p:attrName>
+                                        </p:attrNameLst>
+                                      </p:cBhvr>
+                                      <p:tavLst>
+                                        <p:tav tm="0">
+                                          <p:val>
+                                            <p:strVal val="1+#ppt_h/2"/>
+                                          </p:val>
+                                        </p:tav>
+                                        <p:tav tm="100000">
+                                          <p:val>
+                                            <p:strVal val="#ppt_y"/>
+                                          </p:val>
+                                        </p:tav>
+                                      </p:tavLst>
+                                    </p:anim>
+                                  </p:childTnLst>
+                                </p:cTn>
+                              </p:par>
+                            </p:childTnLst>
+                          </p:cTn>
+                        </p:par>
+                      </p:childTnLst>
+                    </p:cTn>
+                  </p:par>
+                  <p:par>
+                    <p:cTn id="27" fill="hold">
+                      <p:stCondLst>
+                        <p:cond delay="indefinite"/>
+                      </p:stCondLst>
+                      <p:childTnLst>
+                        <p:par>
+                          <p:cTn id="28" fill="hold">
+                            <p:stCondLst>
+                              <p:cond delay="0"/>
+                            </p:stCondLst>
+                            <p:childTnLst>
+                              <p:par>
+                                <p:cTn id="29" presetID="2" presetClass="entr" presetSubtype="4" fill="hold" nodeType="clickEffect">
+                                  <p:stCondLst>
+                                    <p:cond delay="0"/>
+                                  </p:stCondLst>
+                                  <p:childTnLst>
+                                    <p:set>
+                                      <p:cBhvr>
+                                        <p:cTn id="30" dur="1" fill="hold">
+                                          <p:stCondLst>
+                                            <p:cond delay="0"/>
+                                          </p:stCondLst>
+                                        </p:cTn>
+                                        <p:tgtEl>
+                                          <p:spTgt spid="28675">
+                                            <p:txEl>
+                                              <p:pRg st="4" end="4"/>
+                                            </p:txEl>
+                                          </p:spTgt>
+                                        </p:tgtEl>
+                                        <p:attrNameLst>
+                                          <p:attrName>style.visibility</p:attrName>
+                                        </p:attrNameLst>
+                                      </p:cBhvr>
+                                      <p:to>
+                                        <p:strVal val="visible"/>
+                                      </p:to>
+                                    </p:set>
+                                    <p:anim calcmode="lin" valueType="num">
+                                      <p:cBhvr additive="base">
+                                        <p:cTn id="31" dur="500" fill="hold"/>
+                                        <p:tgtEl>
+                                          <p:spTgt spid="28675">
+                                            <p:txEl>
+                                              <p:pRg st="4" end="4"/>
+                                            </p:txEl>
+                                          </p:spTgt>
+                                        </p:tgtEl>
+                                        <p:attrNameLst>
+                                          <p:attrName>ppt_x</p:attrName>
+                                        </p:attrNameLst>
+                                      </p:cBhvr>
+                                      <p:tavLst>
+                                        <p:tav tm="0">
+                                          <p:val>
+                                            <p:strVal val="#ppt_x"/>
+                                          </p:val>
+                                        </p:tav>
+                                        <p:tav tm="100000">
+                                          <p:val>
+                                            <p:strVal val="#ppt_x"/>
+                                          </p:val>
+                                        </p:tav>
+                                      </p:tavLst>
+                                    </p:anim>
+                                    <p:anim calcmode="lin" valueType="num">
+                                      <p:cBhvr additive="base">
+                                        <p:cTn id="32" dur="500" fill="hold"/>
+                                        <p:tgtEl>
+                                          <p:spTgt spid="28675">
+                                            <p:txEl>
+                                              <p:pRg st="4" end="4"/>
+                                            </p:txEl>
+                                          </p:spTgt>
+                                        </p:tgtEl>
+                                        <p:attrNameLst>
+                                          <p:attrName>ppt_y</p:attrName>
+                                        </p:attrNameLst>
+                                      </p:cBhvr>
+                                      <p:tavLst>
+                                        <p:tav tm="0">
+                                          <p:val>
+                                            <p:strVal val="1+#ppt_h/2"/>
+                                          </p:val>
+                                        </p:tav>
+                                        <p:tav tm="100000">
+                                          <p:val>
+                                            <p:strVal val="#ppt_y"/>
+                                          </p:val>
+                                        </p:tav>
+                                      </p:tavLst>
+                                    </p:anim>
+                                  </p:childTnLst>
+                                </p:cTn>
+                              </p:par>
+                            </p:childTnLst>
+                          </p:cTn>
+                        </p:par>
+                      </p:childTnLst>
+                    </p:cTn>
+                  </p:par>
+                  <p:par>
+                    <p:cTn id="33" fill="hold">
+                      <p:stCondLst>
+                        <p:cond delay="indefinite"/>
+                      </p:stCondLst>
+                      <p:childTnLst>
+                        <p:par>
+                          <p:cTn id="34" fill="hold">
+                            <p:stCondLst>
+                              <p:cond delay="0"/>
+                            </p:stCondLst>
+                            <p:childTnLst>
+                              <p:par>
+                                <p:cTn id="35" presetID="2" presetClass="entr" presetSubtype="4" fill="hold" nodeType="clickEffect">
+                                  <p:stCondLst>
+                                    <p:cond delay="0"/>
+                                  </p:stCondLst>
+                                  <p:childTnLst>
+                                    <p:set>
+                                      <p:cBhvr>
+                                        <p:cTn id="36" dur="1" fill="hold">
+                                          <p:stCondLst>
+                                            <p:cond delay="0"/>
+                                          </p:stCondLst>
+                                        </p:cTn>
+                                        <p:tgtEl>
+                                          <p:spTgt spid="28675">
+                                            <p:txEl>
+                                              <p:pRg st="5" end="5"/>
+                                            </p:txEl>
+                                          </p:spTgt>
+                                        </p:tgtEl>
+                                        <p:attrNameLst>
+                                          <p:attrName>style.visibility</p:attrName>
+                                        </p:attrNameLst>
+                                      </p:cBhvr>
+                                      <p:to>
+                                        <p:strVal val="visible"/>
+                                      </p:to>
+                                    </p:set>
+                                    <p:anim calcmode="lin" valueType="num">
+                                      <p:cBhvr additive="base">
+                                        <p:cTn id="37" dur="500" fill="hold"/>
+                                        <p:tgtEl>
+                                          <p:spTgt spid="28675">
+                                            <p:txEl>
+                                              <p:pRg st="5" end="5"/>
+                                            </p:txEl>
+                                          </p:spTgt>
+                                        </p:tgtEl>
+                                        <p:attrNameLst>
+                                          <p:attrName>ppt_x</p:attrName>
+                                        </p:attrNameLst>
+                                      </p:cBhvr>
+                                      <p:tavLst>
+                                        <p:tav tm="0">
+                                          <p:val>
+                                            <p:strVal val="#ppt_x"/>
+                                          </p:val>
+                                        </p:tav>
+                                        <p:tav tm="100000">
+                                          <p:val>
+                                            <p:strVal val="#ppt_x"/>
+                                          </p:val>
+                                        </p:tav>
+                                      </p:tavLst>
+                                    </p:anim>
+                                    <p:anim calcmode="lin" valueType="num">
+                                      <p:cBhvr additive="base">
+                                        <p:cTn id="38" dur="500" fill="hold"/>
+                                        <p:tgtEl>
+                                          <p:spTgt spid="28675">
+                                            <p:txEl>
+                                              <p:pRg st="5" end="5"/>
+                                            </p:txEl>
+                                          </p:spTgt>
+                                        </p:tgtEl>
+                                        <p:attrNameLst>
+                                          <p:attrName>ppt_y</p:attrName>
+                                        </p:attrNameLst>
+                                      </p:cBhvr>
+                                      <p:tavLst>
+                                        <p:tav tm="0">
+                                          <p:val>
+                                            <p:strVal val="1+#ppt_h/2"/>
+                                          </p:val>
+                                        </p:tav>
+                                        <p:tav tm="100000">
+                                          <p:val>
+                                            <p:strVal val="#ppt_y"/>
+                                          </p:val>
+                                        </p:tav>
+                                      </p:tavLst>
+                                    </p:anim>
+                                  </p:childTnLst>
+                                </p:cTn>
+                              </p:par>
+                            </p:childTnLst>
+                          </p:cTn>
+                        </p:par>
+                      </p:childTnLst>
+                    </p:cTn>
+                  </p:par>
+                  <p:par>
+                    <p:cTn id="39" fill="hold">
+                      <p:stCondLst>
+                        <p:cond delay="indefinite"/>
+                      </p:stCondLst>
+                      <p:childTnLst>
+                        <p:par>
+                          <p:cTn id="40" fill="hold">
+                            <p:stCondLst>
+                              <p:cond delay="0"/>
+                            </p:stCondLst>
+                            <p:childTnLst>
+                              <p:par>
+                                <p:cTn id="41" presetID="2" presetClass="entr" presetSubtype="4" fill="hold" nodeType="clickEffect">
+                                  <p:stCondLst>
+                                    <p:cond delay="0"/>
+                                  </p:stCondLst>
+                                  <p:childTnLst>
+                                    <p:set>
+                                      <p:cBhvr>
+                                        <p:cTn id="42" dur="1" fill="hold">
+                                          <p:stCondLst>
+                                            <p:cond delay="0"/>
+                                          </p:stCondLst>
+                                        </p:cTn>
+                                        <p:tgtEl>
+                                          <p:spTgt spid="28675">
+                                            <p:txEl>
+                                              <p:pRg st="6" end="6"/>
+                                            </p:txEl>
+                                          </p:spTgt>
+                                        </p:tgtEl>
+                                        <p:attrNameLst>
+                                          <p:attrName>style.visibility</p:attrName>
+                                        </p:attrNameLst>
+                                      </p:cBhvr>
+                                      <p:to>
+                                        <p:strVal val="visible"/>
+                                      </p:to>
+                                    </p:set>
+                                    <p:anim calcmode="lin" valueType="num">
+                                      <p:cBhvr additive="base">
+                                        <p:cTn id="43" dur="500" fill="hold"/>
+                                        <p:tgtEl>
+                                          <p:spTgt spid="28675">
+                                            <p:txEl>
+                                              <p:pRg st="6" end="6"/>
+                                            </p:txEl>
+                                          </p:spTgt>
+                                        </p:tgtEl>
+                                        <p:attrNameLst>
+                                          <p:attrName>ppt_x</p:attrName>
+                                        </p:attrNameLst>
+                                      </p:cBhvr>
+                                      <p:tavLst>
+                                        <p:tav tm="0">
+                                          <p:val>
+                                            <p:strVal val="#ppt_x"/>
+                                          </p:val>
+                                        </p:tav>
+                                        <p:tav tm="100000">
+                                          <p:val>
+                                            <p:strVal val="#ppt_x"/>
+                                          </p:val>
+                                        </p:tav>
+                                      </p:tavLst>
+                                    </p:anim>
+                                    <p:anim calcmode="lin" valueType="num">
+                                      <p:cBhvr additive="base">
+                                        <p:cTn id="44" dur="500" fill="hold"/>
+                                        <p:tgtEl>
+                                          <p:spTgt spid="28675">
+                                            <p:txEl>
+                                              <p:pRg st="6" end="6"/>
+                                            </p:txEl>
+                                          </p:spTgt>
+                                        </p:tgtEl>
+                                        <p:attrNameLst>
+                                          <p:attrName>ppt_y</p:attrName>
+                                        </p:attrNameLst>
+                                      </p:cBhvr>
+                                      <p:tavLst>
+                                        <p:tav tm="0">
+                                          <p:val>
+                                            <p:strVal val="1+#ppt_h/2"/>
+                                          </p:val>
+                                        </p:tav>
+                                        <p:tav tm="100000">
+                                          <p:val>
+                                            <p:strVal val="#ppt_y"/>
+                                          </p:val>
+                                        </p:tav>
+                                      </p:tavLst>
+                                    </p:anim>
+                                  </p:childTnLst>
+                                </p:cTn>
+                              </p:par>
+                            </p:childTnLst>
+                          </p:cTn>
+                        </p:par>
+                      </p:childTnLst>
+                    </p:cTn>
+                  </p:par>
+                  <p:par>
+                    <p:cTn id="45" fill="hold">
+                      <p:stCondLst>
+                        <p:cond delay="indefinite"/>
+                      </p:stCondLst>
+                      <p:childTnLst>
+                        <p:par>
+                          <p:cTn id="46" fill="hold">
+                            <p:stCondLst>
+                              <p:cond delay="0"/>
+                            </p:stCondLst>
+                            <p:childTnLst>
+                              <p:par>
+                                <p:cTn id="47" presetID="2" presetClass="entr" presetSubtype="4" fill="hold" nodeType="clickEffect">
+                                  <p:stCondLst>
+                                    <p:cond delay="0"/>
+                                  </p:stCondLst>
+                                  <p:childTnLst>
+                                    <p:set>
+                                      <p:cBhvr>
+                                        <p:cTn id="48" dur="1" fill="hold">
+                                          <p:stCondLst>
+                                            <p:cond delay="0"/>
+                                          </p:stCondLst>
+                                        </p:cTn>
+                                        <p:tgtEl>
+                                          <p:spTgt spid="28675">
+                                            <p:txEl>
+                                              <p:pRg st="7" end="7"/>
+                                            </p:txEl>
+                                          </p:spTgt>
+                                        </p:tgtEl>
+                                        <p:attrNameLst>
+                                          <p:attrName>style.visibility</p:attrName>
+                                        </p:attrNameLst>
+                                      </p:cBhvr>
+                                      <p:to>
+                                        <p:strVal val="visible"/>
+                                      </p:to>
+                                    </p:set>
+                                    <p:anim calcmode="lin" valueType="num">
+                                      <p:cBhvr additive="base">
+                                        <p:cTn id="49" dur="500" fill="hold"/>
+                                        <p:tgtEl>
+                                          <p:spTgt spid="28675">
+                                            <p:txEl>
+                                              <p:pRg st="7" end="7"/>
+                                            </p:txEl>
+                                          </p:spTgt>
+                                        </p:tgtEl>
+                                        <p:attrNameLst>
+                                          <p:attrName>ppt_x</p:attrName>
+                                        </p:attrNameLst>
+                                      </p:cBhvr>
+                                      <p:tavLst>
+                                        <p:tav tm="0">
+                                          <p:val>
+                                            <p:strVal val="#ppt_x"/>
+                                          </p:val>
+                                        </p:tav>
+                                        <p:tav tm="100000">
+                                          <p:val>
+                                            <p:strVal val="#ppt_x"/>
+                                          </p:val>
+                                        </p:tav>
+                                      </p:tavLst>
+                                    </p:anim>
+                                    <p:anim calcmode="lin" valueType="num">
+                                      <p:cBhvr additive="base">
+                                        <p:cTn id="50" dur="500" fill="hold"/>
+                                        <p:tgtEl>
+                                          <p:spTgt spid="28675">
+                                            <p:txEl>
+                                              <p:pRg st="7" end="7"/>
+                                            </p:txEl>
+                                          </p:spTgt>
+                                        </p:tgtEl>
+                                        <p:attrNameLst>
+                                          <p:attrName>ppt_y</p:attrName>
+                                        </p:attrNameLst>
+                                      </p:cBhvr>
+                                      <p:tavLst>
+                                        <p:tav tm="0">
+                                          <p:val>
+                                            <p:strVal val="1+#ppt_h/2"/>
+                                          </p:val>
+                                        </p:tav>
+                                        <p:tav tm="100000">
+                                          <p:val>
+                                            <p:strVal val="#ppt_y"/>
+                                          </p:val>
+                                        </p:tav>
+                                      </p:tavLst>
+                                    </p:anim>
+                                  </p:childTnLst>
+                                </p:cTn>
+                              </p:par>
+                            </p:childTnLst>
+                          </p:cTn>
+                        </p:par>
+                      </p:childTnLst>
+                    </p:cTn>
+                  </p:par>
+                  <p:par>
+                    <p:cTn id="51" fill="hold">
+                      <p:stCondLst>
+                        <p:cond delay="indefinite"/>
+                      </p:stCondLst>
+                      <p:childTnLst>
+                        <p:par>
+                          <p:cTn id="52" fill="hold">
+                            <p:stCondLst>
+                              <p:cond delay="0"/>
+                            </p:stCondLst>
+                            <p:childTnLst>
+                              <p:par>
+                                <p:cTn id="53" presetID="2" presetClass="entr" presetSubtype="4" fill="hold" nodeType="clickEffect">
+                                  <p:stCondLst>
+                                    <p:cond delay="0"/>
+                                  </p:stCondLst>
+                                  <p:childTnLst>
+                                    <p:set>
+                                      <p:cBhvr>
+                                        <p:cTn id="54" dur="1" fill="hold">
+                                          <p:stCondLst>
+                                            <p:cond delay="0"/>
+                                          </p:stCondLst>
+                                        </p:cTn>
+                                        <p:tgtEl>
+                                          <p:spTgt spid="28675">
+                                            <p:txEl>
+                                              <p:pRg st="8" end="8"/>
+                                            </p:txEl>
+                                          </p:spTgt>
+                                        </p:tgtEl>
+                                        <p:attrNameLst>
+                                          <p:attrName>style.visibility</p:attrName>
+                                        </p:attrNameLst>
+                                      </p:cBhvr>
+                                      <p:to>
+                                        <p:strVal val="visible"/>
+                                      </p:to>
+                                    </p:set>
+                                    <p:anim calcmode="lin" valueType="num">
+                                      <p:cBhvr additive="base">
+                                        <p:cTn id="55" dur="500" fill="hold"/>
+                                        <p:tgtEl>
+                                          <p:spTgt spid="28675">
+                                            <p:txEl>
+                                              <p:pRg st="8" end="8"/>
+                                            </p:txEl>
+                                          </p:spTgt>
+                                        </p:tgtEl>
+                                        <p:attrNameLst>
+                                          <p:attrName>ppt_x</p:attrName>
+                                        </p:attrNameLst>
+                                      </p:cBhvr>
+                                      <p:tavLst>
+                                        <p:tav tm="0">
+                                          <p:val>
+                                            <p:strVal val="#ppt_x"/>
+                                          </p:val>
+                                        </p:tav>
+                                        <p:tav tm="100000">
+                                          <p:val>
+                                            <p:strVal val="#ppt_x"/>
+                                          </p:val>
+                                        </p:tav>
+                                      </p:tavLst>
+                                    </p:anim>
+                                    <p:anim calcmode="lin" valueType="num">
+                                      <p:cBhvr additive="base">
+                                        <p:cTn id="56" dur="500" fill="hold"/>
+                                        <p:tgtEl>
+                                          <p:spTgt spid="28675">
+                                            <p:txEl>
+                                              <p:pRg st="8" end="8"/>
+                                            </p:txEl>
+                                          </p:spTgt>
+                                        </p:tgtEl>
+                                        <p:attrNameLst>
+                                          <p:attrName>ppt_y</p:attrName>
+                                        </p:attrNameLst>
+                                      </p:cBhvr>
+                                      <p:tavLst>
+                                        <p:tav tm="0">
+                                          <p:val>
+                                            <p:strVal val="1+#ppt_h/2"/>
+                                          </p:val>
+                                        </p:tav>
+                                        <p:tav tm="100000">
+                                          <p:val>
+                                            <p:strVal val="#ppt_y"/>
+                                          </p:val>
+                                        </p:tav>
+                                      </p:tavLst>
+                                    </p:anim>
+                                  </p:childTnLst>
+                                </p:cTn>
+                              </p:par>
+                            </p:childTnLst>
+                          </p:cTn>
+                        </p:par>
+                      </p:childTnLst>
+                    </p:cTn>
+                  </p:par>
+                </p:childTnLst>
+              </p:cTn>
+              <p:prevCondLst>
+                <p:cond evt="onPrev" delay="0">
+                  <p:tgtEl>
+                    <p:sldTgt/>
+                  </p:tgtEl>
+                </p:cond>
+              </p:prevCondLst>
+              <p:nextCondLst>
+                <p:cond evt="onNext" delay="0">
+                  <p:tgtEl>
+                    <p:sldTgt/>
+                  </p:tgtEl>
+                </p:cond>
+              </p:nextCondLst>
+            </p:seq>
+          </p:childTnLst>
+        </p:cTn>
+      </p:par>
+    </p:tnLst>
+  </p:timing>
+</p:sld>
+</file>
+
+<file path=ppt/slides/slide14.xml><?xml version="1.0" encoding="utf-8"?>
+<p:sld xmlns:a="http://schemas.openxmlformats.org/drawingml/2006/main" xmlns:r="http://schemas.openxmlformats.org/officeDocument/2006/relationships" xmlns:p="http://schemas.openxmlformats.org/presentationml/2006/main">
+  <p:cSld>
+    <p:spTree>
+      <p:nvGrpSpPr>
+        <p:cNvPr id="1" name=""/>
+        <p:cNvGrpSpPr/>
+        <p:nvPr/>
+      </p:nvGrpSpPr>
+      <p:grpSpPr>
+        <a:xfrm>
+          <a:off x="0" y="0"/>
+          <a:ext cx="0" cy="0"/>
+          <a:chOff x="0" y="0"/>
+          <a:chExt cx="0" cy="0"/>
+        </a:xfrm>
+      </p:grpSpPr>
+      <p:sp>
+        <p:nvSpPr>
+          <p:cNvPr id="29698" name="标题 1"/>
+          <p:cNvSpPr>
+            <a:spLocks noGrp="1"/>
+          </p:cNvSpPr>
+          <p:nvPr>
+            <p:ph type="title" idx="4294967295"/>
+          </p:nvPr>
+        </p:nvSpPr>
+        <p:spPr>
+          <a:xfrm>
+            <a:off x="468313" y="1268413"/>
+            <a:ext cx="8229600" cy="2214562"/>
+          </a:xfrm>
+        </p:spPr>
+        <p:txBody>
+          <a:bodyPr/>
+          <a:lstStyle/>
+          <a:p>
+            <a:r>
+              <a:rPr lang="zh-CN" altLang="en-US" sz="9600" smtClean="0"/>
+              <a:t>舞台</a:t>
+            </a:r>
+          </a:p>
+        </p:txBody>
+      </p:sp>
+      <p:sp>
+        <p:nvSpPr>
+          <p:cNvPr id="29699" name="Text Box 3"/>
+          <p:cNvSpPr txBox="1">
+            <a:spLocks noChangeArrowheads="1"/>
+          </p:cNvSpPr>
+          <p:nvPr/>
+        </p:nvSpPr>
+        <p:spPr bwMode="auto">
+          <a:xfrm>
+            <a:off x="395288" y="4724400"/>
+            <a:ext cx="8208962" cy="914400"/>
+          </a:xfrm>
+          <a:prstGeom prst="rect">
+            <a:avLst/>
+          </a:prstGeom>
+          <a:noFill/>
+          <a:ln w="9525">
+            <a:noFill/>
+            <a:miter lim="800000"/>
+            <a:headEnd/>
+            <a:tailEnd/>
+          </a:ln>
+          <a:effectLst/>
+        </p:spPr>
+        <p:txBody>
+          <a:bodyPr>
+            <a:spAutoFit/>
+          </a:bodyPr>
+          <a:lstStyle/>
+          <a:p>
+            <a:pPr algn="ctr">
+              <a:spcBef>
+                <a:spcPct val="50000"/>
+              </a:spcBef>
+            </a:pPr>
+            <a:r>
+              <a:rPr lang="zh-CN" altLang="en-US" sz="5400">
+                <a:latin typeface="微软雅黑" pitchFamily="34" charset="-122"/>
+                <a:ea typeface="微软雅黑" pitchFamily="34" charset="-122"/>
+              </a:rPr>
+              <a:t>讲述马可福音</a:t>
+            </a:r>
+            <a:r>
+              <a:rPr lang="en-US" altLang="zh-CN" sz="5400">
+                <a:latin typeface="微软雅黑" pitchFamily="34" charset="-122"/>
+                <a:ea typeface="微软雅黑" pitchFamily="34" charset="-122"/>
+              </a:rPr>
+              <a:t>1</a:t>
+            </a:r>
+            <a:r>
+              <a:rPr lang="zh-CN" altLang="en-US" sz="5400">
+                <a:latin typeface="微软雅黑" pitchFamily="34" charset="-122"/>
+                <a:ea typeface="微软雅黑" pitchFamily="34" charset="-122"/>
+              </a:rPr>
+              <a:t>章</a:t>
+            </a:r>
+            <a:r>
+              <a:rPr lang="en-US" altLang="zh-CN" sz="5400">
+                <a:latin typeface="微软雅黑" pitchFamily="34" charset="-122"/>
+                <a:ea typeface="微软雅黑" pitchFamily="34" charset="-122"/>
+              </a:rPr>
+              <a:t>4-8</a:t>
+            </a:r>
+            <a:r>
+              <a:rPr lang="zh-CN" altLang="en-US" sz="5400">
+                <a:latin typeface="微软雅黑" pitchFamily="34" charset="-122"/>
+                <a:ea typeface="微软雅黑" pitchFamily="34" charset="-122"/>
+              </a:rPr>
+              <a:t>节</a:t>
+            </a:r>
+          </a:p>
+        </p:txBody>
+      </p:sp>
+    </p:spTree>
+  </p:cSld>
+  <p:clrMapOvr>
+    <a:masterClrMapping/>
+  </p:clrMapOvr>
+  <p:transition>
+    <p:dissolve/>
+  </p:transition>
+  <p:timing>
+    <p:tnLst>
+      <p:par>
+        <p:cTn id="1" dur="indefinite" restart="never" nodeType="tmRoot">
+          <p:childTnLst>
+            <p:seq concurrent="1" nextAc="seek">
+              <p:cTn id="2" dur="indefinite" nodeType="mainSeq">
+                <p:childTnLst>
+                  <p:par>
+                    <p:cTn id="3" fill="hold">
+                      <p:stCondLst>
+                        <p:cond delay="indefinite"/>
+                      </p:stCondLst>
+                      <p:childTnLst>
+                        <p:par>
+                          <p:cTn id="4" fill="hold">
+                            <p:stCondLst>
+                              <p:cond delay="0"/>
+                            </p:stCondLst>
+                            <p:childTnLst>
+                              <p:par>
+                                <p:cTn id="5" presetID="2" presetClass="entr" presetSubtype="4" fill="hold" nodeType="clickEffect">
+                                  <p:stCondLst>
+                                    <p:cond delay="0"/>
+                                  </p:stCondLst>
+                                  <p:childTnLst>
+                                    <p:set>
+                                      <p:cBhvr>
+                                        <p:cTn id="6" dur="1" fill="hold">
+                                          <p:stCondLst>
+                                            <p:cond delay="0"/>
+                                          </p:stCondLst>
+                                        </p:cTn>
+                                        <p:tgtEl>
+                                          <p:spTgt spid="29699">
+                                            <p:txEl>
+                                              <p:pRg st="0" end="0"/>
+                                            </p:txEl>
+                                          </p:spTgt>
+                                        </p:tgtEl>
+                                        <p:attrNameLst>
+                                          <p:attrName>style.visibility</p:attrName>
+                                        </p:attrNameLst>
+                                      </p:cBhvr>
+                                      <p:to>
+                                        <p:strVal val="visible"/>
+                                      </p:to>
+                                    </p:set>
+                                    <p:anim calcmode="lin" valueType="num">
+                                      <p:cBhvr additive="base">
+                                        <p:cTn id="7" dur="500" fill="hold"/>
+                                        <p:tgtEl>
+                                          <p:spTgt spid="29699">
+                                            <p:txEl>
+                                              <p:pRg st="0" end="0"/>
+                                            </p:txEl>
+                                          </p:spTgt>
+                                        </p:tgtEl>
+                                        <p:attrNameLst>
+                                          <p:attrName>ppt_x</p:attrName>
+                                        </p:attrNameLst>
+                                      </p:cBhvr>
+                                      <p:tavLst>
+                                        <p:tav tm="0">
+                                          <p:val>
+                                            <p:strVal val="#ppt_x"/>
+                                          </p:val>
+                                        </p:tav>
+                                        <p:tav tm="100000">
+                                          <p:val>
+                                            <p:strVal val="#ppt_x"/>
+                                          </p:val>
+                                        </p:tav>
+                                      </p:tavLst>
+                                    </p:anim>
+                                    <p:anim calcmode="lin" valueType="num">
+                                      <p:cBhvr additive="base">
+                                        <p:cTn id="8" dur="500" fill="hold"/>
+                                        <p:tgtEl>
+                                          <p:spTgt spid="29699">
+                                            <p:txEl>
+                                              <p:pRg st="0" end="0"/>
+                                            </p:txEl>
+                                          </p:spTgt>
+                                        </p:tgtEl>
+                                        <p:attrNameLst>
+                                          <p:attrName>ppt_y</p:attrName>
+                                        </p:attrNameLst>
+                                      </p:cBhvr>
+                                      <p:tavLst>
+                                        <p:tav tm="0">
+                                          <p:val>
+                                            <p:strVal val="1+#ppt_h/2"/>
+                                          </p:val>
+                                        </p:tav>
+                                        <p:tav tm="100000">
+                                          <p:val>
+                                            <p:strVal val="#ppt_y"/>
+                                          </p:val>
+                                        </p:tav>
+                                      </p:tavLst>
+                                    </p:anim>
+                                  </p:childTnLst>
+                                </p:cTn>
+                              </p:par>
+                            </p:childTnLst>
+                          </p:cTn>
+                        </p:par>
+                      </p:childTnLst>
+                    </p:cTn>
+                  </p:par>
+                </p:childTnLst>
+              </p:cTn>
+              <p:prevCondLst>
+                <p:cond evt="onPrev" delay="0">
+                  <p:tgtEl>
+                    <p:sldTgt/>
+                  </p:tgtEl>
+                </p:cond>
+              </p:prevCondLst>
+              <p:nextCondLst>
+                <p:cond evt="onNext" delay="0">
+                  <p:tgtEl>
+                    <p:sldTgt/>
+                  </p:tgtEl>
+                </p:cond>
+              </p:nextCondLst>
+            </p:seq>
+          </p:childTnLst>
+        </p:cTn>
+      </p:par>
+    </p:tnLst>
+  </p:timing>
+</p:sld>
+</file>
+
+<file path=ppt/slides/slide15.xml><?xml version="1.0" encoding="utf-8"?>
+<p:sld xmlns:a="http://schemas.openxmlformats.org/drawingml/2006/main" xmlns:r="http://schemas.openxmlformats.org/officeDocument/2006/relationships" xmlns:p="http://schemas.openxmlformats.org/presentationml/2006/main">
+  <p:cSld>
+    <p:spTree>
+      <p:nvGrpSpPr>
+        <p:cNvPr id="1" name=""/>
+        <p:cNvGrpSpPr/>
+        <p:nvPr/>
+      </p:nvGrpSpPr>
+      <p:grpSpPr>
+        <a:xfrm>
+          <a:off x="0" y="0"/>
+          <a:ext cx="0" cy="0"/>
+          <a:chOff x="0" y="0"/>
+          <a:chExt cx="0" cy="0"/>
+        </a:xfrm>
+      </p:grpSpPr>
+      <p:sp>
+        <p:nvSpPr>
+          <p:cNvPr id="4" name="标题 3"/>
+          <p:cNvSpPr>
+            <a:spLocks noGrp="1"/>
+          </p:cNvSpPr>
+          <p:nvPr>
+            <p:ph type="ctrTitle"/>
+          </p:nvPr>
+        </p:nvSpPr>
+        <p:spPr>
+          <a:xfrm>
+            <a:off x="0" y="428604"/>
+            <a:ext cx="9144000" cy="1028706"/>
+          </a:xfrm>
+        </p:spPr>
+        <p:txBody>
+          <a:bodyPr/>
+          <a:lstStyle/>
+          <a:p>
+            <a:r>
+              <a:rPr lang="zh-CN" altLang="en-US" sz="2800" dirty="0" smtClean="0"/>
+              <a:t>请注意</a:t>
+            </a:r>
+            <a:r>
+              <a:rPr lang="zh-CN" altLang="en-US" sz="2800" dirty="0" smtClean="0"/>
+              <a:t>观察这些人</a:t>
+            </a:r>
+            <a:r>
+              <a:rPr lang="zh-CN" altLang="en-US" sz="2800" dirty="0" smtClean="0"/>
+              <a:t>来到约翰面前时的表情、神态</a:t>
+            </a:r>
+            <a:endParaRPr lang="zh-CN" altLang="en-US" sz="2800" dirty="0"/>
+          </a:p>
+        </p:txBody>
+      </p:sp>
+      <p:sp>
+        <p:nvSpPr>
+          <p:cNvPr id="6" name="标题 3"/>
+          <p:cNvSpPr txBox="1">
+            <a:spLocks/>
+          </p:cNvSpPr>
+          <p:nvPr/>
+        </p:nvSpPr>
+        <p:spPr bwMode="auto">
+          <a:xfrm>
+            <a:off x="0" y="1643050"/>
+            <a:ext cx="9144000" cy="1028706"/>
+          </a:xfrm>
+          <a:prstGeom prst="rect">
+            <a:avLst/>
+          </a:prstGeom>
+          <a:noFill/>
+          <a:ln w="9525">
+            <a:noFill/>
+            <a:miter lim="800000"/>
+            <a:headEnd/>
+            <a:tailEnd/>
+          </a:ln>
+        </p:spPr>
+        <p:txBody>
+          <a:bodyPr vert="horz" wrap="square" lIns="91440" tIns="45720" rIns="91440" bIns="45720" numCol="1" anchor="ctr" anchorCtr="0" compatLnSpc="1">
+            <a:prstTxWarp prst="textNoShape">
+              <a:avLst/>
+            </a:prstTxWarp>
+          </a:bodyPr>
+          <a:lstStyle/>
+          <a:p>
+            <a:pPr lvl="0" algn="ctr"/>
+            <a:r>
+              <a:rPr lang="zh-CN" altLang="en-US" sz="2800" dirty="0" smtClean="0"/>
+              <a:t>约翰在看见这些人时，是什么表情？什么态度？</a:t>
+            </a:r>
+            <a:endParaRPr kumimoji="0" lang="zh-CN" altLang="en-US" sz="2800" b="0" i="0" u="none" strike="noStrike" kern="1200" cap="none" spc="0" normalizeH="0" baseline="0" noProof="0" dirty="0">
+              <a:ln>
+                <a:noFill/>
+              </a:ln>
+              <a:solidFill>
+                <a:schemeClr val="tx1"/>
+              </a:solidFill>
+              <a:effectLst/>
+              <a:uLnTx/>
+              <a:uFillTx/>
+              <a:latin typeface="+mj-lt"/>
+              <a:ea typeface="+mj-ea"/>
+              <a:cs typeface="+mj-cs"/>
+            </a:endParaRPr>
+          </a:p>
+        </p:txBody>
+      </p:sp>
+      <p:sp>
+        <p:nvSpPr>
+          <p:cNvPr id="7" name="标题 3"/>
+          <p:cNvSpPr txBox="1">
+            <a:spLocks/>
+          </p:cNvSpPr>
+          <p:nvPr/>
+        </p:nvSpPr>
+        <p:spPr bwMode="auto">
+          <a:xfrm>
+            <a:off x="0" y="2857496"/>
+            <a:ext cx="9144000" cy="1028706"/>
+          </a:xfrm>
+          <a:prstGeom prst="rect">
+            <a:avLst/>
+          </a:prstGeom>
+          <a:noFill/>
+          <a:ln w="9525">
+            <a:noFill/>
+            <a:miter lim="800000"/>
+            <a:headEnd/>
+            <a:tailEnd/>
+          </a:ln>
+        </p:spPr>
+        <p:txBody>
+          <a:bodyPr vert="horz" wrap="square" lIns="91440" tIns="45720" rIns="91440" bIns="45720" numCol="1" anchor="ctr" anchorCtr="0" compatLnSpc="1">
+            <a:prstTxWarp prst="textNoShape">
+              <a:avLst/>
+            </a:prstTxWarp>
+          </a:bodyPr>
+          <a:lstStyle/>
+          <a:p>
+            <a:pPr lvl="0" algn="ctr"/>
+            <a:r>
+              <a:rPr lang="zh-CN" altLang="en-US" sz="2800" dirty="0" smtClean="0"/>
+              <a:t>约翰在说话的时候，用的是怎么样的</a:t>
+            </a:r>
+            <a:r>
+              <a:rPr lang="zh-CN" altLang="en-US" sz="2800" dirty="0" smtClean="0"/>
+              <a:t>语气？</a:t>
+            </a:r>
+            <a:endParaRPr kumimoji="0" lang="zh-CN" altLang="en-US" sz="2800" b="0" i="0" u="none" strike="noStrike" kern="1200" cap="none" spc="0" normalizeH="0" baseline="0" noProof="0" dirty="0">
+              <a:ln>
+                <a:noFill/>
+              </a:ln>
+              <a:solidFill>
+                <a:schemeClr val="tx1"/>
+              </a:solidFill>
+              <a:effectLst/>
+              <a:uLnTx/>
+              <a:uFillTx/>
+              <a:latin typeface="+mj-lt"/>
+              <a:ea typeface="+mj-ea"/>
+              <a:cs typeface="+mj-cs"/>
+            </a:endParaRPr>
+          </a:p>
+        </p:txBody>
+      </p:sp>
+    </p:spTree>
+  </p:cSld>
+  <p:clrMapOvr>
+    <a:masterClrMapping/>
+  </p:clrMapOvr>
+  <p:timing>
+    <p:tnLst>
+      <p:par>
+        <p:cTn id="1" dur="indefinite" restart="never" nodeType="tmRoot">
+          <p:childTnLst>
+            <p:seq concurrent="1" nextAc="seek">
+              <p:cTn id="2" dur="indefinite" nodeType="mainSeq">
+                <p:childTnLst>
+                  <p:par>
+                    <p:cTn id="3" fill="hold">
+                      <p:stCondLst>
+                        <p:cond delay="indefinite"/>
+                      </p:stCondLst>
+                      <p:childTnLst>
+                        <p:par>
+                          <p:cTn id="4" fill="hold">
+                            <p:stCondLst>
+                              <p:cond delay="0"/>
+                            </p:stCondLst>
+                            <p:childTnLst>
+                              <p:par>
+                                <p:cTn id="5" presetID="2" presetClass="entr" presetSubtype="4" fill="hold" grpId="0" nodeType="clickEffect">
+                                  <p:stCondLst>
+                                    <p:cond delay="0"/>
+                                  </p:stCondLst>
+                                  <p:childTnLst>
+                                    <p:set>
+                                      <p:cBhvr>
+                                        <p:cTn id="6" dur="1" fill="hold">
+                                          <p:stCondLst>
+                                            <p:cond delay="0"/>
+                                          </p:stCondLst>
+                                        </p:cTn>
+                                        <p:tgtEl>
+                                          <p:spTgt spid="6"/>
+                                        </p:tgtEl>
+                                        <p:attrNameLst>
+                                          <p:attrName>style.visibility</p:attrName>
+                                        </p:attrNameLst>
+                                      </p:cBhvr>
+                                      <p:to>
+                                        <p:strVal val="visible"/>
+                                      </p:to>
+                                    </p:set>
+                                    <p:anim calcmode="lin" valueType="num">
+                                      <p:cBhvr additive="base">
+                                        <p:cTn id="7" dur="500" fill="hold"/>
+                                        <p:tgtEl>
+                                          <p:spTgt spid="6"/>
+                                        </p:tgtEl>
+                                        <p:attrNameLst>
+                                          <p:attrName>ppt_x</p:attrName>
+                                        </p:attrNameLst>
+                                      </p:cBhvr>
+                                      <p:tavLst>
+                                        <p:tav tm="0">
+                                          <p:val>
+                                            <p:strVal val="#ppt_x"/>
+                                          </p:val>
+                                        </p:tav>
+                                        <p:tav tm="100000">
+                                          <p:val>
+                                            <p:strVal val="#ppt_x"/>
+                                          </p:val>
+                                        </p:tav>
+                                      </p:tavLst>
+                                    </p:anim>
+                                    <p:anim calcmode="lin" valueType="num">
+                                      <p:cBhvr additive="base">
+                                        <p:cTn id="8" dur="500" fill="hold"/>
+                                        <p:tgtEl>
+                                          <p:spTgt spid="6"/>
+                                        </p:tgtEl>
+                                        <p:attrNameLst>
+                                          <p:attrName>ppt_y</p:attrName>
+                                        </p:attrNameLst>
+                                      </p:cBhvr>
+                                      <p:tavLst>
+                                        <p:tav tm="0">
+                                          <p:val>
+                                            <p:strVal val="1+#ppt_h/2"/>
+                                          </p:val>
+                                        </p:tav>
+                                        <p:tav tm="100000">
+                                          <p:val>
+                                            <p:strVal val="#ppt_y"/>
+                                          </p:val>
+                                        </p:tav>
+                                      </p:tavLst>
+                                    </p:anim>
+                                  </p:childTnLst>
+                                </p:cTn>
+                              </p:par>
+                            </p:childTnLst>
+                          </p:cTn>
+                        </p:par>
+                      </p:childTnLst>
+                    </p:cTn>
+                  </p:par>
+                  <p:par>
+                    <p:cTn id="9" fill="hold">
+                      <p:stCondLst>
+                        <p:cond delay="indefinite"/>
+                      </p:stCondLst>
+                      <p:childTnLst>
+                        <p:par>
+                          <p:cTn id="10" fill="hold">
+                            <p:stCondLst>
+                              <p:cond delay="0"/>
+                            </p:stCondLst>
+                            <p:childTnLst>
+                              <p:par>
+                                <p:cTn id="11" presetID="2" presetClass="entr" presetSubtype="4" fill="hold" grpId="0" nodeType="clickEffect">
+                                  <p:stCondLst>
+                                    <p:cond delay="0"/>
+                                  </p:stCondLst>
+                                  <p:childTnLst>
+                                    <p:set>
+                                      <p:cBhvr>
+                                        <p:cTn id="12" dur="1" fill="hold">
+                                          <p:stCondLst>
+                                            <p:cond delay="0"/>
+                                          </p:stCondLst>
+                                        </p:cTn>
+                                        <p:tgtEl>
+                                          <p:spTgt spid="7"/>
+                                        </p:tgtEl>
+                                        <p:attrNameLst>
+                                          <p:attrName>style.visibility</p:attrName>
+                                        </p:attrNameLst>
+                                      </p:cBhvr>
+                                      <p:to>
+                                        <p:strVal val="visible"/>
+                                      </p:to>
+                                    </p:set>
+                                    <p:anim calcmode="lin" valueType="num">
+                                      <p:cBhvr additive="base">
+                                        <p:cTn id="13" dur="500" fill="hold"/>
+                                        <p:tgtEl>
+                                          <p:spTgt spid="7"/>
+                                        </p:tgtEl>
+                                        <p:attrNameLst>
+                                          <p:attrName>ppt_x</p:attrName>
+                                        </p:attrNameLst>
+                                      </p:cBhvr>
+                                      <p:tavLst>
+                                        <p:tav tm="0">
+                                          <p:val>
+                                            <p:strVal val="#ppt_x"/>
+                                          </p:val>
+                                        </p:tav>
+                                        <p:tav tm="100000">
+                                          <p:val>
+                                            <p:strVal val="#ppt_x"/>
+                                          </p:val>
+                                        </p:tav>
+                                      </p:tavLst>
+                                    </p:anim>
+                                    <p:anim calcmode="lin" valueType="num">
+                                      <p:cBhvr additive="base">
+                                        <p:cTn id="14" dur="500" fill="hold"/>
+                                        <p:tgtEl>
+                                          <p:spTgt spid="7"/>
+                                        </p:tgtEl>
+                                        <p:attrNameLst>
+                                          <p:attrName>ppt_y</p:attrName>
+                                        </p:attrNameLst>
+                                      </p:cBhvr>
+                                      <p:tavLst>
+                                        <p:tav tm="0">
+                                          <p:val>
+                                            <p:strVal val="1+#ppt_h/2"/>
+                                          </p:val>
+                                        </p:tav>
+                                        <p:tav tm="100000">
+                                          <p:val>
+                                            <p:strVal val="#ppt_y"/>
+                                          </p:val>
+                                        </p:tav>
+                                      </p:tavLst>
+                                    </p:anim>
+                                  </p:childTnLst>
+                                </p:cTn>
+                              </p:par>
+                            </p:childTnLst>
+                          </p:cTn>
+                        </p:par>
+                      </p:childTnLst>
+                    </p:cTn>
+                  </p:par>
+                </p:childTnLst>
+              </p:cTn>
+              <p:prevCondLst>
+                <p:cond evt="onPrev" delay="0">
+                  <p:tgtEl>
+                    <p:sldTgt/>
+                  </p:tgtEl>
+                </p:cond>
+              </p:prevCondLst>
+              <p:nextCondLst>
+                <p:cond evt="onNext" delay="0">
+                  <p:tgtEl>
+                    <p:sldTgt/>
+                  </p:tgtEl>
+                </p:cond>
+              </p:nextCondLst>
+            </p:seq>
+          </p:childTnLst>
+        </p:cTn>
+      </p:par>
+    </p:tnLst>
+    <p:bldLst>
+      <p:bldP spid="6" grpId="0"/>
+      <p:bldP spid="7" grpId="0"/>
+    </p:bldLst>
+  </p:timing>
+</p:sld>
+</file>
+
+<file path=ppt/slides/slide16.xml><?xml version="1.0" encoding="utf-8"?>
 <p:sld xmlns:a="http://schemas.openxmlformats.org/drawingml/2006/main" xmlns:r="http://schemas.openxmlformats.org/officeDocument/2006/relationships" xmlns:p="http://schemas.openxmlformats.org/presentationml/2006/main">
   <p:cSld>
     <p:spTree>
@@ -3126,22 +6602,820 @@
             <p:ph type="title"/>
           </p:nvPr>
         </p:nvSpPr>
+        <p:spPr>
+          <a:xfrm>
+            <a:off x="0" y="4857760"/>
+            <a:ext cx="9144000" cy="1143000"/>
+          </a:xfrm>
+        </p:spPr>
+        <p:txBody>
+          <a:bodyPr/>
+          <a:lstStyle/>
+          <a:p>
+            <a:r>
+              <a:rPr lang="zh-CN" altLang="en-US" sz="7200" dirty="0" smtClean="0"/>
+              <a:t>是探索，不是概括</a:t>
+            </a:r>
+            <a:endParaRPr lang="zh-CN" altLang="en-US" sz="7200" dirty="0"/>
+          </a:p>
+        </p:txBody>
+      </p:sp>
+      <p:sp>
+        <p:nvSpPr>
+          <p:cNvPr id="3" name="内容占位符 2"/>
+          <p:cNvSpPr>
+            <a:spLocks noGrp="1"/>
+          </p:cNvSpPr>
+          <p:nvPr>
+            <p:ph idx="1"/>
+          </p:nvPr>
+        </p:nvSpPr>
+        <p:spPr>
+          <a:xfrm>
+            <a:off x="457200" y="1600201"/>
+            <a:ext cx="8229600" cy="2971808"/>
+          </a:xfrm>
+        </p:spPr>
+        <p:txBody>
+          <a:bodyPr/>
+          <a:lstStyle/>
+          <a:p>
+            <a:r>
+              <a:rPr lang="zh-CN" altLang="en-US" dirty="0" smtClean="0"/>
+              <a:t>这段经文说了些什么</a:t>
+            </a:r>
+            <a:r>
+              <a:rPr lang="zh-CN" altLang="en-US" dirty="0" smtClean="0"/>
+              <a:t>？</a:t>
+            </a:r>
+            <a:endParaRPr lang="en-US" altLang="zh-CN" dirty="0" smtClean="0"/>
+          </a:p>
+          <a:p>
+            <a:r>
+              <a:rPr lang="zh-CN" altLang="en-US" dirty="0" smtClean="0"/>
+              <a:t>我认为作者的意思是要</a:t>
+            </a:r>
+            <a:r>
+              <a:rPr lang="en-US" altLang="zh-CN" dirty="0" smtClean="0"/>
+              <a:t>..........</a:t>
+            </a:r>
+            <a:endParaRPr lang="en-US" altLang="zh-CN" dirty="0" smtClean="0"/>
+          </a:p>
+          <a:p>
+            <a:pPr lvl="1"/>
+            <a:r>
+              <a:rPr lang="zh-CN" altLang="en-US" dirty="0" smtClean="0"/>
+              <a:t>约翰来了</a:t>
+            </a:r>
+          </a:p>
+          <a:p>
+            <a:pPr lvl="1"/>
+            <a:r>
+              <a:rPr lang="zh-CN" altLang="en-US" dirty="0" smtClean="0"/>
+              <a:t>众人的悔改</a:t>
+            </a:r>
+          </a:p>
+          <a:p>
+            <a:pPr lvl="1"/>
+            <a:r>
+              <a:rPr lang="zh-CN" altLang="en-US" dirty="0" smtClean="0"/>
+              <a:t>约翰的见证</a:t>
+            </a:r>
+          </a:p>
+          <a:p>
+            <a:endParaRPr lang="en-US" altLang="zh-CN" dirty="0" smtClean="0"/>
+          </a:p>
+        </p:txBody>
+      </p:sp>
+      <p:sp>
+        <p:nvSpPr>
+          <p:cNvPr id="5" name="标题 1"/>
+          <p:cNvSpPr txBox="1">
+            <a:spLocks/>
+          </p:cNvSpPr>
+          <p:nvPr/>
+        </p:nvSpPr>
+        <p:spPr bwMode="auto">
+          <a:xfrm>
+            <a:off x="609600" y="427038"/>
+            <a:ext cx="8229600" cy="1143000"/>
+          </a:xfrm>
+          <a:prstGeom prst="rect">
+            <a:avLst/>
+          </a:prstGeom>
+          <a:noFill/>
+          <a:ln w="9525">
+            <a:noFill/>
+            <a:miter lim="800000"/>
+            <a:headEnd/>
+            <a:tailEnd/>
+          </a:ln>
+        </p:spPr>
+        <p:txBody>
+          <a:bodyPr vert="horz" wrap="square" lIns="91440" tIns="45720" rIns="91440" bIns="45720" numCol="1" anchor="ctr" anchorCtr="0" compatLnSpc="1">
+            <a:prstTxWarp prst="textNoShape">
+              <a:avLst/>
+            </a:prstTxWarp>
+          </a:bodyPr>
+          <a:lstStyle/>
+          <a:p>
+            <a:pPr marL="0" marR="0" lvl="0" indent="0" algn="ctr" defTabSz="914400" rtl="0" eaLnBrk="1" fontAlgn="base" latinLnBrk="0" hangingPunct="1">
+              <a:lnSpc>
+                <a:spcPct val="100000"/>
+              </a:lnSpc>
+              <a:spcBef>
+                <a:spcPct val="0"/>
+              </a:spcBef>
+              <a:spcAft>
+                <a:spcPct val="0"/>
+              </a:spcAft>
+              <a:buClrTx/>
+              <a:buSzTx/>
+              <a:buFontTx/>
+              <a:buNone/>
+              <a:tabLst/>
+              <a:defRPr/>
+            </a:pPr>
+            <a:r>
+              <a:rPr kumimoji="0" lang="zh-CN" altLang="en-US" sz="4400" b="0" i="0" u="none" strike="noStrike" kern="1200" cap="none" spc="0" normalizeH="0" baseline="0" noProof="0" smtClean="0">
+                <a:ln>
+                  <a:noFill/>
+                </a:ln>
+                <a:solidFill>
+                  <a:schemeClr val="tx1"/>
+                </a:solidFill>
+                <a:effectLst/>
+                <a:uLnTx/>
+                <a:uFillTx/>
+                <a:latin typeface="+mj-lt"/>
+                <a:ea typeface="+mj-ea"/>
+                <a:cs typeface="+mj-cs"/>
+              </a:rPr>
+              <a:t>总结提炼</a:t>
+            </a:r>
+            <a:endParaRPr kumimoji="0" lang="zh-CN" altLang="en-US" sz="4400" b="0" i="0" u="none" strike="noStrike" kern="1200" cap="none" spc="0" normalizeH="0" baseline="0" noProof="0" dirty="0">
+              <a:ln>
+                <a:noFill/>
+              </a:ln>
+              <a:solidFill>
+                <a:schemeClr val="tx1"/>
+              </a:solidFill>
+              <a:effectLst/>
+              <a:uLnTx/>
+              <a:uFillTx/>
+              <a:latin typeface="+mj-lt"/>
+              <a:ea typeface="+mj-ea"/>
+              <a:cs typeface="+mj-cs"/>
+            </a:endParaRPr>
+          </a:p>
+        </p:txBody>
+      </p:sp>
+    </p:spTree>
+  </p:cSld>
+  <p:clrMapOvr>
+    <a:masterClrMapping/>
+  </p:clrMapOvr>
+  <p:timing>
+    <p:tnLst>
+      <p:par>
+        <p:cTn id="1" dur="indefinite" restart="never" nodeType="tmRoot">
+          <p:childTnLst>
+            <p:seq concurrent="1" nextAc="seek">
+              <p:cTn id="2" dur="indefinite" nodeType="mainSeq">
+                <p:childTnLst>
+                  <p:par>
+                    <p:cTn id="3" fill="hold">
+                      <p:stCondLst>
+                        <p:cond delay="indefinite"/>
+                      </p:stCondLst>
+                      <p:childTnLst>
+                        <p:par>
+                          <p:cTn id="4" fill="hold">
+                            <p:stCondLst>
+                              <p:cond delay="0"/>
+                            </p:stCondLst>
+                            <p:childTnLst>
+                              <p:par>
+                                <p:cTn id="5" presetID="2" presetClass="entr" presetSubtype="4" fill="hold" nodeType="clickEffect">
+                                  <p:stCondLst>
+                                    <p:cond delay="0"/>
+                                  </p:stCondLst>
+                                  <p:childTnLst>
+                                    <p:set>
+                                      <p:cBhvr>
+                                        <p:cTn id="6" dur="1" fill="hold">
+                                          <p:stCondLst>
+                                            <p:cond delay="0"/>
+                                          </p:stCondLst>
+                                        </p:cTn>
+                                        <p:tgtEl>
+                                          <p:spTgt spid="3">
+                                            <p:txEl>
+                                              <p:pRg st="0" end="0"/>
+                                            </p:txEl>
+                                          </p:spTgt>
+                                        </p:tgtEl>
+                                        <p:attrNameLst>
+                                          <p:attrName>style.visibility</p:attrName>
+                                        </p:attrNameLst>
+                                      </p:cBhvr>
+                                      <p:to>
+                                        <p:strVal val="visible"/>
+                                      </p:to>
+                                    </p:set>
+                                    <p:anim calcmode="lin" valueType="num">
+                                      <p:cBhvr additive="base">
+                                        <p:cTn id="7" dur="500" fill="hold"/>
+                                        <p:tgtEl>
+                                          <p:spTgt spid="3">
+                                            <p:txEl>
+                                              <p:pRg st="0" end="0"/>
+                                            </p:txEl>
+                                          </p:spTgt>
+                                        </p:tgtEl>
+                                        <p:attrNameLst>
+                                          <p:attrName>ppt_x</p:attrName>
+                                        </p:attrNameLst>
+                                      </p:cBhvr>
+                                      <p:tavLst>
+                                        <p:tav tm="0">
+                                          <p:val>
+                                            <p:strVal val="#ppt_x"/>
+                                          </p:val>
+                                        </p:tav>
+                                        <p:tav tm="100000">
+                                          <p:val>
+                                            <p:strVal val="#ppt_x"/>
+                                          </p:val>
+                                        </p:tav>
+                                      </p:tavLst>
+                                    </p:anim>
+                                    <p:anim calcmode="lin" valueType="num">
+                                      <p:cBhvr additive="base">
+                                        <p:cTn id="8" dur="500" fill="hold"/>
+                                        <p:tgtEl>
+                                          <p:spTgt spid="3">
+                                            <p:txEl>
+                                              <p:pRg st="0" end="0"/>
+                                            </p:txEl>
+                                          </p:spTgt>
+                                        </p:tgtEl>
+                                        <p:attrNameLst>
+                                          <p:attrName>ppt_y</p:attrName>
+                                        </p:attrNameLst>
+                                      </p:cBhvr>
+                                      <p:tavLst>
+                                        <p:tav tm="0">
+                                          <p:val>
+                                            <p:strVal val="1+#ppt_h/2"/>
+                                          </p:val>
+                                        </p:tav>
+                                        <p:tav tm="100000">
+                                          <p:val>
+                                            <p:strVal val="#ppt_y"/>
+                                          </p:val>
+                                        </p:tav>
+                                      </p:tavLst>
+                                    </p:anim>
+                                  </p:childTnLst>
+                                </p:cTn>
+                              </p:par>
+                            </p:childTnLst>
+                          </p:cTn>
+                        </p:par>
+                      </p:childTnLst>
+                    </p:cTn>
+                  </p:par>
+                  <p:par>
+                    <p:cTn id="9" fill="hold">
+                      <p:stCondLst>
+                        <p:cond delay="indefinite"/>
+                      </p:stCondLst>
+                      <p:childTnLst>
+                        <p:par>
+                          <p:cTn id="10" fill="hold">
+                            <p:stCondLst>
+                              <p:cond delay="0"/>
+                            </p:stCondLst>
+                            <p:childTnLst>
+                              <p:par>
+                                <p:cTn id="11" presetID="2" presetClass="entr" presetSubtype="4" fill="hold" nodeType="clickEffect">
+                                  <p:stCondLst>
+                                    <p:cond delay="0"/>
+                                  </p:stCondLst>
+                                  <p:childTnLst>
+                                    <p:set>
+                                      <p:cBhvr>
+                                        <p:cTn id="12" dur="1" fill="hold">
+                                          <p:stCondLst>
+                                            <p:cond delay="0"/>
+                                          </p:stCondLst>
+                                        </p:cTn>
+                                        <p:tgtEl>
+                                          <p:spTgt spid="3">
+                                            <p:txEl>
+                                              <p:pRg st="1" end="1"/>
+                                            </p:txEl>
+                                          </p:spTgt>
+                                        </p:tgtEl>
+                                        <p:attrNameLst>
+                                          <p:attrName>style.visibility</p:attrName>
+                                        </p:attrNameLst>
+                                      </p:cBhvr>
+                                      <p:to>
+                                        <p:strVal val="visible"/>
+                                      </p:to>
+                                    </p:set>
+                                    <p:anim calcmode="lin" valueType="num">
+                                      <p:cBhvr additive="base">
+                                        <p:cTn id="13" dur="500" fill="hold"/>
+                                        <p:tgtEl>
+                                          <p:spTgt spid="3">
+                                            <p:txEl>
+                                              <p:pRg st="1" end="1"/>
+                                            </p:txEl>
+                                          </p:spTgt>
+                                        </p:tgtEl>
+                                        <p:attrNameLst>
+                                          <p:attrName>ppt_x</p:attrName>
+                                        </p:attrNameLst>
+                                      </p:cBhvr>
+                                      <p:tavLst>
+                                        <p:tav tm="0">
+                                          <p:val>
+                                            <p:strVal val="#ppt_x"/>
+                                          </p:val>
+                                        </p:tav>
+                                        <p:tav tm="100000">
+                                          <p:val>
+                                            <p:strVal val="#ppt_x"/>
+                                          </p:val>
+                                        </p:tav>
+                                      </p:tavLst>
+                                    </p:anim>
+                                    <p:anim calcmode="lin" valueType="num">
+                                      <p:cBhvr additive="base">
+                                        <p:cTn id="14" dur="500" fill="hold"/>
+                                        <p:tgtEl>
+                                          <p:spTgt spid="3">
+                                            <p:txEl>
+                                              <p:pRg st="1" end="1"/>
+                                            </p:txEl>
+                                          </p:spTgt>
+                                        </p:tgtEl>
+                                        <p:attrNameLst>
+                                          <p:attrName>ppt_y</p:attrName>
+                                        </p:attrNameLst>
+                                      </p:cBhvr>
+                                      <p:tavLst>
+                                        <p:tav tm="0">
+                                          <p:val>
+                                            <p:strVal val="1+#ppt_h/2"/>
+                                          </p:val>
+                                        </p:tav>
+                                        <p:tav tm="100000">
+                                          <p:val>
+                                            <p:strVal val="#ppt_y"/>
+                                          </p:val>
+                                        </p:tav>
+                                      </p:tavLst>
+                                    </p:anim>
+                                  </p:childTnLst>
+                                </p:cTn>
+                              </p:par>
+                            </p:childTnLst>
+                          </p:cTn>
+                        </p:par>
+                      </p:childTnLst>
+                    </p:cTn>
+                  </p:par>
+                  <p:par>
+                    <p:cTn id="15" fill="hold">
+                      <p:stCondLst>
+                        <p:cond delay="indefinite"/>
+                      </p:stCondLst>
+                      <p:childTnLst>
+                        <p:par>
+                          <p:cTn id="16" fill="hold">
+                            <p:stCondLst>
+                              <p:cond delay="0"/>
+                            </p:stCondLst>
+                            <p:childTnLst>
+                              <p:par>
+                                <p:cTn id="17" presetID="2" presetClass="entr" presetSubtype="4" fill="hold" nodeType="clickEffect">
+                                  <p:stCondLst>
+                                    <p:cond delay="0"/>
+                                  </p:stCondLst>
+                                  <p:childTnLst>
+                                    <p:set>
+                                      <p:cBhvr>
+                                        <p:cTn id="18" dur="1" fill="hold">
+                                          <p:stCondLst>
+                                            <p:cond delay="0"/>
+                                          </p:stCondLst>
+                                        </p:cTn>
+                                        <p:tgtEl>
+                                          <p:spTgt spid="3">
+                                            <p:txEl>
+                                              <p:pRg st="2" end="2"/>
+                                            </p:txEl>
+                                          </p:spTgt>
+                                        </p:tgtEl>
+                                        <p:attrNameLst>
+                                          <p:attrName>style.visibility</p:attrName>
+                                        </p:attrNameLst>
+                                      </p:cBhvr>
+                                      <p:to>
+                                        <p:strVal val="visible"/>
+                                      </p:to>
+                                    </p:set>
+                                    <p:anim calcmode="lin" valueType="num">
+                                      <p:cBhvr additive="base">
+                                        <p:cTn id="19" dur="500" fill="hold"/>
+                                        <p:tgtEl>
+                                          <p:spTgt spid="3">
+                                            <p:txEl>
+                                              <p:pRg st="2" end="2"/>
+                                            </p:txEl>
+                                          </p:spTgt>
+                                        </p:tgtEl>
+                                        <p:attrNameLst>
+                                          <p:attrName>ppt_x</p:attrName>
+                                        </p:attrNameLst>
+                                      </p:cBhvr>
+                                      <p:tavLst>
+                                        <p:tav tm="0">
+                                          <p:val>
+                                            <p:strVal val="#ppt_x"/>
+                                          </p:val>
+                                        </p:tav>
+                                        <p:tav tm="100000">
+                                          <p:val>
+                                            <p:strVal val="#ppt_x"/>
+                                          </p:val>
+                                        </p:tav>
+                                      </p:tavLst>
+                                    </p:anim>
+                                    <p:anim calcmode="lin" valueType="num">
+                                      <p:cBhvr additive="base">
+                                        <p:cTn id="20" dur="500" fill="hold"/>
+                                        <p:tgtEl>
+                                          <p:spTgt spid="3">
+                                            <p:txEl>
+                                              <p:pRg st="2" end="2"/>
+                                            </p:txEl>
+                                          </p:spTgt>
+                                        </p:tgtEl>
+                                        <p:attrNameLst>
+                                          <p:attrName>ppt_y</p:attrName>
+                                        </p:attrNameLst>
+                                      </p:cBhvr>
+                                      <p:tavLst>
+                                        <p:tav tm="0">
+                                          <p:val>
+                                            <p:strVal val="1+#ppt_h/2"/>
+                                          </p:val>
+                                        </p:tav>
+                                        <p:tav tm="100000">
+                                          <p:val>
+                                            <p:strVal val="#ppt_y"/>
+                                          </p:val>
+                                        </p:tav>
+                                      </p:tavLst>
+                                    </p:anim>
+                                  </p:childTnLst>
+                                </p:cTn>
+                              </p:par>
+                            </p:childTnLst>
+                          </p:cTn>
+                        </p:par>
+                      </p:childTnLst>
+                    </p:cTn>
+                  </p:par>
+                  <p:par>
+                    <p:cTn id="21" fill="hold">
+                      <p:stCondLst>
+                        <p:cond delay="indefinite"/>
+                      </p:stCondLst>
+                      <p:childTnLst>
+                        <p:par>
+                          <p:cTn id="22" fill="hold">
+                            <p:stCondLst>
+                              <p:cond delay="0"/>
+                            </p:stCondLst>
+                            <p:childTnLst>
+                              <p:par>
+                                <p:cTn id="23" presetID="2" presetClass="entr" presetSubtype="4" fill="hold" nodeType="clickEffect">
+                                  <p:stCondLst>
+                                    <p:cond delay="0"/>
+                                  </p:stCondLst>
+                                  <p:childTnLst>
+                                    <p:set>
+                                      <p:cBhvr>
+                                        <p:cTn id="24" dur="1" fill="hold">
+                                          <p:stCondLst>
+                                            <p:cond delay="0"/>
+                                          </p:stCondLst>
+                                        </p:cTn>
+                                        <p:tgtEl>
+                                          <p:spTgt spid="3">
+                                            <p:txEl>
+                                              <p:pRg st="3" end="3"/>
+                                            </p:txEl>
+                                          </p:spTgt>
+                                        </p:tgtEl>
+                                        <p:attrNameLst>
+                                          <p:attrName>style.visibility</p:attrName>
+                                        </p:attrNameLst>
+                                      </p:cBhvr>
+                                      <p:to>
+                                        <p:strVal val="visible"/>
+                                      </p:to>
+                                    </p:set>
+                                    <p:anim calcmode="lin" valueType="num">
+                                      <p:cBhvr additive="base">
+                                        <p:cTn id="25" dur="500" fill="hold"/>
+                                        <p:tgtEl>
+                                          <p:spTgt spid="3">
+                                            <p:txEl>
+                                              <p:pRg st="3" end="3"/>
+                                            </p:txEl>
+                                          </p:spTgt>
+                                        </p:tgtEl>
+                                        <p:attrNameLst>
+                                          <p:attrName>ppt_x</p:attrName>
+                                        </p:attrNameLst>
+                                      </p:cBhvr>
+                                      <p:tavLst>
+                                        <p:tav tm="0">
+                                          <p:val>
+                                            <p:strVal val="#ppt_x"/>
+                                          </p:val>
+                                        </p:tav>
+                                        <p:tav tm="100000">
+                                          <p:val>
+                                            <p:strVal val="#ppt_x"/>
+                                          </p:val>
+                                        </p:tav>
+                                      </p:tavLst>
+                                    </p:anim>
+                                    <p:anim calcmode="lin" valueType="num">
+                                      <p:cBhvr additive="base">
+                                        <p:cTn id="26" dur="500" fill="hold"/>
+                                        <p:tgtEl>
+                                          <p:spTgt spid="3">
+                                            <p:txEl>
+                                              <p:pRg st="3" end="3"/>
+                                            </p:txEl>
+                                          </p:spTgt>
+                                        </p:tgtEl>
+                                        <p:attrNameLst>
+                                          <p:attrName>ppt_y</p:attrName>
+                                        </p:attrNameLst>
+                                      </p:cBhvr>
+                                      <p:tavLst>
+                                        <p:tav tm="0">
+                                          <p:val>
+                                            <p:strVal val="1+#ppt_h/2"/>
+                                          </p:val>
+                                        </p:tav>
+                                        <p:tav tm="100000">
+                                          <p:val>
+                                            <p:strVal val="#ppt_y"/>
+                                          </p:val>
+                                        </p:tav>
+                                      </p:tavLst>
+                                    </p:anim>
+                                  </p:childTnLst>
+                                </p:cTn>
+                              </p:par>
+                            </p:childTnLst>
+                          </p:cTn>
+                        </p:par>
+                      </p:childTnLst>
+                    </p:cTn>
+                  </p:par>
+                  <p:par>
+                    <p:cTn id="27" fill="hold">
+                      <p:stCondLst>
+                        <p:cond delay="indefinite"/>
+                      </p:stCondLst>
+                      <p:childTnLst>
+                        <p:par>
+                          <p:cTn id="28" fill="hold">
+                            <p:stCondLst>
+                              <p:cond delay="0"/>
+                            </p:stCondLst>
+                            <p:childTnLst>
+                              <p:par>
+                                <p:cTn id="29" presetID="2" presetClass="entr" presetSubtype="4" fill="hold" nodeType="clickEffect">
+                                  <p:stCondLst>
+                                    <p:cond delay="0"/>
+                                  </p:stCondLst>
+                                  <p:childTnLst>
+                                    <p:set>
+                                      <p:cBhvr>
+                                        <p:cTn id="30" dur="1" fill="hold">
+                                          <p:stCondLst>
+                                            <p:cond delay="0"/>
+                                          </p:stCondLst>
+                                        </p:cTn>
+                                        <p:tgtEl>
+                                          <p:spTgt spid="3">
+                                            <p:txEl>
+                                              <p:pRg st="4" end="4"/>
+                                            </p:txEl>
+                                          </p:spTgt>
+                                        </p:tgtEl>
+                                        <p:attrNameLst>
+                                          <p:attrName>style.visibility</p:attrName>
+                                        </p:attrNameLst>
+                                      </p:cBhvr>
+                                      <p:to>
+                                        <p:strVal val="visible"/>
+                                      </p:to>
+                                    </p:set>
+                                    <p:anim calcmode="lin" valueType="num">
+                                      <p:cBhvr additive="base">
+                                        <p:cTn id="31" dur="500" fill="hold"/>
+                                        <p:tgtEl>
+                                          <p:spTgt spid="3">
+                                            <p:txEl>
+                                              <p:pRg st="4" end="4"/>
+                                            </p:txEl>
+                                          </p:spTgt>
+                                        </p:tgtEl>
+                                        <p:attrNameLst>
+                                          <p:attrName>ppt_x</p:attrName>
+                                        </p:attrNameLst>
+                                      </p:cBhvr>
+                                      <p:tavLst>
+                                        <p:tav tm="0">
+                                          <p:val>
+                                            <p:strVal val="#ppt_x"/>
+                                          </p:val>
+                                        </p:tav>
+                                        <p:tav tm="100000">
+                                          <p:val>
+                                            <p:strVal val="#ppt_x"/>
+                                          </p:val>
+                                        </p:tav>
+                                      </p:tavLst>
+                                    </p:anim>
+                                    <p:anim calcmode="lin" valueType="num">
+                                      <p:cBhvr additive="base">
+                                        <p:cTn id="32" dur="500" fill="hold"/>
+                                        <p:tgtEl>
+                                          <p:spTgt spid="3">
+                                            <p:txEl>
+                                              <p:pRg st="4" end="4"/>
+                                            </p:txEl>
+                                          </p:spTgt>
+                                        </p:tgtEl>
+                                        <p:attrNameLst>
+                                          <p:attrName>ppt_y</p:attrName>
+                                        </p:attrNameLst>
+                                      </p:cBhvr>
+                                      <p:tavLst>
+                                        <p:tav tm="0">
+                                          <p:val>
+                                            <p:strVal val="1+#ppt_h/2"/>
+                                          </p:val>
+                                        </p:tav>
+                                        <p:tav tm="100000">
+                                          <p:val>
+                                            <p:strVal val="#ppt_y"/>
+                                          </p:val>
+                                        </p:tav>
+                                      </p:tavLst>
+                                    </p:anim>
+                                  </p:childTnLst>
+                                </p:cTn>
+                              </p:par>
+                            </p:childTnLst>
+                          </p:cTn>
+                        </p:par>
+                      </p:childTnLst>
+                    </p:cTn>
+                  </p:par>
+                  <p:par>
+                    <p:cTn id="33" fill="hold">
+                      <p:stCondLst>
+                        <p:cond delay="indefinite"/>
+                      </p:stCondLst>
+                      <p:childTnLst>
+                        <p:par>
+                          <p:cTn id="34" fill="hold">
+                            <p:stCondLst>
+                              <p:cond delay="0"/>
+                            </p:stCondLst>
+                            <p:childTnLst>
+                              <p:par>
+                                <p:cTn id="35" presetID="3" presetClass="entr" presetSubtype="10" fill="hold" grpId="0" nodeType="clickEffect">
+                                  <p:stCondLst>
+                                    <p:cond delay="0"/>
+                                  </p:stCondLst>
+                                  <p:childTnLst>
+                                    <p:set>
+                                      <p:cBhvr>
+                                        <p:cTn id="36" dur="1" fill="hold">
+                                          <p:stCondLst>
+                                            <p:cond delay="0"/>
+                                          </p:stCondLst>
+                                        </p:cTn>
+                                        <p:tgtEl>
+                                          <p:spTgt spid="2"/>
+                                        </p:tgtEl>
+                                        <p:attrNameLst>
+                                          <p:attrName>style.visibility</p:attrName>
+                                        </p:attrNameLst>
+                                      </p:cBhvr>
+                                      <p:to>
+                                        <p:strVal val="visible"/>
+                                      </p:to>
+                                    </p:set>
+                                    <p:animEffect transition="in" filter="blinds(horizontal)">
+                                      <p:cBhvr>
+                                        <p:cTn id="37" dur="500"/>
+                                        <p:tgtEl>
+                                          <p:spTgt spid="2"/>
+                                        </p:tgtEl>
+                                      </p:cBhvr>
+                                    </p:animEffect>
+                                  </p:childTnLst>
+                                </p:cTn>
+                              </p:par>
+                            </p:childTnLst>
+                          </p:cTn>
+                        </p:par>
+                      </p:childTnLst>
+                    </p:cTn>
+                  </p:par>
+                </p:childTnLst>
+              </p:cTn>
+              <p:prevCondLst>
+                <p:cond evt="onPrev" delay="0">
+                  <p:tgtEl>
+                    <p:sldTgt/>
+                  </p:tgtEl>
+                </p:cond>
+              </p:prevCondLst>
+              <p:nextCondLst>
+                <p:cond evt="onNext" delay="0">
+                  <p:tgtEl>
+                    <p:sldTgt/>
+                  </p:tgtEl>
+                </p:cond>
+              </p:nextCondLst>
+            </p:seq>
+          </p:childTnLst>
+        </p:cTn>
+      </p:par>
+    </p:tnLst>
+    <p:bldLst>
+      <p:bldP spid="2" grpId="0"/>
+    </p:bldLst>
+  </p:timing>
+</p:sld>
+</file>
+
+<file path=ppt/slides/slide2.xml><?xml version="1.0" encoding="utf-8"?>
+<p:sld xmlns:a="http://schemas.openxmlformats.org/drawingml/2006/main" xmlns:r="http://schemas.openxmlformats.org/officeDocument/2006/relationships" xmlns:p="http://schemas.openxmlformats.org/presentationml/2006/main">
+  <p:cSld>
+    <p:spTree>
+      <p:nvGrpSpPr>
+        <p:cNvPr id="1" name=""/>
+        <p:cNvGrpSpPr/>
+        <p:nvPr/>
+      </p:nvGrpSpPr>
+      <p:grpSpPr>
+        <a:xfrm>
+          <a:off x="0" y="0"/>
+          <a:ext cx="0" cy="0"/>
+          <a:chOff x="0" y="0"/>
+          <a:chExt cx="0" cy="0"/>
+        </a:xfrm>
+      </p:grpSpPr>
+      <p:sp>
+        <p:nvSpPr>
+          <p:cNvPr id="14337" name="标题 1"/>
+          <p:cNvSpPr>
+            <a:spLocks noGrp="1"/>
+          </p:cNvSpPr>
+          <p:nvPr>
+            <p:ph type="title"/>
+          </p:nvPr>
+        </p:nvSpPr>
         <p:spPr/>
         <p:txBody>
-          <a:bodyPr>
-            <a:normAutofit/>
-          </a:bodyPr>
+          <a:bodyPr/>
           <a:lstStyle/>
           <a:p>
             <a:r>
-              <a:rPr lang="zh-CN" altLang="en-US" b="1" dirty="0"/>
-              <a:t>如何读</a:t>
-            </a:r>
-            <a:r>
-              <a:rPr lang="zh-CN" altLang="en-US" b="1" dirty="0" smtClean="0"/>
-              <a:t>故事</a:t>
-            </a:r>
-            <a:endParaRPr lang="zh-CN" altLang="en-US" dirty="0"/>
+              <a:rPr lang="zh-CN" altLang="en-US" b="1" smtClean="0"/>
+              <a:t>如何读故事</a:t>
+            </a:r>
+            <a:endParaRPr lang="zh-CN" altLang="en-US" smtClean="0"/>
           </a:p>
         </p:txBody>
       </p:sp>
@@ -3161,35 +7435,33 @@
           <a:lstStyle/>
           <a:p>
             <a:pPr>
+              <a:buFont typeface="Arial" charset="0"/>
               <a:buNone/>
             </a:pPr>
             <a:r>
-              <a:rPr lang="zh-CN" altLang="en-US" b="1" dirty="0"/>
+              <a:rPr lang="zh-CN" altLang="en-US" b="1" smtClean="0"/>
               <a:t>第一步 识别故事三要素</a:t>
             </a:r>
           </a:p>
           <a:p>
             <a:pPr>
+              <a:buFont typeface="Arial" charset="0"/>
               <a:buNone/>
             </a:pPr>
             <a:r>
-              <a:rPr lang="zh-CN" altLang="en-US" b="1" dirty="0"/>
+              <a:rPr lang="zh-CN" altLang="en-US" b="1" smtClean="0"/>
               <a:t>第二步 剧情分析</a:t>
             </a:r>
           </a:p>
           <a:p>
             <a:pPr>
+              <a:buFont typeface="Arial" charset="0"/>
               <a:buNone/>
             </a:pPr>
             <a:r>
-              <a:rPr lang="zh-CN" altLang="en-US" b="1" dirty="0"/>
-              <a:t>第三步 总结</a:t>
-            </a:r>
-            <a:r>
-              <a:rPr lang="zh-CN" altLang="en-US" b="1" dirty="0" smtClean="0"/>
-              <a:t>提炼</a:t>
-            </a:r>
-            <a:endParaRPr lang="zh-CN" altLang="en-US" b="1" dirty="0"/>
+              <a:rPr lang="zh-CN" altLang="en-US" b="1" smtClean="0"/>
+              <a:t>第三步 总结提炼</a:t>
+            </a:r>
           </a:p>
         </p:txBody>
       </p:sp>
@@ -3559,7 +7831,7 @@
       </p:grpSpPr>
       <p:sp>
         <p:nvSpPr>
-          <p:cNvPr id="2" name="标题 1"/>
+          <p:cNvPr id="15361" name="标题 1"/>
           <p:cNvSpPr>
             <a:spLocks noGrp="1"/>
           </p:cNvSpPr>
@@ -3569,24 +7841,14 @@
         </p:nvSpPr>
         <p:spPr/>
         <p:txBody>
-          <a:bodyPr>
-            <a:normAutofit/>
-          </a:bodyPr>
+          <a:bodyPr/>
           <a:lstStyle/>
           <a:p>
             <a:r>
-              <a:rPr lang="zh-CN" altLang="en-US" b="1" dirty="0" smtClean="0"/>
-              <a:t>第一步 识别</a:t>
-            </a:r>
-            <a:r>
-              <a:rPr lang="zh-CN" altLang="en-US" b="1" dirty="0"/>
-              <a:t>故事三</a:t>
-            </a:r>
-            <a:r>
-              <a:rPr lang="zh-CN" altLang="en-US" b="1" dirty="0" smtClean="0"/>
-              <a:t>要素</a:t>
-            </a:r>
-            <a:endParaRPr lang="zh-CN" altLang="en-US" dirty="0"/>
+              <a:rPr lang="zh-CN" altLang="en-US" b="1" smtClean="0"/>
+              <a:t>第一步 识别故事三要素</a:t>
+            </a:r>
+            <a:endParaRPr lang="zh-CN" altLang="en-US" smtClean="0"/>
           </a:p>
         </p:txBody>
       </p:sp>
@@ -3606,74 +7868,64 @@
           <a:lstStyle/>
           <a:p>
             <a:r>
-              <a:rPr lang="zh-CN" altLang="en-US" dirty="0" smtClean="0"/>
+              <a:rPr lang="zh-CN" altLang="en-US" smtClean="0"/>
               <a:t>时间</a:t>
             </a:r>
-            <a:endParaRPr lang="en-US" altLang="zh-CN" dirty="0" smtClean="0"/>
+            <a:endParaRPr lang="en-US" altLang="zh-CN" smtClean="0"/>
           </a:p>
           <a:p>
             <a:pPr>
+              <a:buFont typeface="Arial" charset="0"/>
               <a:buNone/>
             </a:pPr>
             <a:r>
-              <a:rPr lang="en-US" altLang="zh-CN" dirty="0" smtClean="0"/>
+              <a:rPr lang="en-US" altLang="zh-CN" smtClean="0"/>
               <a:t>	</a:t>
             </a:r>
             <a:r>
-              <a:rPr lang="zh-CN" altLang="en-US" dirty="0"/>
-              <a:t>具体某</a:t>
-            </a:r>
-            <a:r>
-              <a:rPr lang="zh-CN" altLang="en-US" dirty="0" smtClean="0"/>
-              <a:t>天？</a:t>
-            </a:r>
-            <a:r>
-              <a:rPr lang="zh-CN" altLang="en-US" dirty="0"/>
-              <a:t>一个</a:t>
-            </a:r>
-            <a:r>
-              <a:rPr lang="zh-CN" altLang="en-US" dirty="0" smtClean="0"/>
-              <a:t>时期？</a:t>
-            </a:r>
-            <a:endParaRPr lang="en-US" altLang="zh-CN" dirty="0" smtClean="0"/>
+              <a:rPr lang="zh-CN" altLang="en-US" smtClean="0"/>
+              <a:t>具体某天？一个时期？</a:t>
+            </a:r>
+            <a:endParaRPr lang="en-US" altLang="zh-CN" smtClean="0"/>
           </a:p>
           <a:p>
             <a:pPr>
+              <a:buFont typeface="Arial" charset="0"/>
               <a:buNone/>
             </a:pPr>
             <a:r>
-              <a:rPr lang="en-US" altLang="zh-CN" dirty="0"/>
+              <a:rPr lang="en-US" altLang="zh-CN" smtClean="0"/>
               <a:t>	</a:t>
             </a:r>
             <a:r>
-              <a:rPr lang="zh-CN" altLang="en-US" dirty="0" smtClean="0"/>
+              <a:rPr lang="zh-CN" altLang="en-US" smtClean="0"/>
               <a:t>绝对时间？相对时间？</a:t>
             </a:r>
-            <a:endParaRPr lang="en-US" altLang="zh-CN" dirty="0" smtClean="0"/>
-          </a:p>
-          <a:p>
-            <a:r>
-              <a:rPr lang="zh-CN" altLang="en-US" dirty="0" smtClean="0"/>
+            <a:endParaRPr lang="en-US" altLang="zh-CN" smtClean="0"/>
+          </a:p>
+          <a:p>
+            <a:r>
+              <a:rPr lang="zh-CN" altLang="en-US" smtClean="0"/>
               <a:t>地点</a:t>
             </a:r>
-            <a:endParaRPr lang="en-US" altLang="zh-CN" dirty="0" smtClean="0"/>
-          </a:p>
-          <a:p>
-            <a:r>
-              <a:rPr lang="zh-CN" altLang="en-US" dirty="0" smtClean="0"/>
+            <a:endParaRPr lang="en-US" altLang="zh-CN" smtClean="0"/>
+          </a:p>
+          <a:p>
+            <a:r>
+              <a:rPr lang="zh-CN" altLang="en-US" smtClean="0"/>
               <a:t>人物</a:t>
             </a:r>
-            <a:endParaRPr lang="en-US" altLang="zh-CN" dirty="0" smtClean="0"/>
+            <a:endParaRPr lang="en-US" altLang="zh-CN" smtClean="0"/>
           </a:p>
           <a:p>
             <a:pPr lvl="1">
+              <a:buFont typeface="Arial" charset="0"/>
               <a:buNone/>
             </a:pPr>
             <a:r>
-              <a:rPr lang="zh-CN" altLang="en-US" dirty="0" smtClean="0"/>
+              <a:rPr lang="zh-CN" altLang="en-US" smtClean="0"/>
               <a:t>隐藏人物</a:t>
             </a:r>
-            <a:endParaRPr lang="zh-CN" altLang="en-US" dirty="0"/>
           </a:p>
         </p:txBody>
       </p:sp>
@@ -4226,7 +8478,7 @@
       </p:grpSpPr>
       <p:sp>
         <p:nvSpPr>
-          <p:cNvPr id="2" name="标题 1"/>
+          <p:cNvPr id="16385" name="标题 1"/>
           <p:cNvSpPr>
             <a:spLocks noGrp="1"/>
           </p:cNvSpPr>
@@ -4236,21 +8488,92 @@
         </p:nvSpPr>
         <p:spPr>
           <a:xfrm>
-            <a:off x="428596" y="1928802"/>
-            <a:ext cx="8229600" cy="2214578"/>
+            <a:off x="468313" y="1268413"/>
+            <a:ext cx="8229600" cy="2214562"/>
           </a:xfrm>
         </p:spPr>
         <p:txBody>
+          <a:bodyPr/>
+          <a:lstStyle/>
+          <a:p>
+            <a:r>
+              <a:rPr lang="zh-CN" altLang="en-US" sz="9600" smtClean="0"/>
+              <a:t>舞台</a:t>
+            </a:r>
+          </a:p>
+        </p:txBody>
+      </p:sp>
+      <p:sp>
+        <p:nvSpPr>
+          <p:cNvPr id="16388" name="Text Box 4"/>
+          <p:cNvSpPr txBox="1">
+            <a:spLocks noChangeArrowheads="1"/>
+          </p:cNvSpPr>
+          <p:nvPr/>
+        </p:nvSpPr>
+        <p:spPr bwMode="auto">
+          <a:xfrm>
+            <a:off x="1331913" y="4724400"/>
+            <a:ext cx="6767512" cy="914400"/>
+          </a:xfrm>
+          <a:prstGeom prst="rect">
+            <a:avLst/>
+          </a:prstGeom>
+          <a:noFill/>
+          <a:ln w="9525">
+            <a:noFill/>
+            <a:miter lim="800000"/>
+            <a:headEnd/>
+            <a:tailEnd/>
+          </a:ln>
+          <a:effectLst/>
+        </p:spPr>
+        <p:txBody>
           <a:bodyPr>
-            <a:noAutofit/>
+            <a:spAutoFit/>
           </a:bodyPr>
           <a:lstStyle/>
           <a:p>
-            <a:r>
-              <a:rPr lang="zh-CN" altLang="en-US" sz="9600" dirty="0" smtClean="0"/>
-              <a:t>舞台</a:t>
-            </a:r>
-            <a:endParaRPr lang="zh-CN" altLang="en-US" sz="9600" dirty="0"/>
+            <a:pPr algn="ctr">
+              <a:spcBef>
+                <a:spcPct val="50000"/>
+              </a:spcBef>
+            </a:pPr>
+            <a:r>
+              <a:rPr lang="zh-CN" altLang="en-US" sz="5400">
+                <a:latin typeface="微软雅黑" pitchFamily="34" charset="-122"/>
+                <a:ea typeface="微软雅黑" pitchFamily="34" charset="-122"/>
+              </a:rPr>
+              <a:t>马可福音</a:t>
+            </a:r>
+            <a:r>
+              <a:rPr lang="en-US" altLang="zh-CN" sz="5400">
+                <a:latin typeface="微软雅黑" pitchFamily="34" charset="-122"/>
+                <a:ea typeface="微软雅黑" pitchFamily="34" charset="-122"/>
+              </a:rPr>
+              <a:t>1</a:t>
+            </a:r>
+            <a:r>
+              <a:rPr lang="zh-CN" altLang="en-US" sz="5400">
+                <a:latin typeface="微软雅黑" pitchFamily="34" charset="-122"/>
+                <a:ea typeface="微软雅黑" pitchFamily="34" charset="-122"/>
+              </a:rPr>
+              <a:t>章</a:t>
+            </a:r>
+            <a:r>
+              <a:rPr lang="en-US" altLang="zh-CN" sz="5400">
+                <a:latin typeface="微软雅黑" pitchFamily="34" charset="-122"/>
+                <a:ea typeface="微软雅黑" pitchFamily="34" charset="-122"/>
+              </a:rPr>
+              <a:t>4-8</a:t>
+            </a:r>
+            <a:r>
+              <a:rPr lang="zh-CN" altLang="en-US" sz="5400">
+                <a:latin typeface="微软雅黑" pitchFamily="34" charset="-122"/>
+                <a:ea typeface="微软雅黑" pitchFamily="34" charset="-122"/>
+              </a:rPr>
+              <a:t>节</a:t>
+            </a:r>
           </a:p>
         </p:txBody>
       </p:sp>
@@ -4262,6 +8585,2278 @@
   <p:transition>
     <p:dissolve/>
   </p:transition>
+  <p:timing>
+    <p:tnLst>
+      <p:par>
+        <p:cTn id="1" dur="indefinite" restart="never" nodeType="tmRoot">
+          <p:childTnLst>
+            <p:seq concurrent="1" nextAc="seek">
+              <p:cTn id="2" dur="indefinite" nodeType="mainSeq">
+                <p:childTnLst>
+                  <p:par>
+                    <p:cTn id="3" fill="hold">
+                      <p:stCondLst>
+                        <p:cond delay="indefinite"/>
+                      </p:stCondLst>
+                      <p:childTnLst>
+                        <p:par>
+                          <p:cTn id="4" fill="hold">
+                            <p:stCondLst>
+                              <p:cond delay="0"/>
+                            </p:stCondLst>
+                            <p:childTnLst>
+                              <p:par>
+                                <p:cTn id="5" presetID="2" presetClass="entr" presetSubtype="4" fill="hold" nodeType="clickEffect">
+                                  <p:stCondLst>
+                                    <p:cond delay="0"/>
+                                  </p:stCondLst>
+                                  <p:childTnLst>
+                                    <p:set>
+                                      <p:cBhvr>
+                                        <p:cTn id="6" dur="1" fill="hold">
+                                          <p:stCondLst>
+                                            <p:cond delay="0"/>
+                                          </p:stCondLst>
+                                        </p:cTn>
+                                        <p:tgtEl>
+                                          <p:spTgt spid="16388">
+                                            <p:txEl>
+                                              <p:pRg st="0" end="0"/>
+                                            </p:txEl>
+                                          </p:spTgt>
+                                        </p:tgtEl>
+                                        <p:attrNameLst>
+                                          <p:attrName>style.visibility</p:attrName>
+                                        </p:attrNameLst>
+                                      </p:cBhvr>
+                                      <p:to>
+                                        <p:strVal val="visible"/>
+                                      </p:to>
+                                    </p:set>
+                                    <p:anim calcmode="lin" valueType="num">
+                                      <p:cBhvr additive="base">
+                                        <p:cTn id="7" dur="500" fill="hold"/>
+                                        <p:tgtEl>
+                                          <p:spTgt spid="16388">
+                                            <p:txEl>
+                                              <p:pRg st="0" end="0"/>
+                                            </p:txEl>
+                                          </p:spTgt>
+                                        </p:tgtEl>
+                                        <p:attrNameLst>
+                                          <p:attrName>ppt_x</p:attrName>
+                                        </p:attrNameLst>
+                                      </p:cBhvr>
+                                      <p:tavLst>
+                                        <p:tav tm="0">
+                                          <p:val>
+                                            <p:strVal val="#ppt_x"/>
+                                          </p:val>
+                                        </p:tav>
+                                        <p:tav tm="100000">
+                                          <p:val>
+                                            <p:strVal val="#ppt_x"/>
+                                          </p:val>
+                                        </p:tav>
+                                      </p:tavLst>
+                                    </p:anim>
+                                    <p:anim calcmode="lin" valueType="num">
+                                      <p:cBhvr additive="base">
+                                        <p:cTn id="8" dur="500" fill="hold"/>
+                                        <p:tgtEl>
+                                          <p:spTgt spid="16388">
+                                            <p:txEl>
+                                              <p:pRg st="0" end="0"/>
+                                            </p:txEl>
+                                          </p:spTgt>
+                                        </p:tgtEl>
+                                        <p:attrNameLst>
+                                          <p:attrName>ppt_y</p:attrName>
+                                        </p:attrNameLst>
+                                      </p:cBhvr>
+                                      <p:tavLst>
+                                        <p:tav tm="0">
+                                          <p:val>
+                                            <p:strVal val="1+#ppt_h/2"/>
+                                          </p:val>
+                                        </p:tav>
+                                        <p:tav tm="100000">
+                                          <p:val>
+                                            <p:strVal val="#ppt_y"/>
+                                          </p:val>
+                                        </p:tav>
+                                      </p:tavLst>
+                                    </p:anim>
+                                  </p:childTnLst>
+                                </p:cTn>
+                              </p:par>
+                            </p:childTnLst>
+                          </p:cTn>
+                        </p:par>
+                      </p:childTnLst>
+                    </p:cTn>
+                  </p:par>
+                </p:childTnLst>
+              </p:cTn>
+              <p:prevCondLst>
+                <p:cond evt="onPrev" delay="0">
+                  <p:tgtEl>
+                    <p:sldTgt/>
+                  </p:tgtEl>
+                </p:cond>
+              </p:prevCondLst>
+              <p:nextCondLst>
+                <p:cond evt="onNext" delay="0">
+                  <p:tgtEl>
+                    <p:sldTgt/>
+                  </p:tgtEl>
+                </p:cond>
+              </p:nextCondLst>
+            </p:seq>
+          </p:childTnLst>
+        </p:cTn>
+      </p:par>
+    </p:tnLst>
+  </p:timing>
+</p:sld>
+</file>
+
+<file path=ppt/slides/slide5.xml><?xml version="1.0" encoding="utf-8"?>
+<p:sld xmlns:a="http://schemas.openxmlformats.org/drawingml/2006/main" xmlns:r="http://schemas.openxmlformats.org/officeDocument/2006/relationships" xmlns:p="http://schemas.openxmlformats.org/presentationml/2006/main">
+  <p:cSld>
+    <p:spTree>
+      <p:nvGrpSpPr>
+        <p:cNvPr id="1" name=""/>
+        <p:cNvGrpSpPr/>
+        <p:nvPr/>
+      </p:nvGrpSpPr>
+      <p:grpSpPr>
+        <a:xfrm>
+          <a:off x="0" y="0"/>
+          <a:ext cx="0" cy="0"/>
+          <a:chOff x="0" y="0"/>
+          <a:chExt cx="0" cy="0"/>
+        </a:xfrm>
+      </p:grpSpPr>
+      <p:sp>
+        <p:nvSpPr>
+          <p:cNvPr id="17410" name="Rectangle 2"/>
+          <p:cNvSpPr>
+            <a:spLocks noGrp="1"/>
+          </p:cNvSpPr>
+          <p:nvPr>
+            <p:ph type="title"/>
+          </p:nvPr>
+        </p:nvSpPr>
+        <p:spPr/>
+        <p:txBody>
+          <a:bodyPr/>
+          <a:lstStyle/>
+          <a:p>
+            <a:r>
+              <a:rPr lang="zh-CN" altLang="en-US" smtClean="0"/>
+              <a:t>时间</a:t>
+            </a:r>
+          </a:p>
+        </p:txBody>
+      </p:sp>
+      <p:sp>
+        <p:nvSpPr>
+          <p:cNvPr id="17411" name="Rectangle 3"/>
+          <p:cNvSpPr>
+            <a:spLocks noGrp="1"/>
+          </p:cNvSpPr>
+          <p:nvPr>
+            <p:ph type="body" idx="1"/>
+          </p:nvPr>
+        </p:nvSpPr>
+        <p:spPr/>
+        <p:txBody>
+          <a:bodyPr/>
+          <a:lstStyle/>
+          <a:p>
+            <a:pPr marL="609600" indent="-609600">
+              <a:buFont typeface="Arial" charset="0"/>
+              <a:buAutoNum type="arabicPeriod"/>
+            </a:pPr>
+            <a:r>
+              <a:rPr lang="zh-CN" altLang="en-US" smtClean="0"/>
+              <a:t>这段故事发生在什么时候？</a:t>
+            </a:r>
+            <a:endParaRPr lang="en-US" altLang="zh-CN" smtClean="0"/>
+          </a:p>
+          <a:p>
+            <a:pPr marL="609600" indent="-609600">
+              <a:buFont typeface="Arial" charset="0"/>
+              <a:buAutoNum type="arabicPeriod"/>
+            </a:pPr>
+            <a:r>
+              <a:rPr lang="zh-CN" altLang="en-US" smtClean="0"/>
+              <a:t>这个时间对发生的这个故事有什么意义？ </a:t>
+            </a:r>
+          </a:p>
+          <a:p>
+            <a:pPr marL="990600" lvl="1" indent="-533400">
+              <a:buFont typeface="Arial" charset="0"/>
+              <a:buAutoNum type="arabicPeriod"/>
+            </a:pPr>
+            <a:r>
+              <a:rPr lang="zh-CN" altLang="en-US" smtClean="0"/>
+              <a:t>相对时间的观念引导我们去看上文 </a:t>
+            </a:r>
+          </a:p>
+          <a:p>
+            <a:pPr marL="990600" lvl="1" indent="-533400">
+              <a:buFont typeface="Arial" charset="0"/>
+              <a:buAutoNum type="arabicPeriod"/>
+            </a:pPr>
+            <a:r>
+              <a:rPr lang="zh-CN" altLang="en-US" smtClean="0"/>
+              <a:t>引用的经文是什么时代的？ </a:t>
+            </a:r>
+          </a:p>
+          <a:p>
+            <a:pPr marL="990600" lvl="1" indent="-533400">
+              <a:buFont typeface="Arial" charset="0"/>
+              <a:buAutoNum type="arabicPeriod"/>
+            </a:pPr>
+            <a:r>
+              <a:rPr lang="zh-CN" altLang="en-US" smtClean="0"/>
+              <a:t>请大家发挥想象力，从这个时间可以联想到什么？ </a:t>
+            </a:r>
+          </a:p>
+          <a:p>
+            <a:pPr marL="990600" lvl="1" indent="-533400">
+              <a:buFont typeface="Arial" charset="0"/>
+              <a:buAutoNum type="arabicPeriod"/>
+            </a:pPr>
+            <a:r>
+              <a:rPr lang="zh-CN" altLang="en-US" smtClean="0"/>
+              <a:t>大家所想的，有的是，有的不是那么是，没关系都留着 </a:t>
+            </a:r>
+            <a:endParaRPr lang="en-US" altLang="zh-CN" smtClean="0"/>
+          </a:p>
+        </p:txBody>
+      </p:sp>
+    </p:spTree>
+  </p:cSld>
+  <p:clrMapOvr>
+    <a:masterClrMapping/>
+  </p:clrMapOvr>
+  <p:timing>
+    <p:tnLst>
+      <p:par>
+        <p:cTn id="1" dur="indefinite" restart="never" nodeType="tmRoot">
+          <p:childTnLst>
+            <p:seq concurrent="1" nextAc="seek">
+              <p:cTn id="2" dur="indefinite" nodeType="mainSeq">
+                <p:childTnLst>
+                  <p:par>
+                    <p:cTn id="3" fill="hold">
+                      <p:stCondLst>
+                        <p:cond delay="indefinite"/>
+                      </p:stCondLst>
+                      <p:childTnLst>
+                        <p:par>
+                          <p:cTn id="4" fill="hold">
+                            <p:stCondLst>
+                              <p:cond delay="0"/>
+                            </p:stCondLst>
+                            <p:childTnLst>
+                              <p:par>
+                                <p:cTn id="5" presetID="2" presetClass="entr" presetSubtype="4" fill="hold" nodeType="clickEffect">
+                                  <p:stCondLst>
+                                    <p:cond delay="0"/>
+                                  </p:stCondLst>
+                                  <p:childTnLst>
+                                    <p:set>
+                                      <p:cBhvr>
+                                        <p:cTn id="6" dur="1" fill="hold">
+                                          <p:stCondLst>
+                                            <p:cond delay="0"/>
+                                          </p:stCondLst>
+                                        </p:cTn>
+                                        <p:tgtEl>
+                                          <p:spTgt spid="17411">
+                                            <p:txEl>
+                                              <p:pRg st="0" end="0"/>
+                                            </p:txEl>
+                                          </p:spTgt>
+                                        </p:tgtEl>
+                                        <p:attrNameLst>
+                                          <p:attrName>style.visibility</p:attrName>
+                                        </p:attrNameLst>
+                                      </p:cBhvr>
+                                      <p:to>
+                                        <p:strVal val="visible"/>
+                                      </p:to>
+                                    </p:set>
+                                    <p:anim calcmode="lin" valueType="num">
+                                      <p:cBhvr additive="base">
+                                        <p:cTn id="7" dur="500" fill="hold"/>
+                                        <p:tgtEl>
+                                          <p:spTgt spid="17411">
+                                            <p:txEl>
+                                              <p:pRg st="0" end="0"/>
+                                            </p:txEl>
+                                          </p:spTgt>
+                                        </p:tgtEl>
+                                        <p:attrNameLst>
+                                          <p:attrName>ppt_x</p:attrName>
+                                        </p:attrNameLst>
+                                      </p:cBhvr>
+                                      <p:tavLst>
+                                        <p:tav tm="0">
+                                          <p:val>
+                                            <p:strVal val="#ppt_x"/>
+                                          </p:val>
+                                        </p:tav>
+                                        <p:tav tm="100000">
+                                          <p:val>
+                                            <p:strVal val="#ppt_x"/>
+                                          </p:val>
+                                        </p:tav>
+                                      </p:tavLst>
+                                    </p:anim>
+                                    <p:anim calcmode="lin" valueType="num">
+                                      <p:cBhvr additive="base">
+                                        <p:cTn id="8" dur="500" fill="hold"/>
+                                        <p:tgtEl>
+                                          <p:spTgt spid="17411">
+                                            <p:txEl>
+                                              <p:pRg st="0" end="0"/>
+                                            </p:txEl>
+                                          </p:spTgt>
+                                        </p:tgtEl>
+                                        <p:attrNameLst>
+                                          <p:attrName>ppt_y</p:attrName>
+                                        </p:attrNameLst>
+                                      </p:cBhvr>
+                                      <p:tavLst>
+                                        <p:tav tm="0">
+                                          <p:val>
+                                            <p:strVal val="1+#ppt_h/2"/>
+                                          </p:val>
+                                        </p:tav>
+                                        <p:tav tm="100000">
+                                          <p:val>
+                                            <p:strVal val="#ppt_y"/>
+                                          </p:val>
+                                        </p:tav>
+                                      </p:tavLst>
+                                    </p:anim>
+                                  </p:childTnLst>
+                                </p:cTn>
+                              </p:par>
+                            </p:childTnLst>
+                          </p:cTn>
+                        </p:par>
+                      </p:childTnLst>
+                    </p:cTn>
+                  </p:par>
+                  <p:par>
+                    <p:cTn id="9" fill="hold">
+                      <p:stCondLst>
+                        <p:cond delay="indefinite"/>
+                      </p:stCondLst>
+                      <p:childTnLst>
+                        <p:par>
+                          <p:cTn id="10" fill="hold">
+                            <p:stCondLst>
+                              <p:cond delay="0"/>
+                            </p:stCondLst>
+                            <p:childTnLst>
+                              <p:par>
+                                <p:cTn id="11" presetID="2" presetClass="entr" presetSubtype="4" fill="hold" nodeType="clickEffect">
+                                  <p:stCondLst>
+                                    <p:cond delay="0"/>
+                                  </p:stCondLst>
+                                  <p:childTnLst>
+                                    <p:set>
+                                      <p:cBhvr>
+                                        <p:cTn id="12" dur="1" fill="hold">
+                                          <p:stCondLst>
+                                            <p:cond delay="0"/>
+                                          </p:stCondLst>
+                                        </p:cTn>
+                                        <p:tgtEl>
+                                          <p:spTgt spid="17411">
+                                            <p:txEl>
+                                              <p:pRg st="1" end="1"/>
+                                            </p:txEl>
+                                          </p:spTgt>
+                                        </p:tgtEl>
+                                        <p:attrNameLst>
+                                          <p:attrName>style.visibility</p:attrName>
+                                        </p:attrNameLst>
+                                      </p:cBhvr>
+                                      <p:to>
+                                        <p:strVal val="visible"/>
+                                      </p:to>
+                                    </p:set>
+                                    <p:anim calcmode="lin" valueType="num">
+                                      <p:cBhvr additive="base">
+                                        <p:cTn id="13" dur="500" fill="hold"/>
+                                        <p:tgtEl>
+                                          <p:spTgt spid="17411">
+                                            <p:txEl>
+                                              <p:pRg st="1" end="1"/>
+                                            </p:txEl>
+                                          </p:spTgt>
+                                        </p:tgtEl>
+                                        <p:attrNameLst>
+                                          <p:attrName>ppt_x</p:attrName>
+                                        </p:attrNameLst>
+                                      </p:cBhvr>
+                                      <p:tavLst>
+                                        <p:tav tm="0">
+                                          <p:val>
+                                            <p:strVal val="#ppt_x"/>
+                                          </p:val>
+                                        </p:tav>
+                                        <p:tav tm="100000">
+                                          <p:val>
+                                            <p:strVal val="#ppt_x"/>
+                                          </p:val>
+                                        </p:tav>
+                                      </p:tavLst>
+                                    </p:anim>
+                                    <p:anim calcmode="lin" valueType="num">
+                                      <p:cBhvr additive="base">
+                                        <p:cTn id="14" dur="500" fill="hold"/>
+                                        <p:tgtEl>
+                                          <p:spTgt spid="17411">
+                                            <p:txEl>
+                                              <p:pRg st="1" end="1"/>
+                                            </p:txEl>
+                                          </p:spTgt>
+                                        </p:tgtEl>
+                                        <p:attrNameLst>
+                                          <p:attrName>ppt_y</p:attrName>
+                                        </p:attrNameLst>
+                                      </p:cBhvr>
+                                      <p:tavLst>
+                                        <p:tav tm="0">
+                                          <p:val>
+                                            <p:strVal val="1+#ppt_h/2"/>
+                                          </p:val>
+                                        </p:tav>
+                                        <p:tav tm="100000">
+                                          <p:val>
+                                            <p:strVal val="#ppt_y"/>
+                                          </p:val>
+                                        </p:tav>
+                                      </p:tavLst>
+                                    </p:anim>
+                                  </p:childTnLst>
+                                </p:cTn>
+                              </p:par>
+                            </p:childTnLst>
+                          </p:cTn>
+                        </p:par>
+                      </p:childTnLst>
+                    </p:cTn>
+                  </p:par>
+                  <p:par>
+                    <p:cTn id="15" fill="hold">
+                      <p:stCondLst>
+                        <p:cond delay="indefinite"/>
+                      </p:stCondLst>
+                      <p:childTnLst>
+                        <p:par>
+                          <p:cTn id="16" fill="hold">
+                            <p:stCondLst>
+                              <p:cond delay="0"/>
+                            </p:stCondLst>
+                            <p:childTnLst>
+                              <p:par>
+                                <p:cTn id="17" presetID="2" presetClass="entr" presetSubtype="4" fill="hold" nodeType="clickEffect">
+                                  <p:stCondLst>
+                                    <p:cond delay="0"/>
+                                  </p:stCondLst>
+                                  <p:childTnLst>
+                                    <p:set>
+                                      <p:cBhvr>
+                                        <p:cTn id="18" dur="1" fill="hold">
+                                          <p:stCondLst>
+                                            <p:cond delay="0"/>
+                                          </p:stCondLst>
+                                        </p:cTn>
+                                        <p:tgtEl>
+                                          <p:spTgt spid="17411">
+                                            <p:txEl>
+                                              <p:pRg st="2" end="2"/>
+                                            </p:txEl>
+                                          </p:spTgt>
+                                        </p:tgtEl>
+                                        <p:attrNameLst>
+                                          <p:attrName>style.visibility</p:attrName>
+                                        </p:attrNameLst>
+                                      </p:cBhvr>
+                                      <p:to>
+                                        <p:strVal val="visible"/>
+                                      </p:to>
+                                    </p:set>
+                                    <p:anim calcmode="lin" valueType="num">
+                                      <p:cBhvr additive="base">
+                                        <p:cTn id="19" dur="500" fill="hold"/>
+                                        <p:tgtEl>
+                                          <p:spTgt spid="17411">
+                                            <p:txEl>
+                                              <p:pRg st="2" end="2"/>
+                                            </p:txEl>
+                                          </p:spTgt>
+                                        </p:tgtEl>
+                                        <p:attrNameLst>
+                                          <p:attrName>ppt_x</p:attrName>
+                                        </p:attrNameLst>
+                                      </p:cBhvr>
+                                      <p:tavLst>
+                                        <p:tav tm="0">
+                                          <p:val>
+                                            <p:strVal val="#ppt_x"/>
+                                          </p:val>
+                                        </p:tav>
+                                        <p:tav tm="100000">
+                                          <p:val>
+                                            <p:strVal val="#ppt_x"/>
+                                          </p:val>
+                                        </p:tav>
+                                      </p:tavLst>
+                                    </p:anim>
+                                    <p:anim calcmode="lin" valueType="num">
+                                      <p:cBhvr additive="base">
+                                        <p:cTn id="20" dur="500" fill="hold"/>
+                                        <p:tgtEl>
+                                          <p:spTgt spid="17411">
+                                            <p:txEl>
+                                              <p:pRg st="2" end="2"/>
+                                            </p:txEl>
+                                          </p:spTgt>
+                                        </p:tgtEl>
+                                        <p:attrNameLst>
+                                          <p:attrName>ppt_y</p:attrName>
+                                        </p:attrNameLst>
+                                      </p:cBhvr>
+                                      <p:tavLst>
+                                        <p:tav tm="0">
+                                          <p:val>
+                                            <p:strVal val="1+#ppt_h/2"/>
+                                          </p:val>
+                                        </p:tav>
+                                        <p:tav tm="100000">
+                                          <p:val>
+                                            <p:strVal val="#ppt_y"/>
+                                          </p:val>
+                                        </p:tav>
+                                      </p:tavLst>
+                                    </p:anim>
+                                  </p:childTnLst>
+                                </p:cTn>
+                              </p:par>
+                            </p:childTnLst>
+                          </p:cTn>
+                        </p:par>
+                      </p:childTnLst>
+                    </p:cTn>
+                  </p:par>
+                  <p:par>
+                    <p:cTn id="21" fill="hold">
+                      <p:stCondLst>
+                        <p:cond delay="indefinite"/>
+                      </p:stCondLst>
+                      <p:childTnLst>
+                        <p:par>
+                          <p:cTn id="22" fill="hold">
+                            <p:stCondLst>
+                              <p:cond delay="0"/>
+                            </p:stCondLst>
+                            <p:childTnLst>
+                              <p:par>
+                                <p:cTn id="23" presetID="2" presetClass="entr" presetSubtype="4" fill="hold" nodeType="clickEffect">
+                                  <p:stCondLst>
+                                    <p:cond delay="0"/>
+                                  </p:stCondLst>
+                                  <p:childTnLst>
+                                    <p:set>
+                                      <p:cBhvr>
+                                        <p:cTn id="24" dur="1" fill="hold">
+                                          <p:stCondLst>
+                                            <p:cond delay="0"/>
+                                          </p:stCondLst>
+                                        </p:cTn>
+                                        <p:tgtEl>
+                                          <p:spTgt spid="17411">
+                                            <p:txEl>
+                                              <p:pRg st="3" end="3"/>
+                                            </p:txEl>
+                                          </p:spTgt>
+                                        </p:tgtEl>
+                                        <p:attrNameLst>
+                                          <p:attrName>style.visibility</p:attrName>
+                                        </p:attrNameLst>
+                                      </p:cBhvr>
+                                      <p:to>
+                                        <p:strVal val="visible"/>
+                                      </p:to>
+                                    </p:set>
+                                    <p:anim calcmode="lin" valueType="num">
+                                      <p:cBhvr additive="base">
+                                        <p:cTn id="25" dur="500" fill="hold"/>
+                                        <p:tgtEl>
+                                          <p:spTgt spid="17411">
+                                            <p:txEl>
+                                              <p:pRg st="3" end="3"/>
+                                            </p:txEl>
+                                          </p:spTgt>
+                                        </p:tgtEl>
+                                        <p:attrNameLst>
+                                          <p:attrName>ppt_x</p:attrName>
+                                        </p:attrNameLst>
+                                      </p:cBhvr>
+                                      <p:tavLst>
+                                        <p:tav tm="0">
+                                          <p:val>
+                                            <p:strVal val="#ppt_x"/>
+                                          </p:val>
+                                        </p:tav>
+                                        <p:tav tm="100000">
+                                          <p:val>
+                                            <p:strVal val="#ppt_x"/>
+                                          </p:val>
+                                        </p:tav>
+                                      </p:tavLst>
+                                    </p:anim>
+                                    <p:anim calcmode="lin" valueType="num">
+                                      <p:cBhvr additive="base">
+                                        <p:cTn id="26" dur="500" fill="hold"/>
+                                        <p:tgtEl>
+                                          <p:spTgt spid="17411">
+                                            <p:txEl>
+                                              <p:pRg st="3" end="3"/>
+                                            </p:txEl>
+                                          </p:spTgt>
+                                        </p:tgtEl>
+                                        <p:attrNameLst>
+                                          <p:attrName>ppt_y</p:attrName>
+                                        </p:attrNameLst>
+                                      </p:cBhvr>
+                                      <p:tavLst>
+                                        <p:tav tm="0">
+                                          <p:val>
+                                            <p:strVal val="1+#ppt_h/2"/>
+                                          </p:val>
+                                        </p:tav>
+                                        <p:tav tm="100000">
+                                          <p:val>
+                                            <p:strVal val="#ppt_y"/>
+                                          </p:val>
+                                        </p:tav>
+                                      </p:tavLst>
+                                    </p:anim>
+                                  </p:childTnLst>
+                                </p:cTn>
+                              </p:par>
+                            </p:childTnLst>
+                          </p:cTn>
+                        </p:par>
+                      </p:childTnLst>
+                    </p:cTn>
+                  </p:par>
+                  <p:par>
+                    <p:cTn id="27" fill="hold">
+                      <p:stCondLst>
+                        <p:cond delay="indefinite"/>
+                      </p:stCondLst>
+                      <p:childTnLst>
+                        <p:par>
+                          <p:cTn id="28" fill="hold">
+                            <p:stCondLst>
+                              <p:cond delay="0"/>
+                            </p:stCondLst>
+                            <p:childTnLst>
+                              <p:par>
+                                <p:cTn id="29" presetID="2" presetClass="entr" presetSubtype="4" fill="hold" nodeType="clickEffect">
+                                  <p:stCondLst>
+                                    <p:cond delay="0"/>
+                                  </p:stCondLst>
+                                  <p:childTnLst>
+                                    <p:set>
+                                      <p:cBhvr>
+                                        <p:cTn id="30" dur="1" fill="hold">
+                                          <p:stCondLst>
+                                            <p:cond delay="0"/>
+                                          </p:stCondLst>
+                                        </p:cTn>
+                                        <p:tgtEl>
+                                          <p:spTgt spid="17411">
+                                            <p:txEl>
+                                              <p:pRg st="4" end="4"/>
+                                            </p:txEl>
+                                          </p:spTgt>
+                                        </p:tgtEl>
+                                        <p:attrNameLst>
+                                          <p:attrName>style.visibility</p:attrName>
+                                        </p:attrNameLst>
+                                      </p:cBhvr>
+                                      <p:to>
+                                        <p:strVal val="visible"/>
+                                      </p:to>
+                                    </p:set>
+                                    <p:anim calcmode="lin" valueType="num">
+                                      <p:cBhvr additive="base">
+                                        <p:cTn id="31" dur="500" fill="hold"/>
+                                        <p:tgtEl>
+                                          <p:spTgt spid="17411">
+                                            <p:txEl>
+                                              <p:pRg st="4" end="4"/>
+                                            </p:txEl>
+                                          </p:spTgt>
+                                        </p:tgtEl>
+                                        <p:attrNameLst>
+                                          <p:attrName>ppt_x</p:attrName>
+                                        </p:attrNameLst>
+                                      </p:cBhvr>
+                                      <p:tavLst>
+                                        <p:tav tm="0">
+                                          <p:val>
+                                            <p:strVal val="#ppt_x"/>
+                                          </p:val>
+                                        </p:tav>
+                                        <p:tav tm="100000">
+                                          <p:val>
+                                            <p:strVal val="#ppt_x"/>
+                                          </p:val>
+                                        </p:tav>
+                                      </p:tavLst>
+                                    </p:anim>
+                                    <p:anim calcmode="lin" valueType="num">
+                                      <p:cBhvr additive="base">
+                                        <p:cTn id="32" dur="500" fill="hold"/>
+                                        <p:tgtEl>
+                                          <p:spTgt spid="17411">
+                                            <p:txEl>
+                                              <p:pRg st="4" end="4"/>
+                                            </p:txEl>
+                                          </p:spTgt>
+                                        </p:tgtEl>
+                                        <p:attrNameLst>
+                                          <p:attrName>ppt_y</p:attrName>
+                                        </p:attrNameLst>
+                                      </p:cBhvr>
+                                      <p:tavLst>
+                                        <p:tav tm="0">
+                                          <p:val>
+                                            <p:strVal val="1+#ppt_h/2"/>
+                                          </p:val>
+                                        </p:tav>
+                                        <p:tav tm="100000">
+                                          <p:val>
+                                            <p:strVal val="#ppt_y"/>
+                                          </p:val>
+                                        </p:tav>
+                                      </p:tavLst>
+                                    </p:anim>
+                                  </p:childTnLst>
+                                </p:cTn>
+                              </p:par>
+                            </p:childTnLst>
+                          </p:cTn>
+                        </p:par>
+                      </p:childTnLst>
+                    </p:cTn>
+                  </p:par>
+                  <p:par>
+                    <p:cTn id="33" fill="hold">
+                      <p:stCondLst>
+                        <p:cond delay="indefinite"/>
+                      </p:stCondLst>
+                      <p:childTnLst>
+                        <p:par>
+                          <p:cTn id="34" fill="hold">
+                            <p:stCondLst>
+                              <p:cond delay="0"/>
+                            </p:stCondLst>
+                            <p:childTnLst>
+                              <p:par>
+                                <p:cTn id="35" presetID="2" presetClass="entr" presetSubtype="4" fill="hold" nodeType="clickEffect">
+                                  <p:stCondLst>
+                                    <p:cond delay="0"/>
+                                  </p:stCondLst>
+                                  <p:childTnLst>
+                                    <p:set>
+                                      <p:cBhvr>
+                                        <p:cTn id="36" dur="1" fill="hold">
+                                          <p:stCondLst>
+                                            <p:cond delay="0"/>
+                                          </p:stCondLst>
+                                        </p:cTn>
+                                        <p:tgtEl>
+                                          <p:spTgt spid="17411">
+                                            <p:txEl>
+                                              <p:pRg st="5" end="5"/>
+                                            </p:txEl>
+                                          </p:spTgt>
+                                        </p:tgtEl>
+                                        <p:attrNameLst>
+                                          <p:attrName>style.visibility</p:attrName>
+                                        </p:attrNameLst>
+                                      </p:cBhvr>
+                                      <p:to>
+                                        <p:strVal val="visible"/>
+                                      </p:to>
+                                    </p:set>
+                                    <p:anim calcmode="lin" valueType="num">
+                                      <p:cBhvr additive="base">
+                                        <p:cTn id="37" dur="500" fill="hold"/>
+                                        <p:tgtEl>
+                                          <p:spTgt spid="17411">
+                                            <p:txEl>
+                                              <p:pRg st="5" end="5"/>
+                                            </p:txEl>
+                                          </p:spTgt>
+                                        </p:tgtEl>
+                                        <p:attrNameLst>
+                                          <p:attrName>ppt_x</p:attrName>
+                                        </p:attrNameLst>
+                                      </p:cBhvr>
+                                      <p:tavLst>
+                                        <p:tav tm="0">
+                                          <p:val>
+                                            <p:strVal val="#ppt_x"/>
+                                          </p:val>
+                                        </p:tav>
+                                        <p:tav tm="100000">
+                                          <p:val>
+                                            <p:strVal val="#ppt_x"/>
+                                          </p:val>
+                                        </p:tav>
+                                      </p:tavLst>
+                                    </p:anim>
+                                    <p:anim calcmode="lin" valueType="num">
+                                      <p:cBhvr additive="base">
+                                        <p:cTn id="38" dur="500" fill="hold"/>
+                                        <p:tgtEl>
+                                          <p:spTgt spid="17411">
+                                            <p:txEl>
+                                              <p:pRg st="5" end="5"/>
+                                            </p:txEl>
+                                          </p:spTgt>
+                                        </p:tgtEl>
+                                        <p:attrNameLst>
+                                          <p:attrName>ppt_y</p:attrName>
+                                        </p:attrNameLst>
+                                      </p:cBhvr>
+                                      <p:tavLst>
+                                        <p:tav tm="0">
+                                          <p:val>
+                                            <p:strVal val="1+#ppt_h/2"/>
+                                          </p:val>
+                                        </p:tav>
+                                        <p:tav tm="100000">
+                                          <p:val>
+                                            <p:strVal val="#ppt_y"/>
+                                          </p:val>
+                                        </p:tav>
+                                      </p:tavLst>
+                                    </p:anim>
+                                  </p:childTnLst>
+                                </p:cTn>
+                              </p:par>
+                            </p:childTnLst>
+                          </p:cTn>
+                        </p:par>
+                      </p:childTnLst>
+                    </p:cTn>
+                  </p:par>
+                </p:childTnLst>
+              </p:cTn>
+              <p:prevCondLst>
+                <p:cond evt="onPrev" delay="0">
+                  <p:tgtEl>
+                    <p:sldTgt/>
+                  </p:tgtEl>
+                </p:cond>
+              </p:prevCondLst>
+              <p:nextCondLst>
+                <p:cond evt="onNext" delay="0">
+                  <p:tgtEl>
+                    <p:sldTgt/>
+                  </p:tgtEl>
+                </p:cond>
+              </p:nextCondLst>
+            </p:seq>
+          </p:childTnLst>
+        </p:cTn>
+      </p:par>
+    </p:tnLst>
+  </p:timing>
+</p:sld>
+</file>
+
+<file path=ppt/slides/slide6.xml><?xml version="1.0" encoding="utf-8"?>
+<p:sld xmlns:a="http://schemas.openxmlformats.org/drawingml/2006/main" xmlns:r="http://schemas.openxmlformats.org/officeDocument/2006/relationships" xmlns:p="http://schemas.openxmlformats.org/presentationml/2006/main">
+  <p:cSld>
+    <p:spTree>
+      <p:nvGrpSpPr>
+        <p:cNvPr id="1" name=""/>
+        <p:cNvGrpSpPr/>
+        <p:nvPr/>
+      </p:nvGrpSpPr>
+      <p:grpSpPr>
+        <a:xfrm>
+          <a:off x="0" y="0"/>
+          <a:ext cx="0" cy="0"/>
+          <a:chOff x="0" y="0"/>
+          <a:chExt cx="0" cy="0"/>
+        </a:xfrm>
+      </p:grpSpPr>
+      <p:sp>
+        <p:nvSpPr>
+          <p:cNvPr id="18434" name="Rectangle 2"/>
+          <p:cNvSpPr>
+            <a:spLocks noGrp="1"/>
+          </p:cNvSpPr>
+          <p:nvPr>
+            <p:ph type="title"/>
+          </p:nvPr>
+        </p:nvSpPr>
+        <p:spPr/>
+        <p:txBody>
+          <a:bodyPr/>
+          <a:lstStyle/>
+          <a:p>
+            <a:r>
+              <a:rPr lang="zh-CN" altLang="en-US" smtClean="0"/>
+              <a:t>地点</a:t>
+            </a:r>
+          </a:p>
+        </p:txBody>
+      </p:sp>
+      <p:sp>
+        <p:nvSpPr>
+          <p:cNvPr id="18435" name="Rectangle 3"/>
+          <p:cNvSpPr>
+            <a:spLocks noGrp="1"/>
+          </p:cNvSpPr>
+          <p:nvPr>
+            <p:ph type="body" idx="1"/>
+          </p:nvPr>
+        </p:nvSpPr>
+        <p:spPr/>
+        <p:txBody>
+          <a:bodyPr/>
+          <a:lstStyle/>
+          <a:p>
+            <a:pPr>
+              <a:buFont typeface="Arial" charset="0"/>
+              <a:buNone/>
+            </a:pPr>
+            <a:r>
+              <a:rPr lang="en-US" altLang="zh-CN" smtClean="0"/>
+              <a:t>1. </a:t>
+            </a:r>
+            <a:r>
+              <a:rPr lang="zh-CN" altLang="en-US" smtClean="0"/>
+              <a:t>这段故事发生在什么地方？ </a:t>
+            </a:r>
+          </a:p>
+          <a:p>
+            <a:pPr>
+              <a:buFont typeface="Arial" charset="0"/>
+              <a:buNone/>
+            </a:pPr>
+            <a:r>
+              <a:rPr lang="en-US" altLang="zh-CN" smtClean="0"/>
+              <a:t>2.	</a:t>
+            </a:r>
+            <a:r>
+              <a:rPr lang="zh-CN" altLang="en-US" smtClean="0"/>
+              <a:t>这是一个具体地点，还是一个地区呢？ </a:t>
+            </a:r>
+            <a:endParaRPr lang="en-US" altLang="zh-CN" smtClean="0"/>
+          </a:p>
+        </p:txBody>
+      </p:sp>
+    </p:spTree>
+  </p:cSld>
+  <p:clrMapOvr>
+    <a:masterClrMapping/>
+  </p:clrMapOvr>
+  <p:timing>
+    <p:tnLst>
+      <p:par>
+        <p:cTn id="1" dur="indefinite" restart="never" nodeType="tmRoot">
+          <p:childTnLst>
+            <p:seq concurrent="1" nextAc="seek">
+              <p:cTn id="2" dur="indefinite" nodeType="mainSeq">
+                <p:childTnLst>
+                  <p:par>
+                    <p:cTn id="3" fill="hold">
+                      <p:stCondLst>
+                        <p:cond delay="indefinite"/>
+                      </p:stCondLst>
+                      <p:childTnLst>
+                        <p:par>
+                          <p:cTn id="4" fill="hold">
+                            <p:stCondLst>
+                              <p:cond delay="0"/>
+                            </p:stCondLst>
+                            <p:childTnLst>
+                              <p:par>
+                                <p:cTn id="5" presetID="2" presetClass="entr" presetSubtype="4" fill="hold" nodeType="clickEffect">
+                                  <p:stCondLst>
+                                    <p:cond delay="0"/>
+                                  </p:stCondLst>
+                                  <p:childTnLst>
+                                    <p:set>
+                                      <p:cBhvr>
+                                        <p:cTn id="6" dur="1" fill="hold">
+                                          <p:stCondLst>
+                                            <p:cond delay="0"/>
+                                          </p:stCondLst>
+                                        </p:cTn>
+                                        <p:tgtEl>
+                                          <p:spTgt spid="18435">
+                                            <p:txEl>
+                                              <p:pRg st="0" end="0"/>
+                                            </p:txEl>
+                                          </p:spTgt>
+                                        </p:tgtEl>
+                                        <p:attrNameLst>
+                                          <p:attrName>style.visibility</p:attrName>
+                                        </p:attrNameLst>
+                                      </p:cBhvr>
+                                      <p:to>
+                                        <p:strVal val="visible"/>
+                                      </p:to>
+                                    </p:set>
+                                    <p:anim calcmode="lin" valueType="num">
+                                      <p:cBhvr additive="base">
+                                        <p:cTn id="7" dur="500" fill="hold"/>
+                                        <p:tgtEl>
+                                          <p:spTgt spid="18435">
+                                            <p:txEl>
+                                              <p:pRg st="0" end="0"/>
+                                            </p:txEl>
+                                          </p:spTgt>
+                                        </p:tgtEl>
+                                        <p:attrNameLst>
+                                          <p:attrName>ppt_x</p:attrName>
+                                        </p:attrNameLst>
+                                      </p:cBhvr>
+                                      <p:tavLst>
+                                        <p:tav tm="0">
+                                          <p:val>
+                                            <p:strVal val="#ppt_x"/>
+                                          </p:val>
+                                        </p:tav>
+                                        <p:tav tm="100000">
+                                          <p:val>
+                                            <p:strVal val="#ppt_x"/>
+                                          </p:val>
+                                        </p:tav>
+                                      </p:tavLst>
+                                    </p:anim>
+                                    <p:anim calcmode="lin" valueType="num">
+                                      <p:cBhvr additive="base">
+                                        <p:cTn id="8" dur="500" fill="hold"/>
+                                        <p:tgtEl>
+                                          <p:spTgt spid="18435">
+                                            <p:txEl>
+                                              <p:pRg st="0" end="0"/>
+                                            </p:txEl>
+                                          </p:spTgt>
+                                        </p:tgtEl>
+                                        <p:attrNameLst>
+                                          <p:attrName>ppt_y</p:attrName>
+                                        </p:attrNameLst>
+                                      </p:cBhvr>
+                                      <p:tavLst>
+                                        <p:tav tm="0">
+                                          <p:val>
+                                            <p:strVal val="1+#ppt_h/2"/>
+                                          </p:val>
+                                        </p:tav>
+                                        <p:tav tm="100000">
+                                          <p:val>
+                                            <p:strVal val="#ppt_y"/>
+                                          </p:val>
+                                        </p:tav>
+                                      </p:tavLst>
+                                    </p:anim>
+                                  </p:childTnLst>
+                                </p:cTn>
+                              </p:par>
+                            </p:childTnLst>
+                          </p:cTn>
+                        </p:par>
+                      </p:childTnLst>
+                    </p:cTn>
+                  </p:par>
+                  <p:par>
+                    <p:cTn id="9" fill="hold">
+                      <p:stCondLst>
+                        <p:cond delay="indefinite"/>
+                      </p:stCondLst>
+                      <p:childTnLst>
+                        <p:par>
+                          <p:cTn id="10" fill="hold">
+                            <p:stCondLst>
+                              <p:cond delay="0"/>
+                            </p:stCondLst>
+                            <p:childTnLst>
+                              <p:par>
+                                <p:cTn id="11" presetID="2" presetClass="entr" presetSubtype="4" fill="hold" nodeType="clickEffect">
+                                  <p:stCondLst>
+                                    <p:cond delay="0"/>
+                                  </p:stCondLst>
+                                  <p:childTnLst>
+                                    <p:set>
+                                      <p:cBhvr>
+                                        <p:cTn id="12" dur="1" fill="hold">
+                                          <p:stCondLst>
+                                            <p:cond delay="0"/>
+                                          </p:stCondLst>
+                                        </p:cTn>
+                                        <p:tgtEl>
+                                          <p:spTgt spid="18435">
+                                            <p:txEl>
+                                              <p:pRg st="1" end="1"/>
+                                            </p:txEl>
+                                          </p:spTgt>
+                                        </p:tgtEl>
+                                        <p:attrNameLst>
+                                          <p:attrName>style.visibility</p:attrName>
+                                        </p:attrNameLst>
+                                      </p:cBhvr>
+                                      <p:to>
+                                        <p:strVal val="visible"/>
+                                      </p:to>
+                                    </p:set>
+                                    <p:anim calcmode="lin" valueType="num">
+                                      <p:cBhvr additive="base">
+                                        <p:cTn id="13" dur="500" fill="hold"/>
+                                        <p:tgtEl>
+                                          <p:spTgt spid="18435">
+                                            <p:txEl>
+                                              <p:pRg st="1" end="1"/>
+                                            </p:txEl>
+                                          </p:spTgt>
+                                        </p:tgtEl>
+                                        <p:attrNameLst>
+                                          <p:attrName>ppt_x</p:attrName>
+                                        </p:attrNameLst>
+                                      </p:cBhvr>
+                                      <p:tavLst>
+                                        <p:tav tm="0">
+                                          <p:val>
+                                            <p:strVal val="#ppt_x"/>
+                                          </p:val>
+                                        </p:tav>
+                                        <p:tav tm="100000">
+                                          <p:val>
+                                            <p:strVal val="#ppt_x"/>
+                                          </p:val>
+                                        </p:tav>
+                                      </p:tavLst>
+                                    </p:anim>
+                                    <p:anim calcmode="lin" valueType="num">
+                                      <p:cBhvr additive="base">
+                                        <p:cTn id="14" dur="500" fill="hold"/>
+                                        <p:tgtEl>
+                                          <p:spTgt spid="18435">
+                                            <p:txEl>
+                                              <p:pRg st="1" end="1"/>
+                                            </p:txEl>
+                                          </p:spTgt>
+                                        </p:tgtEl>
+                                        <p:attrNameLst>
+                                          <p:attrName>ppt_y</p:attrName>
+                                        </p:attrNameLst>
+                                      </p:cBhvr>
+                                      <p:tavLst>
+                                        <p:tav tm="0">
+                                          <p:val>
+                                            <p:strVal val="1+#ppt_h/2"/>
+                                          </p:val>
+                                        </p:tav>
+                                        <p:tav tm="100000">
+                                          <p:val>
+                                            <p:strVal val="#ppt_y"/>
+                                          </p:val>
+                                        </p:tav>
+                                      </p:tavLst>
+                                    </p:anim>
+                                  </p:childTnLst>
+                                </p:cTn>
+                              </p:par>
+                            </p:childTnLst>
+                          </p:cTn>
+                        </p:par>
+                      </p:childTnLst>
+                    </p:cTn>
+                  </p:par>
+                </p:childTnLst>
+              </p:cTn>
+              <p:prevCondLst>
+                <p:cond evt="onPrev" delay="0">
+                  <p:tgtEl>
+                    <p:sldTgt/>
+                  </p:tgtEl>
+                </p:cond>
+              </p:prevCondLst>
+              <p:nextCondLst>
+                <p:cond evt="onNext" delay="0">
+                  <p:tgtEl>
+                    <p:sldTgt/>
+                  </p:tgtEl>
+                </p:cond>
+              </p:nextCondLst>
+            </p:seq>
+          </p:childTnLst>
+        </p:cTn>
+      </p:par>
+    </p:tnLst>
+  </p:timing>
+</p:sld>
+</file>
+
+<file path=ppt/slides/slide7.xml><?xml version="1.0" encoding="utf-8"?>
+<p:sld xmlns:a="http://schemas.openxmlformats.org/drawingml/2006/main" xmlns:r="http://schemas.openxmlformats.org/officeDocument/2006/relationships" xmlns:p="http://schemas.openxmlformats.org/presentationml/2006/main">
+  <p:cSld>
+    <p:spTree>
+      <p:nvGrpSpPr>
+        <p:cNvPr id="1" name=""/>
+        <p:cNvGrpSpPr/>
+        <p:nvPr/>
+      </p:nvGrpSpPr>
+      <p:grpSpPr>
+        <a:xfrm>
+          <a:off x="0" y="0"/>
+          <a:ext cx="0" cy="0"/>
+          <a:chOff x="0" y="0"/>
+          <a:chExt cx="0" cy="0"/>
+        </a:xfrm>
+      </p:grpSpPr>
+      <p:pic>
+        <p:nvPicPr>
+          <p:cNvPr id="19460" name="Picture 4" descr="01耶稣时代的巴勒斯坦"/>
+          <p:cNvPicPr>
+            <a:picLocks noChangeAspect="1" noChangeArrowheads="1"/>
+          </p:cNvPicPr>
+          <p:nvPr/>
+        </p:nvPicPr>
+        <p:blipFill>
+          <a:blip r:embed="rId2"/>
+          <a:srcRect/>
+          <a:stretch>
+            <a:fillRect/>
+          </a:stretch>
+        </p:blipFill>
+        <p:spPr bwMode="auto">
+          <a:xfrm>
+            <a:off x="0" y="0"/>
+            <a:ext cx="4522788" cy="6858000"/>
+          </a:xfrm>
+          <a:prstGeom prst="rect">
+            <a:avLst/>
+          </a:prstGeom>
+          <a:noFill/>
+        </p:spPr>
+      </p:pic>
+      <p:sp>
+        <p:nvSpPr>
+          <p:cNvPr id="19463" name="Rectangle 7"/>
+          <p:cNvSpPr>
+            <a:spLocks noGrp="1"/>
+          </p:cNvSpPr>
+          <p:nvPr>
+            <p:ph type="body" sz="half" idx="2"/>
+          </p:nvPr>
+        </p:nvSpPr>
+        <p:spPr>
+          <a:xfrm>
+            <a:off x="4500563" y="115888"/>
+            <a:ext cx="4824412" cy="6553200"/>
+          </a:xfrm>
+        </p:spPr>
+        <p:txBody>
+          <a:bodyPr/>
+          <a:lstStyle/>
+          <a:p>
+            <a:pPr>
+              <a:buFont typeface="Arial" charset="0"/>
+              <a:buNone/>
+            </a:pPr>
+            <a:r>
+              <a:rPr lang="en-US" altLang="zh-CN" sz="2800" smtClean="0"/>
+              <a:t>A </a:t>
+            </a:r>
+            <a:r>
+              <a:rPr lang="zh-CN" altLang="en-US" sz="2800" smtClean="0"/>
+              <a:t>约旦河上游，加利利湖以北</a:t>
+            </a:r>
+          </a:p>
+          <a:p>
+            <a:pPr>
+              <a:buFont typeface="Arial" charset="0"/>
+              <a:buNone/>
+            </a:pPr>
+            <a:r>
+              <a:rPr lang="en-US" altLang="zh-CN" sz="2800" smtClean="0"/>
+              <a:t>B </a:t>
+            </a:r>
+            <a:r>
+              <a:rPr lang="zh-CN" altLang="en-US" sz="2800" smtClean="0"/>
+              <a:t>约旦河上游，加利利湖以南</a:t>
+            </a:r>
+          </a:p>
+          <a:p>
+            <a:pPr>
+              <a:buFont typeface="Arial" charset="0"/>
+              <a:buNone/>
+            </a:pPr>
+            <a:r>
+              <a:rPr lang="en-US" altLang="zh-CN" sz="2800" smtClean="0"/>
+              <a:t>C </a:t>
+            </a:r>
+            <a:r>
+              <a:rPr lang="zh-CN" altLang="en-US" sz="2800" smtClean="0"/>
+              <a:t>约旦河中游</a:t>
+            </a:r>
+          </a:p>
+          <a:p>
+            <a:pPr>
+              <a:buFont typeface="Arial" charset="0"/>
+              <a:buNone/>
+            </a:pPr>
+            <a:r>
+              <a:rPr lang="en-US" altLang="zh-CN" sz="2800" smtClean="0"/>
+              <a:t>D </a:t>
+            </a:r>
+            <a:r>
+              <a:rPr lang="zh-CN" altLang="en-US" sz="2800" smtClean="0"/>
+              <a:t>约旦河下游，死海以北</a:t>
+            </a:r>
+          </a:p>
+        </p:txBody>
+      </p:sp>
+    </p:spTree>
+  </p:cSld>
+  <p:clrMapOvr>
+    <a:masterClrMapping/>
+  </p:clrMapOvr>
+  <p:timing>
+    <p:tnLst>
+      <p:par>
+        <p:cTn id="1" dur="indefinite" restart="never" nodeType="tmRoot">
+          <p:childTnLst>
+            <p:seq concurrent="1" nextAc="seek">
+              <p:cTn id="2" dur="indefinite" nodeType="mainSeq">
+                <p:childTnLst>
+                  <p:par>
+                    <p:cTn id="3" fill="hold">
+                      <p:stCondLst>
+                        <p:cond delay="indefinite"/>
+                      </p:stCondLst>
+                      <p:childTnLst>
+                        <p:par>
+                          <p:cTn id="4" fill="hold">
+                            <p:stCondLst>
+                              <p:cond delay="0"/>
+                            </p:stCondLst>
+                            <p:childTnLst>
+                              <p:par>
+                                <p:cTn id="5" presetID="3" presetClass="entr" presetSubtype="10" fill="hold" nodeType="clickEffect">
+                                  <p:stCondLst>
+                                    <p:cond delay="0"/>
+                                  </p:stCondLst>
+                                  <p:childTnLst>
+                                    <p:set>
+                                      <p:cBhvr>
+                                        <p:cTn id="6" dur="1" fill="hold">
+                                          <p:stCondLst>
+                                            <p:cond delay="0"/>
+                                          </p:stCondLst>
+                                        </p:cTn>
+                                        <p:tgtEl>
+                                          <p:spTgt spid="19460"/>
+                                        </p:tgtEl>
+                                        <p:attrNameLst>
+                                          <p:attrName>style.visibility</p:attrName>
+                                        </p:attrNameLst>
+                                      </p:cBhvr>
+                                      <p:to>
+                                        <p:strVal val="visible"/>
+                                      </p:to>
+                                    </p:set>
+                                    <p:animEffect transition="in" filter="blinds(horizontal)">
+                                      <p:cBhvr>
+                                        <p:cTn id="7" dur="500"/>
+                                        <p:tgtEl>
+                                          <p:spTgt spid="19460"/>
+                                        </p:tgtEl>
+                                      </p:cBhvr>
+                                    </p:animEffect>
+                                  </p:childTnLst>
+                                </p:cTn>
+                              </p:par>
+                            </p:childTnLst>
+                          </p:cTn>
+                        </p:par>
+                      </p:childTnLst>
+                    </p:cTn>
+                  </p:par>
+                  <p:par>
+                    <p:cTn id="8" fill="hold">
+                      <p:stCondLst>
+                        <p:cond delay="indefinite"/>
+                      </p:stCondLst>
+                      <p:childTnLst>
+                        <p:par>
+                          <p:cTn id="9" fill="hold">
+                            <p:stCondLst>
+                              <p:cond delay="0"/>
+                            </p:stCondLst>
+                            <p:childTnLst>
+                              <p:par>
+                                <p:cTn id="10" presetID="2" presetClass="entr" presetSubtype="2" fill="hold" nodeType="clickEffect">
+                                  <p:stCondLst>
+                                    <p:cond delay="0"/>
+                                  </p:stCondLst>
+                                  <p:childTnLst>
+                                    <p:set>
+                                      <p:cBhvr>
+                                        <p:cTn id="11" dur="1" fill="hold">
+                                          <p:stCondLst>
+                                            <p:cond delay="0"/>
+                                          </p:stCondLst>
+                                        </p:cTn>
+                                        <p:tgtEl>
+                                          <p:spTgt spid="19463">
+                                            <p:txEl>
+                                              <p:pRg st="0" end="0"/>
+                                            </p:txEl>
+                                          </p:spTgt>
+                                        </p:tgtEl>
+                                        <p:attrNameLst>
+                                          <p:attrName>style.visibility</p:attrName>
+                                        </p:attrNameLst>
+                                      </p:cBhvr>
+                                      <p:to>
+                                        <p:strVal val="visible"/>
+                                      </p:to>
+                                    </p:set>
+                                    <p:anim calcmode="lin" valueType="num">
+                                      <p:cBhvr additive="base">
+                                        <p:cTn id="12" dur="500" fill="hold"/>
+                                        <p:tgtEl>
+                                          <p:spTgt spid="19463">
+                                            <p:txEl>
+                                              <p:pRg st="0" end="0"/>
+                                            </p:txEl>
+                                          </p:spTgt>
+                                        </p:tgtEl>
+                                        <p:attrNameLst>
+                                          <p:attrName>ppt_x</p:attrName>
+                                        </p:attrNameLst>
+                                      </p:cBhvr>
+                                      <p:tavLst>
+                                        <p:tav tm="0">
+                                          <p:val>
+                                            <p:strVal val="1+#ppt_w/2"/>
+                                          </p:val>
+                                        </p:tav>
+                                        <p:tav tm="100000">
+                                          <p:val>
+                                            <p:strVal val="#ppt_x"/>
+                                          </p:val>
+                                        </p:tav>
+                                      </p:tavLst>
+                                    </p:anim>
+                                    <p:anim calcmode="lin" valueType="num">
+                                      <p:cBhvr additive="base">
+                                        <p:cTn id="13" dur="500" fill="hold"/>
+                                        <p:tgtEl>
+                                          <p:spTgt spid="19463">
+                                            <p:txEl>
+                                              <p:pRg st="0" end="0"/>
+                                            </p:txEl>
+                                          </p:spTgt>
+                                        </p:tgtEl>
+                                        <p:attrNameLst>
+                                          <p:attrName>ppt_y</p:attrName>
+                                        </p:attrNameLst>
+                                      </p:cBhvr>
+                                      <p:tavLst>
+                                        <p:tav tm="0">
+                                          <p:val>
+                                            <p:strVal val="#ppt_y"/>
+                                          </p:val>
+                                        </p:tav>
+                                        <p:tav tm="100000">
+                                          <p:val>
+                                            <p:strVal val="#ppt_y"/>
+                                          </p:val>
+                                        </p:tav>
+                                      </p:tavLst>
+                                    </p:anim>
+                                  </p:childTnLst>
+                                </p:cTn>
+                              </p:par>
+                            </p:childTnLst>
+                          </p:cTn>
+                        </p:par>
+                      </p:childTnLst>
+                    </p:cTn>
+                  </p:par>
+                  <p:par>
+                    <p:cTn id="14" fill="hold">
+                      <p:stCondLst>
+                        <p:cond delay="indefinite"/>
+                      </p:stCondLst>
+                      <p:childTnLst>
+                        <p:par>
+                          <p:cTn id="15" fill="hold">
+                            <p:stCondLst>
+                              <p:cond delay="0"/>
+                            </p:stCondLst>
+                            <p:childTnLst>
+                              <p:par>
+                                <p:cTn id="16" presetID="2" presetClass="entr" presetSubtype="2" fill="hold" nodeType="clickEffect">
+                                  <p:stCondLst>
+                                    <p:cond delay="0"/>
+                                  </p:stCondLst>
+                                  <p:childTnLst>
+                                    <p:set>
+                                      <p:cBhvr>
+                                        <p:cTn id="17" dur="1" fill="hold">
+                                          <p:stCondLst>
+                                            <p:cond delay="0"/>
+                                          </p:stCondLst>
+                                        </p:cTn>
+                                        <p:tgtEl>
+                                          <p:spTgt spid="19463">
+                                            <p:txEl>
+                                              <p:pRg st="1" end="1"/>
+                                            </p:txEl>
+                                          </p:spTgt>
+                                        </p:tgtEl>
+                                        <p:attrNameLst>
+                                          <p:attrName>style.visibility</p:attrName>
+                                        </p:attrNameLst>
+                                      </p:cBhvr>
+                                      <p:to>
+                                        <p:strVal val="visible"/>
+                                      </p:to>
+                                    </p:set>
+                                    <p:anim calcmode="lin" valueType="num">
+                                      <p:cBhvr additive="base">
+                                        <p:cTn id="18" dur="500" fill="hold"/>
+                                        <p:tgtEl>
+                                          <p:spTgt spid="19463">
+                                            <p:txEl>
+                                              <p:pRg st="1" end="1"/>
+                                            </p:txEl>
+                                          </p:spTgt>
+                                        </p:tgtEl>
+                                        <p:attrNameLst>
+                                          <p:attrName>ppt_x</p:attrName>
+                                        </p:attrNameLst>
+                                      </p:cBhvr>
+                                      <p:tavLst>
+                                        <p:tav tm="0">
+                                          <p:val>
+                                            <p:strVal val="1+#ppt_w/2"/>
+                                          </p:val>
+                                        </p:tav>
+                                        <p:tav tm="100000">
+                                          <p:val>
+                                            <p:strVal val="#ppt_x"/>
+                                          </p:val>
+                                        </p:tav>
+                                      </p:tavLst>
+                                    </p:anim>
+                                    <p:anim calcmode="lin" valueType="num">
+                                      <p:cBhvr additive="base">
+                                        <p:cTn id="19" dur="500" fill="hold"/>
+                                        <p:tgtEl>
+                                          <p:spTgt spid="19463">
+                                            <p:txEl>
+                                              <p:pRg st="1" end="1"/>
+                                            </p:txEl>
+                                          </p:spTgt>
+                                        </p:tgtEl>
+                                        <p:attrNameLst>
+                                          <p:attrName>ppt_y</p:attrName>
+                                        </p:attrNameLst>
+                                      </p:cBhvr>
+                                      <p:tavLst>
+                                        <p:tav tm="0">
+                                          <p:val>
+                                            <p:strVal val="#ppt_y"/>
+                                          </p:val>
+                                        </p:tav>
+                                        <p:tav tm="100000">
+                                          <p:val>
+                                            <p:strVal val="#ppt_y"/>
+                                          </p:val>
+                                        </p:tav>
+                                      </p:tavLst>
+                                    </p:anim>
+                                  </p:childTnLst>
+                                </p:cTn>
+                              </p:par>
+                            </p:childTnLst>
+                          </p:cTn>
+                        </p:par>
+                      </p:childTnLst>
+                    </p:cTn>
+                  </p:par>
+                  <p:par>
+                    <p:cTn id="20" fill="hold">
+                      <p:stCondLst>
+                        <p:cond delay="indefinite"/>
+                      </p:stCondLst>
+                      <p:childTnLst>
+                        <p:par>
+                          <p:cTn id="21" fill="hold">
+                            <p:stCondLst>
+                              <p:cond delay="0"/>
+                            </p:stCondLst>
+                            <p:childTnLst>
+                              <p:par>
+                                <p:cTn id="22" presetID="2" presetClass="entr" presetSubtype="2" fill="hold" nodeType="clickEffect">
+                                  <p:stCondLst>
+                                    <p:cond delay="0"/>
+                                  </p:stCondLst>
+                                  <p:childTnLst>
+                                    <p:set>
+                                      <p:cBhvr>
+                                        <p:cTn id="23" dur="1" fill="hold">
+                                          <p:stCondLst>
+                                            <p:cond delay="0"/>
+                                          </p:stCondLst>
+                                        </p:cTn>
+                                        <p:tgtEl>
+                                          <p:spTgt spid="19463">
+                                            <p:txEl>
+                                              <p:pRg st="2" end="2"/>
+                                            </p:txEl>
+                                          </p:spTgt>
+                                        </p:tgtEl>
+                                        <p:attrNameLst>
+                                          <p:attrName>style.visibility</p:attrName>
+                                        </p:attrNameLst>
+                                      </p:cBhvr>
+                                      <p:to>
+                                        <p:strVal val="visible"/>
+                                      </p:to>
+                                    </p:set>
+                                    <p:anim calcmode="lin" valueType="num">
+                                      <p:cBhvr additive="base">
+                                        <p:cTn id="24" dur="500" fill="hold"/>
+                                        <p:tgtEl>
+                                          <p:spTgt spid="19463">
+                                            <p:txEl>
+                                              <p:pRg st="2" end="2"/>
+                                            </p:txEl>
+                                          </p:spTgt>
+                                        </p:tgtEl>
+                                        <p:attrNameLst>
+                                          <p:attrName>ppt_x</p:attrName>
+                                        </p:attrNameLst>
+                                      </p:cBhvr>
+                                      <p:tavLst>
+                                        <p:tav tm="0">
+                                          <p:val>
+                                            <p:strVal val="1+#ppt_w/2"/>
+                                          </p:val>
+                                        </p:tav>
+                                        <p:tav tm="100000">
+                                          <p:val>
+                                            <p:strVal val="#ppt_x"/>
+                                          </p:val>
+                                        </p:tav>
+                                      </p:tavLst>
+                                    </p:anim>
+                                    <p:anim calcmode="lin" valueType="num">
+                                      <p:cBhvr additive="base">
+                                        <p:cTn id="25" dur="500" fill="hold"/>
+                                        <p:tgtEl>
+                                          <p:spTgt spid="19463">
+                                            <p:txEl>
+                                              <p:pRg st="2" end="2"/>
+                                            </p:txEl>
+                                          </p:spTgt>
+                                        </p:tgtEl>
+                                        <p:attrNameLst>
+                                          <p:attrName>ppt_y</p:attrName>
+                                        </p:attrNameLst>
+                                      </p:cBhvr>
+                                      <p:tavLst>
+                                        <p:tav tm="0">
+                                          <p:val>
+                                            <p:strVal val="#ppt_y"/>
+                                          </p:val>
+                                        </p:tav>
+                                        <p:tav tm="100000">
+                                          <p:val>
+                                            <p:strVal val="#ppt_y"/>
+                                          </p:val>
+                                        </p:tav>
+                                      </p:tavLst>
+                                    </p:anim>
+                                  </p:childTnLst>
+                                </p:cTn>
+                              </p:par>
+                            </p:childTnLst>
+                          </p:cTn>
+                        </p:par>
+                      </p:childTnLst>
+                    </p:cTn>
+                  </p:par>
+                  <p:par>
+                    <p:cTn id="26" fill="hold">
+                      <p:stCondLst>
+                        <p:cond delay="indefinite"/>
+                      </p:stCondLst>
+                      <p:childTnLst>
+                        <p:par>
+                          <p:cTn id="27" fill="hold">
+                            <p:stCondLst>
+                              <p:cond delay="0"/>
+                            </p:stCondLst>
+                            <p:childTnLst>
+                              <p:par>
+                                <p:cTn id="28" presetID="2" presetClass="entr" presetSubtype="2" fill="hold" nodeType="clickEffect">
+                                  <p:stCondLst>
+                                    <p:cond delay="0"/>
+                                  </p:stCondLst>
+                                  <p:childTnLst>
+                                    <p:set>
+                                      <p:cBhvr>
+                                        <p:cTn id="29" dur="1" fill="hold">
+                                          <p:stCondLst>
+                                            <p:cond delay="0"/>
+                                          </p:stCondLst>
+                                        </p:cTn>
+                                        <p:tgtEl>
+                                          <p:spTgt spid="19463">
+                                            <p:txEl>
+                                              <p:pRg st="3" end="3"/>
+                                            </p:txEl>
+                                          </p:spTgt>
+                                        </p:tgtEl>
+                                        <p:attrNameLst>
+                                          <p:attrName>style.visibility</p:attrName>
+                                        </p:attrNameLst>
+                                      </p:cBhvr>
+                                      <p:to>
+                                        <p:strVal val="visible"/>
+                                      </p:to>
+                                    </p:set>
+                                    <p:anim calcmode="lin" valueType="num">
+                                      <p:cBhvr additive="base">
+                                        <p:cTn id="30" dur="500" fill="hold"/>
+                                        <p:tgtEl>
+                                          <p:spTgt spid="19463">
+                                            <p:txEl>
+                                              <p:pRg st="3" end="3"/>
+                                            </p:txEl>
+                                          </p:spTgt>
+                                        </p:tgtEl>
+                                        <p:attrNameLst>
+                                          <p:attrName>ppt_x</p:attrName>
+                                        </p:attrNameLst>
+                                      </p:cBhvr>
+                                      <p:tavLst>
+                                        <p:tav tm="0">
+                                          <p:val>
+                                            <p:strVal val="1+#ppt_w/2"/>
+                                          </p:val>
+                                        </p:tav>
+                                        <p:tav tm="100000">
+                                          <p:val>
+                                            <p:strVal val="#ppt_x"/>
+                                          </p:val>
+                                        </p:tav>
+                                      </p:tavLst>
+                                    </p:anim>
+                                    <p:anim calcmode="lin" valueType="num">
+                                      <p:cBhvr additive="base">
+                                        <p:cTn id="31" dur="500" fill="hold"/>
+                                        <p:tgtEl>
+                                          <p:spTgt spid="19463">
+                                            <p:txEl>
+                                              <p:pRg st="3" end="3"/>
+                                            </p:txEl>
+                                          </p:spTgt>
+                                        </p:tgtEl>
+                                        <p:attrNameLst>
+                                          <p:attrName>ppt_y</p:attrName>
+                                        </p:attrNameLst>
+                                      </p:cBhvr>
+                                      <p:tavLst>
+                                        <p:tav tm="0">
+                                          <p:val>
+                                            <p:strVal val="#ppt_y"/>
+                                          </p:val>
+                                        </p:tav>
+                                        <p:tav tm="100000">
+                                          <p:val>
+                                            <p:strVal val="#ppt_y"/>
+                                          </p:val>
+                                        </p:tav>
+                                      </p:tavLst>
+                                    </p:anim>
+                                  </p:childTnLst>
+                                </p:cTn>
+                              </p:par>
+                            </p:childTnLst>
+                          </p:cTn>
+                        </p:par>
+                      </p:childTnLst>
+                    </p:cTn>
+                  </p:par>
+                </p:childTnLst>
+              </p:cTn>
+              <p:prevCondLst>
+                <p:cond evt="onPrev" delay="0">
+                  <p:tgtEl>
+                    <p:sldTgt/>
+                  </p:tgtEl>
+                </p:cond>
+              </p:prevCondLst>
+              <p:nextCondLst>
+                <p:cond evt="onNext" delay="0">
+                  <p:tgtEl>
+                    <p:sldTgt/>
+                  </p:tgtEl>
+                </p:cond>
+              </p:nextCondLst>
+            </p:seq>
+          </p:childTnLst>
+        </p:cTn>
+      </p:par>
+    </p:tnLst>
+  </p:timing>
+</p:sld>
+</file>
+
+<file path=ppt/slides/slide8.xml><?xml version="1.0" encoding="utf-8"?>
+<p:sld xmlns:a="http://schemas.openxmlformats.org/drawingml/2006/main" xmlns:r="http://schemas.openxmlformats.org/officeDocument/2006/relationships" xmlns:p="http://schemas.openxmlformats.org/presentationml/2006/main">
+  <p:cSld>
+    <p:spTree>
+      <p:nvGrpSpPr>
+        <p:cNvPr id="1" name=""/>
+        <p:cNvGrpSpPr/>
+        <p:nvPr/>
+      </p:nvGrpSpPr>
+      <p:grpSpPr>
+        <a:xfrm>
+          <a:off x="0" y="0"/>
+          <a:ext cx="0" cy="0"/>
+          <a:chOff x="0" y="0"/>
+          <a:chExt cx="0" cy="0"/>
+        </a:xfrm>
+      </p:grpSpPr>
+      <p:sp>
+        <p:nvSpPr>
+          <p:cNvPr id="21506" name="Rectangle 2"/>
+          <p:cNvSpPr>
+            <a:spLocks noGrp="1"/>
+          </p:cNvSpPr>
+          <p:nvPr>
+            <p:ph type="title"/>
+          </p:nvPr>
+        </p:nvSpPr>
+        <p:spPr/>
+        <p:txBody>
+          <a:bodyPr/>
+          <a:lstStyle/>
+          <a:p>
+            <a:r>
+              <a:rPr lang="zh-CN" altLang="en-US" smtClean="0"/>
+              <a:t>地点</a:t>
+            </a:r>
+          </a:p>
+        </p:txBody>
+      </p:sp>
+      <p:sp>
+        <p:nvSpPr>
+          <p:cNvPr id="21508" name="Rectangle 4"/>
+          <p:cNvSpPr>
+            <a:spLocks noGrp="1"/>
+          </p:cNvSpPr>
+          <p:nvPr>
+            <p:ph type="body" idx="1"/>
+          </p:nvPr>
+        </p:nvSpPr>
+        <p:spPr>
+          <a:noFill/>
+          <a:ln/>
+        </p:spPr>
+        <p:txBody>
+          <a:bodyPr/>
+          <a:lstStyle/>
+          <a:p>
+            <a:pPr>
+              <a:buFont typeface="Arial" charset="0"/>
+              <a:buNone/>
+            </a:pPr>
+            <a:r>
+              <a:rPr lang="en-US" altLang="zh-CN" smtClean="0"/>
+              <a:t>1. </a:t>
+            </a:r>
+            <a:r>
+              <a:rPr lang="zh-CN" altLang="en-US" smtClean="0"/>
+              <a:t>这段故事发生在什么地方？ </a:t>
+            </a:r>
+          </a:p>
+          <a:p>
+            <a:pPr>
+              <a:buFont typeface="Arial" charset="0"/>
+              <a:buNone/>
+            </a:pPr>
+            <a:r>
+              <a:rPr lang="en-US" altLang="zh-CN" smtClean="0"/>
+              <a:t>2.	</a:t>
+            </a:r>
+            <a:r>
+              <a:rPr lang="zh-CN" altLang="en-US" smtClean="0"/>
+              <a:t>这是一个具体地点，还是一个地区呢？</a:t>
+            </a:r>
+          </a:p>
+          <a:p>
+            <a:pPr>
+              <a:buFont typeface="Arial" charset="0"/>
+              <a:buNone/>
+            </a:pPr>
+            <a:r>
+              <a:rPr lang="en-US" altLang="zh-CN" smtClean="0"/>
+              <a:t>3. </a:t>
+            </a:r>
+            <a:r>
+              <a:rPr lang="zh-CN" altLang="en-US" smtClean="0"/>
+              <a:t>这个地方对发生的这个故事有什么意义？</a:t>
+            </a:r>
+          </a:p>
+          <a:p>
+            <a:pPr>
+              <a:buFont typeface="Arial" charset="0"/>
+              <a:buNone/>
+            </a:pPr>
+            <a:r>
+              <a:rPr lang="zh-CN" altLang="en-US" smtClean="0"/>
+              <a:t>	</a:t>
+            </a:r>
+            <a:r>
+              <a:rPr lang="en-US" altLang="zh-CN" smtClean="0"/>
+              <a:t>- </a:t>
+            </a:r>
+            <a:r>
+              <a:rPr lang="zh-CN" altLang="en-US" smtClean="0"/>
+              <a:t>这个地方曾经发生过什么事件？ </a:t>
+            </a:r>
+            <a:r>
+              <a:rPr lang="en-US" altLang="zh-CN" smtClean="0"/>
+              <a:t>  </a:t>
+            </a:r>
+          </a:p>
+        </p:txBody>
+      </p:sp>
+    </p:spTree>
+  </p:cSld>
+  <p:clrMapOvr>
+    <a:masterClrMapping/>
+  </p:clrMapOvr>
+  <p:timing>
+    <p:tnLst>
+      <p:par>
+        <p:cTn id="1" dur="indefinite" restart="never" nodeType="tmRoot">
+          <p:childTnLst>
+            <p:seq concurrent="1" nextAc="seek">
+              <p:cTn id="2" dur="indefinite" nodeType="mainSeq">
+                <p:childTnLst>
+                  <p:par>
+                    <p:cTn id="3" fill="hold">
+                      <p:stCondLst>
+                        <p:cond delay="indefinite"/>
+                      </p:stCondLst>
+                      <p:childTnLst>
+                        <p:par>
+                          <p:cTn id="4" fill="hold">
+                            <p:stCondLst>
+                              <p:cond delay="0"/>
+                            </p:stCondLst>
+                            <p:childTnLst>
+                              <p:par>
+                                <p:cTn id="5" presetID="2" presetClass="entr" presetSubtype="4" fill="hold" nodeType="clickEffect">
+                                  <p:stCondLst>
+                                    <p:cond delay="0"/>
+                                  </p:stCondLst>
+                                  <p:childTnLst>
+                                    <p:set>
+                                      <p:cBhvr>
+                                        <p:cTn id="6" dur="1" fill="hold">
+                                          <p:stCondLst>
+                                            <p:cond delay="0"/>
+                                          </p:stCondLst>
+                                        </p:cTn>
+                                        <p:tgtEl>
+                                          <p:spTgt spid="21508">
+                                            <p:txEl>
+                                              <p:pRg st="2" end="2"/>
+                                            </p:txEl>
+                                          </p:spTgt>
+                                        </p:tgtEl>
+                                        <p:attrNameLst>
+                                          <p:attrName>style.visibility</p:attrName>
+                                        </p:attrNameLst>
+                                      </p:cBhvr>
+                                      <p:to>
+                                        <p:strVal val="visible"/>
+                                      </p:to>
+                                    </p:set>
+                                    <p:anim calcmode="lin" valueType="num">
+                                      <p:cBhvr additive="base">
+                                        <p:cTn id="7" dur="500" fill="hold"/>
+                                        <p:tgtEl>
+                                          <p:spTgt spid="21508">
+                                            <p:txEl>
+                                              <p:pRg st="2" end="2"/>
+                                            </p:txEl>
+                                          </p:spTgt>
+                                        </p:tgtEl>
+                                        <p:attrNameLst>
+                                          <p:attrName>ppt_x</p:attrName>
+                                        </p:attrNameLst>
+                                      </p:cBhvr>
+                                      <p:tavLst>
+                                        <p:tav tm="0">
+                                          <p:val>
+                                            <p:strVal val="#ppt_x"/>
+                                          </p:val>
+                                        </p:tav>
+                                        <p:tav tm="100000">
+                                          <p:val>
+                                            <p:strVal val="#ppt_x"/>
+                                          </p:val>
+                                        </p:tav>
+                                      </p:tavLst>
+                                    </p:anim>
+                                    <p:anim calcmode="lin" valueType="num">
+                                      <p:cBhvr additive="base">
+                                        <p:cTn id="8" dur="500" fill="hold"/>
+                                        <p:tgtEl>
+                                          <p:spTgt spid="21508">
+                                            <p:txEl>
+                                              <p:pRg st="2" end="2"/>
+                                            </p:txEl>
+                                          </p:spTgt>
+                                        </p:tgtEl>
+                                        <p:attrNameLst>
+                                          <p:attrName>ppt_y</p:attrName>
+                                        </p:attrNameLst>
+                                      </p:cBhvr>
+                                      <p:tavLst>
+                                        <p:tav tm="0">
+                                          <p:val>
+                                            <p:strVal val="1+#ppt_h/2"/>
+                                          </p:val>
+                                        </p:tav>
+                                        <p:tav tm="100000">
+                                          <p:val>
+                                            <p:strVal val="#ppt_y"/>
+                                          </p:val>
+                                        </p:tav>
+                                      </p:tavLst>
+                                    </p:anim>
+                                  </p:childTnLst>
+                                </p:cTn>
+                              </p:par>
+                            </p:childTnLst>
+                          </p:cTn>
+                        </p:par>
+                      </p:childTnLst>
+                    </p:cTn>
+                  </p:par>
+                  <p:par>
+                    <p:cTn id="9" fill="hold">
+                      <p:stCondLst>
+                        <p:cond delay="indefinite"/>
+                      </p:stCondLst>
+                      <p:childTnLst>
+                        <p:par>
+                          <p:cTn id="10" fill="hold">
+                            <p:stCondLst>
+                              <p:cond delay="0"/>
+                            </p:stCondLst>
+                            <p:childTnLst>
+                              <p:par>
+                                <p:cTn id="11" presetID="2" presetClass="entr" presetSubtype="4" fill="hold" nodeType="clickEffect">
+                                  <p:stCondLst>
+                                    <p:cond delay="0"/>
+                                  </p:stCondLst>
+                                  <p:childTnLst>
+                                    <p:set>
+                                      <p:cBhvr>
+                                        <p:cTn id="12" dur="1" fill="hold">
+                                          <p:stCondLst>
+                                            <p:cond delay="0"/>
+                                          </p:stCondLst>
+                                        </p:cTn>
+                                        <p:tgtEl>
+                                          <p:spTgt spid="21508">
+                                            <p:txEl>
+                                              <p:pRg st="3" end="3"/>
+                                            </p:txEl>
+                                          </p:spTgt>
+                                        </p:tgtEl>
+                                        <p:attrNameLst>
+                                          <p:attrName>style.visibility</p:attrName>
+                                        </p:attrNameLst>
+                                      </p:cBhvr>
+                                      <p:to>
+                                        <p:strVal val="visible"/>
+                                      </p:to>
+                                    </p:set>
+                                    <p:anim calcmode="lin" valueType="num">
+                                      <p:cBhvr additive="base">
+                                        <p:cTn id="13" dur="500" fill="hold"/>
+                                        <p:tgtEl>
+                                          <p:spTgt spid="21508">
+                                            <p:txEl>
+                                              <p:pRg st="3" end="3"/>
+                                            </p:txEl>
+                                          </p:spTgt>
+                                        </p:tgtEl>
+                                        <p:attrNameLst>
+                                          <p:attrName>ppt_x</p:attrName>
+                                        </p:attrNameLst>
+                                      </p:cBhvr>
+                                      <p:tavLst>
+                                        <p:tav tm="0">
+                                          <p:val>
+                                            <p:strVal val="#ppt_x"/>
+                                          </p:val>
+                                        </p:tav>
+                                        <p:tav tm="100000">
+                                          <p:val>
+                                            <p:strVal val="#ppt_x"/>
+                                          </p:val>
+                                        </p:tav>
+                                      </p:tavLst>
+                                    </p:anim>
+                                    <p:anim calcmode="lin" valueType="num">
+                                      <p:cBhvr additive="base">
+                                        <p:cTn id="14" dur="500" fill="hold"/>
+                                        <p:tgtEl>
+                                          <p:spTgt spid="21508">
+                                            <p:txEl>
+                                              <p:pRg st="3" end="3"/>
+                                            </p:txEl>
+                                          </p:spTgt>
+                                        </p:tgtEl>
+                                        <p:attrNameLst>
+                                          <p:attrName>ppt_y</p:attrName>
+                                        </p:attrNameLst>
+                                      </p:cBhvr>
+                                      <p:tavLst>
+                                        <p:tav tm="0">
+                                          <p:val>
+                                            <p:strVal val="1+#ppt_h/2"/>
+                                          </p:val>
+                                        </p:tav>
+                                        <p:tav tm="100000">
+                                          <p:val>
+                                            <p:strVal val="#ppt_y"/>
+                                          </p:val>
+                                        </p:tav>
+                                      </p:tavLst>
+                                    </p:anim>
+                                  </p:childTnLst>
+                                </p:cTn>
+                              </p:par>
+                            </p:childTnLst>
+                          </p:cTn>
+                        </p:par>
+                      </p:childTnLst>
+                    </p:cTn>
+                  </p:par>
+                </p:childTnLst>
+              </p:cTn>
+              <p:prevCondLst>
+                <p:cond evt="onPrev" delay="0">
+                  <p:tgtEl>
+                    <p:sldTgt/>
+                  </p:tgtEl>
+                </p:cond>
+              </p:prevCondLst>
+              <p:nextCondLst>
+                <p:cond evt="onNext" delay="0">
+                  <p:tgtEl>
+                    <p:sldTgt/>
+                  </p:tgtEl>
+                </p:cond>
+              </p:nextCondLst>
+            </p:seq>
+          </p:childTnLst>
+        </p:cTn>
+      </p:par>
+    </p:tnLst>
+  </p:timing>
+</p:sld>
+</file>
+
+<file path=ppt/slides/slide9.xml><?xml version="1.0" encoding="utf-8"?>
+<p:sld xmlns:a="http://schemas.openxmlformats.org/drawingml/2006/main" xmlns:r="http://schemas.openxmlformats.org/officeDocument/2006/relationships" xmlns:p="http://schemas.openxmlformats.org/presentationml/2006/main">
+  <p:cSld>
+    <p:spTree>
+      <p:nvGrpSpPr>
+        <p:cNvPr id="1" name=""/>
+        <p:cNvGrpSpPr/>
+        <p:nvPr/>
+      </p:nvGrpSpPr>
+      <p:grpSpPr>
+        <a:xfrm>
+          <a:off x="0" y="0"/>
+          <a:ext cx="0" cy="0"/>
+          <a:chOff x="0" y="0"/>
+          <a:chExt cx="0" cy="0"/>
+        </a:xfrm>
+      </p:grpSpPr>
+      <p:pic>
+        <p:nvPicPr>
+          <p:cNvPr id="22533" name="Picture 5" descr="01以利亚的事迹"/>
+          <p:cNvPicPr>
+            <a:picLocks noGrp="1" noChangeAspect="1" noChangeArrowheads="1"/>
+          </p:cNvPicPr>
+          <p:nvPr>
+            <p:ph/>
+          </p:nvPr>
+        </p:nvPicPr>
+        <p:blipFill>
+          <a:blip r:embed="rId2"/>
+          <a:srcRect/>
+          <a:stretch>
+            <a:fillRect/>
+          </a:stretch>
+        </p:blipFill>
+        <p:spPr>
+          <a:xfrm>
+            <a:off x="0" y="-3340100"/>
+            <a:ext cx="9117013" cy="11233150"/>
+          </a:xfrm>
+        </p:spPr>
+      </p:pic>
+    </p:spTree>
+  </p:cSld>
+  <p:clrMapOvr>
+    <a:masterClrMapping/>
+  </p:clrMapOvr>
   <p:timing>
     <p:tnLst>
       <p:par>
